--- a/syllabus/17_javascript/syllabus_17_js.pptx
+++ b/syllabus/17_javascript/syllabus_17_js.pptx
@@ -5,7 +5,7 @@
     <p:sldMasterId id="2147483856" r:id="rId1"/>
   </p:sldMasterIdLst>
   <p:notesMasterIdLst>
-    <p:notesMasterId r:id="rId76"/>
+    <p:notesMasterId r:id="rId82"/>
   </p:notesMasterIdLst>
   <p:sldIdLst>
     <p:sldId id="256" r:id="rId2"/>
@@ -82,6 +82,12 @@
     <p:sldId id="515" r:id="rId73"/>
     <p:sldId id="516" r:id="rId74"/>
     <p:sldId id="518" r:id="rId75"/>
+    <p:sldId id="561" r:id="rId76"/>
+    <p:sldId id="562" r:id="rId77"/>
+    <p:sldId id="553" r:id="rId78"/>
+    <p:sldId id="539" r:id="rId79"/>
+    <p:sldId id="540" r:id="rId80"/>
+    <p:sldId id="587" r:id="rId81"/>
   </p:sldIdLst>
   <p:sldSz cx="12192000" cy="6858000"/>
   <p:notesSz cx="6858000" cy="9144000"/>
@@ -264,6 +270,12 @@
             <p14:sldId id="515"/>
             <p14:sldId id="516"/>
             <p14:sldId id="518"/>
+            <p14:sldId id="561"/>
+            <p14:sldId id="562"/>
+            <p14:sldId id="553"/>
+            <p14:sldId id="539"/>
+            <p14:sldId id="540"/>
+            <p14:sldId id="587"/>
           </p14:sldIdLst>
         </p14:section>
       </p14:sectionLst>
@@ -394,7 +406,7 @@
           <a:p>
             <a:fld id="{FCE9742F-4DAE-47F5-9244-6ACC3985DD6B}" type="datetimeFigureOut">
               <a:rPr lang="fr-BE" smtClean="0"/>
-              <a:t>15-09-25</a:t>
+              <a:t>06-10-25</a:t>
             </a:fld>
             <a:endParaRPr lang="fr-BE"/>
           </a:p>
@@ -6009,6 +6021,90 @@
 </p:notes>
 </file>
 
+<file path=ppt/notesSlides/notesSlide53.xml><?xml version="1.0" encoding="utf-8"?>
+<p:notes xmlns:a="http://schemas.openxmlformats.org/drawingml/2006/main" xmlns:r="http://schemas.openxmlformats.org/officeDocument/2006/relationships" xmlns:p="http://schemas.openxmlformats.org/presentationml/2006/main">
+  <p:cSld>
+    <p:spTree>
+      <p:nvGrpSpPr>
+        <p:cNvPr id="1" name=""/>
+        <p:cNvGrpSpPr/>
+        <p:nvPr/>
+      </p:nvGrpSpPr>
+      <p:grpSpPr>
+        <a:xfrm>
+          <a:off x="0" y="0"/>
+          <a:ext cx="0" cy="0"/>
+          <a:chOff x="0" y="0"/>
+          <a:chExt cx="0" cy="0"/>
+        </a:xfrm>
+      </p:grpSpPr>
+      <p:sp>
+        <p:nvSpPr>
+          <p:cNvPr id="2" name="Espace réservé de l'image des diapositives 1"/>
+          <p:cNvSpPr>
+            <a:spLocks noGrp="1" noRot="1" noChangeAspect="1"/>
+          </p:cNvSpPr>
+          <p:nvPr>
+            <p:ph type="sldImg"/>
+          </p:nvPr>
+        </p:nvSpPr>
+        <p:spPr/>
+      </p:sp>
+      <p:sp>
+        <p:nvSpPr>
+          <p:cNvPr id="3" name="Espace réservé des notes 2"/>
+          <p:cNvSpPr>
+            <a:spLocks noGrp="1"/>
+          </p:cNvSpPr>
+          <p:nvPr>
+            <p:ph type="body" idx="1"/>
+          </p:nvPr>
+        </p:nvSpPr>
+        <p:spPr/>
+        <p:txBody>
+          <a:bodyPr/>
+          <a:lstStyle/>
+          <a:p>
+            <a:endParaRPr lang="fr-BE" dirty="0"/>
+          </a:p>
+        </p:txBody>
+      </p:sp>
+      <p:sp>
+        <p:nvSpPr>
+          <p:cNvPr id="4" name="Espace réservé du numéro de diapositive 3"/>
+          <p:cNvSpPr>
+            <a:spLocks noGrp="1"/>
+          </p:cNvSpPr>
+          <p:nvPr>
+            <p:ph type="sldNum" sz="quarter" idx="5"/>
+          </p:nvPr>
+        </p:nvSpPr>
+        <p:spPr/>
+        <p:txBody>
+          <a:bodyPr/>
+          <a:lstStyle/>
+          <a:p>
+            <a:fld id="{0E3842A0-1A3F-4998-8237-CE5EEE5DFDF0}" type="slidenum">
+              <a:rPr lang="fr-BE" smtClean="0"/>
+              <a:t>75</a:t>
+            </a:fld>
+            <a:endParaRPr lang="fr-BE"/>
+          </a:p>
+        </p:txBody>
+      </p:sp>
+    </p:spTree>
+    <p:extLst>
+      <p:ext uri="{BB962C8B-B14F-4D97-AF65-F5344CB8AC3E}">
+        <p14:creationId xmlns:p14="http://schemas.microsoft.com/office/powerpoint/2010/main" val="440601370"/>
+      </p:ext>
+    </p:extLst>
+  </p:cSld>
+  <p:clrMapOvr>
+    <a:masterClrMapping/>
+  </p:clrMapOvr>
+</p:notes>
+</file>
+
 <file path=ppt/notesSlides/notesSlide6.xml><?xml version="1.0" encoding="utf-8"?>
 <p:notes xmlns:a="http://schemas.openxmlformats.org/drawingml/2006/main" xmlns:r="http://schemas.openxmlformats.org/officeDocument/2006/relationships" xmlns:p="http://schemas.openxmlformats.org/presentationml/2006/main" showMasterSp="0" showMasterPhAnim="0">
   <p:cSld>
@@ -6578,7 +6674,7 @@
           <a:p>
             <a:fld id="{F3953782-D06E-4853-BE3C-64C197273937}" type="datetimeFigureOut">
               <a:rPr lang="fr-BE" smtClean="0"/>
-              <a:t>15-09-25</a:t>
+              <a:t>06-10-25</a:t>
             </a:fld>
             <a:endParaRPr lang="fr-BE"/>
           </a:p>
@@ -8446,7 +8542,7 @@
           <a:p>
             <a:fld id="{F3953782-D06E-4853-BE3C-64C197273937}" type="datetimeFigureOut">
               <a:rPr lang="fr-BE" smtClean="0"/>
-              <a:t>15-09-25</a:t>
+              <a:t>06-10-25</a:t>
             </a:fld>
             <a:endParaRPr lang="fr-BE"/>
           </a:p>
@@ -8762,7 +8858,7 @@
           <a:p>
             <a:fld id="{F3953782-D06E-4853-BE3C-64C197273937}" type="datetimeFigureOut">
               <a:rPr lang="fr-BE" smtClean="0"/>
-              <a:t>15-09-25</a:t>
+              <a:t>06-10-25</a:t>
             </a:fld>
             <a:endParaRPr lang="fr-BE"/>
           </a:p>
@@ -8959,7 +9055,7 @@
           <a:p>
             <a:fld id="{F3953782-D06E-4853-BE3C-64C197273937}" type="datetimeFigureOut">
               <a:rPr lang="fr-BE" smtClean="0"/>
-              <a:t>15-09-25</a:t>
+              <a:t>06-10-25</a:t>
             </a:fld>
             <a:endParaRPr lang="fr-BE"/>
           </a:p>
@@ -9221,7 +9317,7 @@
           <a:p>
             <a:fld id="{F3953782-D06E-4853-BE3C-64C197273937}" type="datetimeFigureOut">
               <a:rPr lang="fr-BE" smtClean="0"/>
-              <a:t>15-09-25</a:t>
+              <a:t>06-10-25</a:t>
             </a:fld>
             <a:endParaRPr lang="fr-BE"/>
           </a:p>
@@ -9619,7 +9715,7 @@
           <a:p>
             <a:fld id="{F3953782-D06E-4853-BE3C-64C197273937}" type="datetimeFigureOut">
               <a:rPr lang="fr-BE" smtClean="0"/>
-              <a:t>15-09-25</a:t>
+              <a:t>06-10-25</a:t>
             </a:fld>
             <a:endParaRPr lang="fr-BE"/>
           </a:p>
@@ -9767,7 +9863,7 @@
           <a:p>
             <a:fld id="{F3953782-D06E-4853-BE3C-64C197273937}" type="datetimeFigureOut">
               <a:rPr lang="fr-BE" smtClean="0"/>
-              <a:t>15-09-25</a:t>
+              <a:t>06-10-25</a:t>
             </a:fld>
             <a:endParaRPr lang="fr-BE"/>
           </a:p>
@@ -10116,7 +10212,7 @@
           <a:p>
             <a:fld id="{F3953782-D06E-4853-BE3C-64C197273937}" type="datetimeFigureOut">
               <a:rPr lang="fr-BE" smtClean="0"/>
-              <a:t>15-09-25</a:t>
+              <a:t>06-10-25</a:t>
             </a:fld>
             <a:endParaRPr lang="fr-BE"/>
           </a:p>
@@ -10442,7 +10538,7 @@
           <a:p>
             <a:fld id="{F3953782-D06E-4853-BE3C-64C197273937}" type="datetimeFigureOut">
               <a:rPr lang="fr-BE" smtClean="0"/>
-              <a:t>15-09-25</a:t>
+              <a:t>06-10-25</a:t>
             </a:fld>
             <a:endParaRPr lang="fr-BE"/>
           </a:p>
@@ -11093,7 +11189,7 @@
         <p14:reveal/>
       </p:transition>
     </mc:Choice>
-    <mc:Fallback xmlns="" xmlns:mv="urn:schemas-microsoft-com:mac:vml" xmlns:c="http://schemas.openxmlformats.org/drawingml/2006/chart" xmlns:dgm="http://schemas.openxmlformats.org/drawingml/2006/diagram" xmlns:o="urn:schemas-microsoft-com:office:office" xmlns:v="urn:schemas-microsoft-com:vml" xmlns:pvml="urn:schemas-microsoft-com:office:powerpoint" xmlns:com="http://schemas.openxmlformats.org/drawingml/2006/compatibility" xmlns:p15="http://schemas.microsoft.com/office/powerpoint/2012/main" xmlns:ahyp="http://schemas.microsoft.com/office/drawing/2018/hyperlinkcolor">
+    <mc:Fallback xmlns:ahyp="http://schemas.microsoft.com/office/drawing/2018/hyperlinkcolor" xmlns:p15="http://schemas.microsoft.com/office/powerpoint/2012/main" xmlns:com="http://schemas.openxmlformats.org/drawingml/2006/compatibility" xmlns:pvml="urn:schemas-microsoft-com:office:powerpoint" xmlns:v="urn:schemas-microsoft-com:vml" xmlns:o="urn:schemas-microsoft-com:office:office" xmlns:dgm="http://schemas.openxmlformats.org/drawingml/2006/diagram" xmlns:c="http://schemas.openxmlformats.org/drawingml/2006/chart" xmlns:mv="urn:schemas-microsoft-com:mac:vml" xmlns="">
       <p:transition spd="med">
         <p:fade/>
       </p:transition>
@@ -12036,26 +12132,22 @@
               </a:rPr>
             </a:br>
             <a:r>
-              <a:rPr lang="fr-BE" b="1" dirty="0" err="1">
-                <a:solidFill>
-                  <a:schemeClr val="accent6">
-                    <a:lumMod val="50000"/>
-                  </a:schemeClr>
-                </a:solidFill>
-                <a:latin typeface="Courier New" panose="02070309020205020404" pitchFamily="49" charset="0"/>
+              <a:rPr lang="fr-BE" dirty="0" err="1">
+                <a:solidFill>
+                  <a:srgbClr val="996633"/>
+                </a:solidFill>
+                <a:latin typeface="Consolas" panose="020B0609020204030204" pitchFamily="49" charset="0"/>
                 <a:cs typeface="Courier New" panose="02070309020205020404" pitchFamily="49" charset="0"/>
                 <a:sym typeface="Calibri"/>
               </a:rPr>
               <a:t>alert</a:t>
             </a:r>
             <a:r>
-              <a:rPr lang="fr-BE" b="1" dirty="0">
-                <a:solidFill>
-                  <a:schemeClr val="accent6">
-                    <a:lumMod val="50000"/>
-                  </a:schemeClr>
-                </a:solidFill>
-                <a:latin typeface="Courier New" panose="02070309020205020404" pitchFamily="49" charset="0"/>
+              <a:rPr lang="fr-BE" dirty="0">
+                <a:solidFill>
+                  <a:srgbClr val="996633"/>
+                </a:solidFill>
+                <a:latin typeface="Consolas" panose="020B0609020204030204" pitchFamily="49" charset="0"/>
                 <a:cs typeface="Courier New" panose="02070309020205020404" pitchFamily="49" charset="0"/>
                 <a:sym typeface="Calibri"/>
               </a:rPr>
@@ -12461,26 +12553,22 @@
               <a:buNone/>
             </a:pPr>
             <a:r>
-              <a:rPr lang="fr-BE" b="1">
-                <a:solidFill>
-                  <a:schemeClr val="accent6">
-                    <a:lumMod val="50000"/>
-                  </a:schemeClr>
-                </a:solidFill>
-                <a:latin typeface="Courier New" panose="02070309020205020404" pitchFamily="49" charset="0"/>
+              <a:rPr lang="fr-BE">
+                <a:solidFill>
+                  <a:srgbClr val="996633"/>
+                </a:solidFill>
+                <a:latin typeface="Consolas" panose="020B0609020204030204" pitchFamily="49" charset="0"/>
                 <a:cs typeface="Courier New" panose="02070309020205020404" pitchFamily="49" charset="0"/>
                 <a:sym typeface="Courier New"/>
               </a:rPr>
               <a:t>var myvar </a:t>
             </a:r>
             <a:r>
-              <a:rPr lang="fr-BE" b="1" dirty="0">
-                <a:solidFill>
-                  <a:schemeClr val="accent6">
-                    <a:lumMod val="50000"/>
-                  </a:schemeClr>
-                </a:solidFill>
-                <a:latin typeface="Courier New" panose="02070309020205020404" pitchFamily="49" charset="0"/>
+              <a:rPr lang="fr-BE" dirty="0">
+                <a:solidFill>
+                  <a:srgbClr val="996633"/>
+                </a:solidFill>
+                <a:latin typeface="Consolas" panose="020B0609020204030204" pitchFamily="49" charset="0"/>
                 <a:cs typeface="Courier New" panose="02070309020205020404" pitchFamily="49" charset="0"/>
                 <a:sym typeface="Courier New"/>
               </a:rPr>
@@ -12492,13 +12580,11 @@
               <a:buNone/>
             </a:pPr>
             <a:r>
-              <a:rPr lang="fr-BE" b="1" dirty="0">
-                <a:solidFill>
-                  <a:schemeClr val="accent6">
-                    <a:lumMod val="50000"/>
-                  </a:schemeClr>
-                </a:solidFill>
-                <a:latin typeface="Courier New" panose="02070309020205020404" pitchFamily="49" charset="0"/>
+              <a:rPr lang="fr-BE" dirty="0">
+                <a:solidFill>
+                  <a:srgbClr val="996633"/>
+                </a:solidFill>
+                <a:latin typeface="Consolas" panose="020B0609020204030204" pitchFamily="49" charset="0"/>
                 <a:cs typeface="Courier New" panose="02070309020205020404" pitchFamily="49" charset="0"/>
                 <a:sym typeface="Courier New"/>
               </a:rPr>
@@ -12510,26 +12596,22 @@
               <a:buNone/>
             </a:pPr>
             <a:r>
-              <a:rPr lang="fr-BE" b="1">
-                <a:solidFill>
-                  <a:schemeClr val="accent6">
-                    <a:lumMod val="50000"/>
-                  </a:schemeClr>
-                </a:solidFill>
-                <a:latin typeface="Courier New" panose="02070309020205020404" pitchFamily="49" charset="0"/>
+              <a:rPr lang="fr-BE">
+                <a:solidFill>
+                  <a:srgbClr val="996633"/>
+                </a:solidFill>
+                <a:latin typeface="Consolas" panose="020B0609020204030204" pitchFamily="49" charset="0"/>
                 <a:cs typeface="Courier New" panose="02070309020205020404" pitchFamily="49" charset="0"/>
                 <a:sym typeface="Courier New"/>
               </a:rPr>
               <a:t>myvar </a:t>
             </a:r>
             <a:r>
-              <a:rPr lang="fr-BE" b="1" dirty="0">
-                <a:solidFill>
-                  <a:schemeClr val="accent6">
-                    <a:lumMod val="50000"/>
-                  </a:schemeClr>
-                </a:solidFill>
-                <a:latin typeface="Courier New" panose="02070309020205020404" pitchFamily="49" charset="0"/>
+              <a:rPr lang="fr-BE" dirty="0">
+                <a:solidFill>
+                  <a:srgbClr val="996633"/>
+                </a:solidFill>
+                <a:latin typeface="Consolas" panose="020B0609020204030204" pitchFamily="49" charset="0"/>
                 <a:cs typeface="Courier New" panose="02070309020205020404" pitchFamily="49" charset="0"/>
                 <a:sym typeface="Courier New"/>
               </a:rPr>
@@ -12676,7 +12758,7 @@
         </p:spPr>
         <p:txBody>
           <a:bodyPr numCol="2">
-            <a:normAutofit/>
+            <a:normAutofit lnSpcReduction="10000"/>
           </a:bodyPr>
           <a:lstStyle/>
           <a:p>
@@ -12758,6 +12840,15 @@
             </a:r>
           </a:p>
           <a:p>
+            <a:pPr lvl="1"/>
+            <a:r>
+              <a:rPr lang="fr-BE">
+                <a:sym typeface="Courier New"/>
+              </a:rPr>
+              <a:t>vieillot, à éviter</a:t>
+            </a:r>
+          </a:p>
+          <a:p>
             <a:r>
               <a:rPr lang="fr-BE" sz="3000">
                 <a:solidFill>
@@ -12872,6 +12963,15 @@
                 <a:sym typeface="Courier New"/>
               </a:rPr>
               <a:t>)</a:t>
+            </a:r>
+          </a:p>
+          <a:p>
+            <a:pPr lvl="1"/>
+            <a:r>
+              <a:rPr lang="fr-BE">
+                <a:sym typeface="Courier New"/>
+              </a:rPr>
+              <a:t>recommandé</a:t>
             </a:r>
             <a:endParaRPr lang="fr-BE">
               <a:solidFill>
@@ -12962,6 +13062,15 @@
                 <a:sym typeface="Courier New"/>
               </a:rPr>
               <a:t>impossible</a:t>
+            </a:r>
+          </a:p>
+          <a:p>
+            <a:pPr lvl="1"/>
+            <a:r>
+              <a:rPr lang="fr-BE">
+                <a:sym typeface="Courier New"/>
+              </a:rPr>
+              <a:t>recommandé</a:t>
             </a:r>
           </a:p>
         </p:txBody>
@@ -12995,7 +13104,7 @@
             <a:fld id="{9D382761-2948-48A1-AEF1-887E6D461BE5}" type="datetime1">
               <a:rPr lang="fr-BE" smtClean="0"/>
               <a:pPr/>
-              <a:t>15-09-25</a:t>
+              <a:t>06-10-25</a:t>
             </a:fld>
             <a:endParaRPr lang="fr-BE"/>
           </a:p>
@@ -13124,7 +13233,7 @@
         <p:spPr/>
         <p:txBody>
           <a:bodyPr>
-            <a:normAutofit fontScale="77500" lnSpcReduction="20000"/>
+            <a:normAutofit fontScale="85000" lnSpcReduction="20000"/>
           </a:bodyPr>
           <a:lstStyle/>
           <a:p>
@@ -13160,13 +13269,11 @@
               <a:t> </a:t>
             </a:r>
             <a:r>
-              <a:rPr lang="en-US" b="1" dirty="0">
-                <a:solidFill>
-                  <a:schemeClr val="accent6">
-                    <a:lumMod val="50000"/>
-                  </a:schemeClr>
-                </a:solidFill>
-                <a:latin typeface="Courier New" panose="02070309020205020404" pitchFamily="49" charset="0"/>
+              <a:rPr lang="en-US" dirty="0">
+                <a:solidFill>
+                  <a:srgbClr val="996633"/>
+                </a:solidFill>
+                <a:latin typeface="Consolas" panose="020B0609020204030204" pitchFamily="49" charset="0"/>
                 <a:cs typeface="Courier New" panose="02070309020205020404" pitchFamily="49" charset="0"/>
               </a:rPr>
               <a:t>true</a:t>
@@ -13184,18 +13291,21 @@
               <a:t> </a:t>
             </a:r>
             <a:r>
-              <a:rPr lang="en-US" b="1" dirty="0">
-                <a:solidFill>
-                  <a:schemeClr val="accent6">
-                    <a:lumMod val="50000"/>
-                  </a:schemeClr>
-                </a:solidFill>
-                <a:latin typeface="Courier New" panose="02070309020205020404" pitchFamily="49" charset="0"/>
+              <a:rPr lang="en-US" dirty="0">
+                <a:solidFill>
+                  <a:srgbClr val="996633"/>
+                </a:solidFill>
+                <a:latin typeface="Consolas" panose="020B0609020204030204" pitchFamily="49" charset="0"/>
                 <a:cs typeface="Courier New" panose="02070309020205020404" pitchFamily="49" charset="0"/>
               </a:rPr>
               <a:t>false</a:t>
             </a:r>
-            <a:endParaRPr lang="fr-BE" dirty="0"/>
+            <a:endParaRPr lang="fr-BE" dirty="0">
+              <a:solidFill>
+                <a:srgbClr val="996633"/>
+              </a:solidFill>
+              <a:latin typeface="Consolas" panose="020B0609020204030204" pitchFamily="49" charset="0"/>
+            </a:endParaRPr>
           </a:p>
           <a:p>
             <a:r>
@@ -13249,64 +13359,54 @@
               <a:buNone/>
             </a:pPr>
             <a:r>
-              <a:rPr lang="fr-BE" sz="2800" b="1" dirty="0">
-                <a:solidFill>
-                  <a:schemeClr val="accent6">
-                    <a:lumMod val="50000"/>
-                  </a:schemeClr>
-                </a:solidFill>
-                <a:latin typeface="Courier New" panose="02070309020205020404" pitchFamily="49" charset="0"/>
+              <a:rPr lang="fr-BE" sz="2800">
+                <a:solidFill>
+                  <a:srgbClr val="996633"/>
+                </a:solidFill>
+                <a:latin typeface="Consolas" panose="020B0609020204030204" pitchFamily="49" charset="0"/>
                 <a:cs typeface="Courier New" panose="02070309020205020404" pitchFamily="49" charset="0"/>
                 <a:sym typeface="Courier New"/>
               </a:rPr>
               <a:t>	</a:t>
             </a:r>
             <a:r>
-              <a:rPr lang="fr-BE" sz="3000" b="1" dirty="0">
-                <a:solidFill>
-                  <a:schemeClr val="accent6">
-                    <a:lumMod val="50000"/>
-                  </a:schemeClr>
-                </a:solidFill>
-                <a:latin typeface="Courier New" panose="02070309020205020404" pitchFamily="49" charset="0"/>
-                <a:cs typeface="Courier New" panose="02070309020205020404" pitchFamily="49" charset="0"/>
-                <a:sym typeface="Courier New"/>
-              </a:rPr>
-              <a:t>var </a:t>
-            </a:r>
-            <a:r>
-              <a:rPr lang="fr-BE" sz="3000" b="1" dirty="0" err="1">
-                <a:solidFill>
-                  <a:schemeClr val="accent6">
-                    <a:lumMod val="50000"/>
-                  </a:schemeClr>
-                </a:solidFill>
-                <a:latin typeface="Courier New" panose="02070309020205020404" pitchFamily="49" charset="0"/>
+              <a:rPr lang="fr-BE" sz="3000">
+                <a:solidFill>
+                  <a:srgbClr val="996633"/>
+                </a:solidFill>
+                <a:latin typeface="Consolas" panose="020B0609020204030204" pitchFamily="49" charset="0"/>
+                <a:cs typeface="Courier New" panose="02070309020205020404" pitchFamily="49" charset="0"/>
+                <a:sym typeface="Courier New"/>
+              </a:rPr>
+              <a:t>let </a:t>
+            </a:r>
+            <a:r>
+              <a:rPr lang="fr-BE" sz="3000" dirty="0" err="1">
+                <a:solidFill>
+                  <a:srgbClr val="996633"/>
+                </a:solidFill>
+                <a:latin typeface="Consolas" panose="020B0609020204030204" pitchFamily="49" charset="0"/>
                 <a:cs typeface="Courier New" panose="02070309020205020404" pitchFamily="49" charset="0"/>
                 <a:sym typeface="Courier New"/>
               </a:rPr>
               <a:t>nombreEntier</a:t>
             </a:r>
             <a:r>
-              <a:rPr lang="fr-BE" sz="3000" b="1" dirty="0">
-                <a:solidFill>
-                  <a:schemeClr val="accent6">
-                    <a:lumMod val="50000"/>
-                  </a:schemeClr>
-                </a:solidFill>
-                <a:latin typeface="Courier New" panose="02070309020205020404" pitchFamily="49" charset="0"/>
+              <a:rPr lang="fr-BE" sz="3000" dirty="0">
+                <a:solidFill>
+                  <a:srgbClr val="996633"/>
+                </a:solidFill>
+                <a:latin typeface="Consolas" panose="020B0609020204030204" pitchFamily="49" charset="0"/>
                 <a:cs typeface="Courier New" panose="02070309020205020404" pitchFamily="49" charset="0"/>
                 <a:sym typeface="Courier New"/>
               </a:rPr>
               <a:t> = 11;</a:t>
             </a:r>
-            <a:endParaRPr lang="fr-BE" sz="2800" b="1" dirty="0">
+            <a:endParaRPr lang="fr-BE" sz="2800" dirty="0">
               <a:solidFill>
-                <a:schemeClr val="accent6">
-                  <a:lumMod val="50000"/>
-                </a:schemeClr>
+                <a:srgbClr val="996633"/>
               </a:solidFill>
-              <a:latin typeface="Courier New" panose="02070309020205020404" pitchFamily="49" charset="0"/>
+              <a:latin typeface="Consolas" panose="020B0609020204030204" pitchFamily="49" charset="0"/>
               <a:cs typeface="Courier New" panose="02070309020205020404" pitchFamily="49" charset="0"/>
               <a:sym typeface="Courier New"/>
             </a:endParaRPr>
@@ -13333,39 +13433,33 @@
               <a:buNone/>
             </a:pPr>
             <a:r>
-              <a:rPr lang="fr-BE" sz="3000" b="1" dirty="0">
-                <a:solidFill>
-                  <a:schemeClr val="accent6">
-                    <a:lumMod val="50000"/>
-                  </a:schemeClr>
-                </a:solidFill>
-                <a:latin typeface="Courier New" panose="02070309020205020404" pitchFamily="49" charset="0"/>
-                <a:cs typeface="Courier New" panose="02070309020205020404" pitchFamily="49" charset="0"/>
-                <a:sym typeface="Courier New"/>
-              </a:rPr>
-              <a:t>var </a:t>
-            </a:r>
-            <a:r>
-              <a:rPr lang="fr-BE" sz="3000" b="1" dirty="0" err="1">
-                <a:solidFill>
-                  <a:schemeClr val="accent6">
-                    <a:lumMod val="50000"/>
-                  </a:schemeClr>
-                </a:solidFill>
-                <a:latin typeface="Courier New" panose="02070309020205020404" pitchFamily="49" charset="0"/>
+              <a:rPr lang="fr-BE" sz="3000">
+                <a:solidFill>
+                  <a:srgbClr val="996633"/>
+                </a:solidFill>
+                <a:latin typeface="Consolas" panose="020B0609020204030204" pitchFamily="49" charset="0"/>
+                <a:cs typeface="Courier New" panose="02070309020205020404" pitchFamily="49" charset="0"/>
+                <a:sym typeface="Courier New"/>
+              </a:rPr>
+              <a:t>const </a:t>
+            </a:r>
+            <a:r>
+              <a:rPr lang="fr-BE" sz="3000" dirty="0" err="1">
+                <a:solidFill>
+                  <a:srgbClr val="996633"/>
+                </a:solidFill>
+                <a:latin typeface="Consolas" panose="020B0609020204030204" pitchFamily="49" charset="0"/>
                 <a:cs typeface="Courier New" panose="02070309020205020404" pitchFamily="49" charset="0"/>
                 <a:sym typeface="Courier New"/>
               </a:rPr>
               <a:t>nombreReel</a:t>
             </a:r>
             <a:r>
-              <a:rPr lang="fr-BE" sz="3000" b="1" dirty="0">
-                <a:solidFill>
-                  <a:schemeClr val="accent6">
-                    <a:lumMod val="50000"/>
-                  </a:schemeClr>
-                </a:solidFill>
-                <a:latin typeface="Courier New" panose="02070309020205020404" pitchFamily="49" charset="0"/>
+              <a:rPr lang="fr-BE" sz="3000" dirty="0">
+                <a:solidFill>
+                  <a:srgbClr val="996633"/>
+                </a:solidFill>
+                <a:latin typeface="Consolas" panose="020B0609020204030204" pitchFamily="49" charset="0"/>
                 <a:cs typeface="Courier New" panose="02070309020205020404" pitchFamily="49" charset="0"/>
                 <a:sym typeface="Courier New"/>
               </a:rPr>
@@ -13465,39 +13559,33 @@
               <a:buNone/>
             </a:pPr>
             <a:r>
-              <a:rPr lang="fr-BE" sz="3000" b="1" dirty="0">
-                <a:solidFill>
-                  <a:schemeClr val="accent6">
-                    <a:lumMod val="50000"/>
-                  </a:schemeClr>
-                </a:solidFill>
-                <a:latin typeface="Courier New" panose="02070309020205020404" pitchFamily="49" charset="0"/>
-                <a:cs typeface="Courier New" panose="02070309020205020404" pitchFamily="49" charset="0"/>
-                <a:sym typeface="Courier New"/>
-              </a:rPr>
-              <a:t>var </a:t>
-            </a:r>
-            <a:r>
-              <a:rPr lang="fr-BE" sz="3000" b="1" dirty="0" err="1">
-                <a:solidFill>
-                  <a:schemeClr val="accent6">
-                    <a:lumMod val="50000"/>
-                  </a:schemeClr>
-                </a:solidFill>
-                <a:latin typeface="Courier New" panose="02070309020205020404" pitchFamily="49" charset="0"/>
+              <a:rPr lang="fr-BE" sz="3000">
+                <a:solidFill>
+                  <a:srgbClr val="996633"/>
+                </a:solidFill>
+                <a:latin typeface="Consolas" panose="020B0609020204030204" pitchFamily="49" charset="0"/>
+                <a:cs typeface="Courier New" panose="02070309020205020404" pitchFamily="49" charset="0"/>
+                <a:sym typeface="Courier New"/>
+              </a:rPr>
+              <a:t>let </a:t>
+            </a:r>
+            <a:r>
+              <a:rPr lang="fr-BE" sz="3000" dirty="0" err="1">
+                <a:solidFill>
+                  <a:srgbClr val="996633"/>
+                </a:solidFill>
+                <a:latin typeface="Consolas" panose="020B0609020204030204" pitchFamily="49" charset="0"/>
                 <a:cs typeface="Courier New" panose="02070309020205020404" pitchFamily="49" charset="0"/>
                 <a:sym typeface="Courier New"/>
               </a:rPr>
               <a:t>chaineCaracteres</a:t>
             </a:r>
             <a:r>
-              <a:rPr lang="fr-BE" sz="3000" b="1" dirty="0">
-                <a:solidFill>
-                  <a:schemeClr val="accent6">
-                    <a:lumMod val="50000"/>
-                  </a:schemeClr>
-                </a:solidFill>
-                <a:latin typeface="Courier New" panose="02070309020205020404" pitchFamily="49" charset="0"/>
+              <a:rPr lang="fr-BE" sz="3000" dirty="0">
+                <a:solidFill>
+                  <a:srgbClr val="996633"/>
+                </a:solidFill>
+                <a:latin typeface="Consolas" panose="020B0609020204030204" pitchFamily="49" charset="0"/>
                 <a:cs typeface="Courier New" panose="02070309020205020404" pitchFamily="49" charset="0"/>
                 <a:sym typeface="Courier New"/>
               </a:rPr>
@@ -14098,7 +14186,7 @@
               <a:buNone/>
             </a:pPr>
             <a:r>
-              <a:rPr lang="fr-BE" dirty="0">
+              <a:rPr lang="fr-BE">
                 <a:solidFill>
                   <a:srgbClr val="0000FF"/>
                 </a:solidFill>
@@ -14107,7 +14195,7 @@
                 <a:cs typeface="Courier New"/>
                 <a:sym typeface="Courier New"/>
               </a:rPr>
-              <a:t>var </a:t>
+              <a:t>let </a:t>
             </a:r>
             <a:r>
               <a:rPr lang="fr-BE" dirty="0">
@@ -14294,7 +14382,7 @@
               <a:buNone/>
             </a:pPr>
             <a:r>
-              <a:rPr lang="fr-BE" dirty="0">
+              <a:rPr lang="fr-BE">
                 <a:solidFill>
                   <a:srgbClr val="0000FF"/>
                 </a:solidFill>
@@ -14303,16 +14391,25 @@
                 <a:cs typeface="Courier New"/>
                 <a:sym typeface="Courier New"/>
               </a:rPr>
-              <a:t>var</a:t>
-            </a:r>
-            <a:r>
-              <a:rPr lang="fr-BE" dirty="0">
+              <a:t>const</a:t>
+            </a:r>
+            <a:r>
+              <a:rPr lang="fr-BE">
                 <a:latin typeface="Consolas" panose="020B0609020204030204" pitchFamily="49" charset="0"/>
                 <a:ea typeface="Courier New"/>
                 <a:cs typeface="Courier New"/>
                 <a:sym typeface="Courier New"/>
               </a:rPr>
-              <a:t> nom = monTableau2[</a:t>
+              <a:t> </a:t>
+            </a:r>
+            <a:r>
+              <a:rPr lang="fr-BE" dirty="0">
+                <a:latin typeface="Consolas" panose="020B0609020204030204" pitchFamily="49" charset="0"/>
+                <a:ea typeface="Courier New"/>
+                <a:cs typeface="Courier New"/>
+                <a:sym typeface="Courier New"/>
+              </a:rPr>
+              <a:t>nom = monTableau2[</a:t>
             </a:r>
             <a:r>
               <a:rPr lang="fr-BE" dirty="0">
@@ -14529,7 +14626,7 @@
               <a:buNone/>
             </a:pPr>
             <a:r>
-              <a:rPr lang="fr-BE" dirty="0">
+              <a:rPr lang="fr-BE">
                 <a:solidFill>
                   <a:srgbClr val="0000FF"/>
                 </a:solidFill>
@@ -14538,7 +14635,7 @@
                 <a:cs typeface="Courier New"/>
                 <a:sym typeface="Courier New"/>
               </a:rPr>
-              <a:t>var </a:t>
+              <a:t>let </a:t>
             </a:r>
             <a:r>
               <a:rPr lang="fr-BE" dirty="0">
@@ -15603,7 +15700,7 @@
         <p14:reveal/>
       </p:transition>
     </mc:Choice>
-    <mc:Fallback xmlns:ahyp="http://schemas.microsoft.com/office/drawing/2018/hyperlinkcolor" xmlns:p15="http://schemas.microsoft.com/office/powerpoint/2012/main" xmlns:com="http://schemas.openxmlformats.org/drawingml/2006/compatibility" xmlns:pvml="urn:schemas-microsoft-com:office:powerpoint" xmlns:v="urn:schemas-microsoft-com:vml" xmlns:o="urn:schemas-microsoft-com:office:office" xmlns:dgm="http://schemas.openxmlformats.org/drawingml/2006/diagram" xmlns:c="http://schemas.openxmlformats.org/drawingml/2006/chart" xmlns:mv="urn:schemas-microsoft-com:mac:vml" xmlns="">
+    <mc:Fallback xmlns="" xmlns:mv="urn:schemas-microsoft-com:mac:vml" xmlns:c="http://schemas.openxmlformats.org/drawingml/2006/chart" xmlns:dgm="http://schemas.openxmlformats.org/drawingml/2006/diagram" xmlns:o="urn:schemas-microsoft-com:office:office" xmlns:v="urn:schemas-microsoft-com:vml" xmlns:pvml="urn:schemas-microsoft-com:office:powerpoint" xmlns:com="http://schemas.openxmlformats.org/drawingml/2006/compatibility" xmlns:p15="http://schemas.microsoft.com/office/powerpoint/2012/main" xmlns:ahyp="http://schemas.microsoft.com/office/drawing/2018/hyperlinkcolor">
       <p:transition spd="med">
         <p:fade/>
       </p:transition>
@@ -15677,11 +15774,11 @@
               <a:t>Control "</a:t>
             </a:r>
             <a:r>
-              <a:rPr lang="fr-BE" sz="2000" b="1">
+              <a:rPr lang="fr-BE" sz="2000">
                 <a:solidFill>
                   <a:schemeClr val="accent2"/>
                 </a:solidFill>
-                <a:latin typeface="Courier New"/>
+                <a:latin typeface="Consolas" panose="020B0609020204030204" pitchFamily="49" charset="0"/>
                 <a:cs typeface="Courier New"/>
                 <a:sym typeface="Calibri"/>
               </a:rPr>
@@ -15973,11 +16070,11 @@
               <a:t>Control "</a:t>
             </a:r>
             <a:r>
-              <a:rPr lang="fr-BE" sz="2000" b="1" dirty="0">
+              <a:rPr lang="fr-BE" sz="2000" dirty="0">
                 <a:solidFill>
                   <a:schemeClr val="accent2"/>
                 </a:solidFill>
-                <a:latin typeface="Courier New"/>
+                <a:latin typeface="Consolas" panose="020B0609020204030204" pitchFamily="49" charset="0"/>
                 <a:cs typeface="Courier New"/>
                 <a:sym typeface="Calibri"/>
               </a:rPr>
@@ -15985,16 +16082,20 @@
             </a:r>
             <a:r>
               <a:rPr lang="fr-BE" sz="2000" dirty="0">
+                <a:solidFill>
+                  <a:schemeClr val="accent2"/>
+                </a:solidFill>
+                <a:latin typeface="Consolas" panose="020B0609020204030204" pitchFamily="49" charset="0"/>
                 <a:sym typeface="Calibri"/>
               </a:rPr>
               <a:t> </a:t>
             </a:r>
             <a:r>
-              <a:rPr lang="fr-BE" sz="2000" b="1" dirty="0">
+              <a:rPr lang="fr-BE" sz="2000" dirty="0">
                 <a:solidFill>
                   <a:schemeClr val="accent2"/>
                 </a:solidFill>
-                <a:latin typeface="Courier New"/>
+                <a:latin typeface="Consolas" panose="020B0609020204030204" pitchFamily="49" charset="0"/>
                 <a:cs typeface="Courier New"/>
                 <a:sym typeface="Calibri"/>
               </a:rPr>
@@ -16622,11 +16723,11 @@
               <a:t>Boucle "</a:t>
             </a:r>
             <a:r>
-              <a:rPr lang="fr-BE" sz="2400" b="1" dirty="0">
+              <a:rPr lang="fr-BE" sz="2400" dirty="0">
                 <a:solidFill>
                   <a:schemeClr val="accent2"/>
                 </a:solidFill>
-                <a:latin typeface="Courier New"/>
+                <a:latin typeface="Consolas" panose="020B0609020204030204" pitchFamily="49" charset="0"/>
                 <a:cs typeface="Courier New"/>
                 <a:sym typeface="Calibri"/>
               </a:rPr>
@@ -16644,156 +16745,68 @@
               <a:buNone/>
             </a:pPr>
             <a:r>
-              <a:rPr lang="fr-BE" sz="2400" b="1" dirty="0">
+              <a:rPr lang="fr-BE" sz="2400" dirty="0">
                 <a:solidFill>
                   <a:schemeClr val="accent2"/>
                 </a:solidFill>
-                <a:latin typeface="Courier New"/>
+                <a:latin typeface="Consolas" panose="020B0609020204030204" pitchFamily="49" charset="0"/>
                 <a:cs typeface="Courier New"/>
                 <a:sym typeface="Calibri"/>
               </a:rPr>
               <a:t>for</a:t>
             </a:r>
             <a:r>
-              <a:rPr lang="fr-BE" sz="2400" b="1" dirty="0">
-                <a:solidFill>
-                  <a:schemeClr val="accent6">
-                    <a:lumMod val="50000"/>
-                  </a:schemeClr>
-                </a:solidFill>
-                <a:latin typeface="Courier New"/>
+              <a:rPr lang="fr-BE" sz="2400" dirty="0">
+                <a:solidFill>
+                  <a:srgbClr val="996633"/>
+                </a:solidFill>
+                <a:latin typeface="Consolas" panose="020B0609020204030204" pitchFamily="49" charset="0"/>
                 <a:cs typeface="Courier New"/>
                 <a:sym typeface="Calibri"/>
               </a:rPr>
-              <a:t>( </a:t>
-            </a:r>
-            <a:r>
-              <a:rPr lang="fr-BE" sz="2400" i="1" dirty="0">
-                <a:solidFill>
-                  <a:schemeClr val="accent6">
-                    <a:lumMod val="50000"/>
-                  </a:schemeClr>
-                </a:solidFill>
-                <a:latin typeface="Courier New"/>
+              <a:t>( initialisation;</a:t>
+            </a:r>
+            <a:br>
+              <a:rPr lang="fr-BE" sz="2400" dirty="0">
+                <a:solidFill>
+                  <a:srgbClr val="996633"/>
+                </a:solidFill>
+                <a:latin typeface="Consolas" panose="020B0609020204030204" pitchFamily="49" charset="0"/>
                 <a:cs typeface="Courier New"/>
                 <a:sym typeface="Calibri"/>
               </a:rPr>
-              <a:t>initialisation</a:t>
-            </a:r>
-            <a:r>
-              <a:rPr lang="fr-BE" sz="2400" b="1" dirty="0">
-                <a:solidFill>
-                  <a:schemeClr val="accent6">
-                    <a:lumMod val="50000"/>
-                  </a:schemeClr>
-                </a:solidFill>
-                <a:latin typeface="Courier New"/>
+            </a:br>
+            <a:r>
+              <a:rPr lang="fr-BE" sz="2400" dirty="0">
+                <a:solidFill>
+                  <a:srgbClr val="996633"/>
+                </a:solidFill>
+                <a:latin typeface="Consolas" panose="020B0609020204030204" pitchFamily="49" charset="0"/>
                 <a:cs typeface="Courier New"/>
                 <a:sym typeface="Calibri"/>
               </a:rPr>
-              <a:t>;</a:t>
+              <a:t>     condition; </a:t>
             </a:r>
             <a:br>
-              <a:rPr lang="fr-BE" sz="2400" b="1" dirty="0">
-                <a:solidFill>
-                  <a:schemeClr val="accent6">
-                    <a:lumMod val="50000"/>
-                  </a:schemeClr>
-                </a:solidFill>
-                <a:latin typeface="Courier New"/>
+              <a:rPr lang="fr-BE" sz="2400" dirty="0">
+                <a:solidFill>
+                  <a:srgbClr val="996633"/>
+                </a:solidFill>
+                <a:latin typeface="Consolas" panose="020B0609020204030204" pitchFamily="49" charset="0"/>
                 <a:cs typeface="Courier New"/>
                 <a:sym typeface="Calibri"/>
               </a:rPr>
             </a:br>
             <a:r>
-              <a:rPr lang="fr-BE" sz="2400" b="1" dirty="0">
-                <a:solidFill>
-                  <a:schemeClr val="accent6">
-                    <a:lumMod val="50000"/>
-                  </a:schemeClr>
-                </a:solidFill>
-                <a:latin typeface="Courier New"/>
+              <a:rPr lang="fr-BE" sz="2400" dirty="0">
+                <a:solidFill>
+                  <a:srgbClr val="996633"/>
+                </a:solidFill>
+                <a:latin typeface="Consolas" panose="020B0609020204030204" pitchFamily="49" charset="0"/>
                 <a:cs typeface="Courier New"/>
                 <a:sym typeface="Calibri"/>
               </a:rPr>
-              <a:t>     </a:t>
-            </a:r>
-            <a:r>
-              <a:rPr lang="fr-BE" sz="2400" i="1" dirty="0">
-                <a:solidFill>
-                  <a:schemeClr val="accent6">
-                    <a:lumMod val="50000"/>
-                  </a:schemeClr>
-                </a:solidFill>
-                <a:latin typeface="Courier New"/>
-                <a:cs typeface="Courier New"/>
-                <a:sym typeface="Calibri"/>
-              </a:rPr>
-              <a:t>condition</a:t>
-            </a:r>
-            <a:r>
-              <a:rPr lang="fr-BE" sz="2400" b="1" dirty="0">
-                <a:solidFill>
-                  <a:schemeClr val="accent6">
-                    <a:lumMod val="50000"/>
-                  </a:schemeClr>
-                </a:solidFill>
-                <a:latin typeface="Courier New"/>
-                <a:cs typeface="Courier New"/>
-                <a:sym typeface="Calibri"/>
-              </a:rPr>
-              <a:t>; </a:t>
-            </a:r>
-            <a:br>
-              <a:rPr lang="fr-BE" sz="2400" b="1" dirty="0">
-                <a:solidFill>
-                  <a:schemeClr val="accent6">
-                    <a:lumMod val="50000"/>
-                  </a:schemeClr>
-                </a:solidFill>
-                <a:latin typeface="Courier New"/>
-                <a:cs typeface="Courier New"/>
-                <a:sym typeface="Calibri"/>
-              </a:rPr>
-            </a:br>
-            <a:r>
-              <a:rPr lang="fr-BE" sz="2400" b="1" dirty="0">
-                <a:solidFill>
-                  <a:schemeClr val="accent6">
-                    <a:lumMod val="50000"/>
-                  </a:schemeClr>
-                </a:solidFill>
-                <a:latin typeface="Courier New"/>
-                <a:cs typeface="Courier New"/>
-                <a:sym typeface="Calibri"/>
-              </a:rPr>
-              <a:t>     </a:t>
-            </a:r>
-            <a:r>
-              <a:rPr lang="fr-BE" sz="2400" i="1" dirty="0">
-                <a:solidFill>
-                  <a:schemeClr val="accent6">
-                    <a:lumMod val="50000"/>
-                  </a:schemeClr>
-                </a:solidFill>
-                <a:latin typeface="Courier New"/>
-                <a:cs typeface="Courier New"/>
-                <a:sym typeface="Calibri"/>
-              </a:rPr>
-              <a:t>incrémentation</a:t>
-            </a:r>
-            <a:r>
-              <a:rPr lang="fr-BE" sz="2400" b="1" dirty="0">
-                <a:solidFill>
-                  <a:schemeClr val="accent6">
-                    <a:lumMod val="50000"/>
-                  </a:schemeClr>
-                </a:solidFill>
-                <a:latin typeface="Courier New"/>
-                <a:cs typeface="Courier New"/>
-                <a:sym typeface="Calibri"/>
-              </a:rPr>
-              <a:t> )</a:t>
+              <a:t>     incrémentation )</a:t>
             </a:r>
           </a:p>
           <a:p>
@@ -16801,13 +16814,11 @@
               <a:buNone/>
             </a:pPr>
             <a:r>
-              <a:rPr lang="fr-BE" sz="2400" b="1" dirty="0">
-                <a:solidFill>
-                  <a:schemeClr val="accent6">
-                    <a:lumMod val="50000"/>
-                  </a:schemeClr>
-                </a:solidFill>
-                <a:latin typeface="Courier New"/>
+              <a:rPr lang="fr-BE" sz="2400" dirty="0">
+                <a:solidFill>
+                  <a:srgbClr val="996633"/>
+                </a:solidFill>
+                <a:latin typeface="Consolas" panose="020B0609020204030204" pitchFamily="49" charset="0"/>
                 <a:cs typeface="Courier New"/>
                 <a:sym typeface="Calibri"/>
               </a:rPr>
@@ -16819,41 +16830,27 @@
               <a:buNone/>
             </a:pPr>
             <a:r>
-              <a:rPr lang="fr-BE" sz="2400" b="1" dirty="0">
-                <a:solidFill>
-                  <a:schemeClr val="accent6">
-                    <a:lumMod val="50000"/>
-                  </a:schemeClr>
-                </a:solidFill>
-                <a:latin typeface="Courier New"/>
+              <a:rPr lang="fr-BE" sz="2400" dirty="0">
+                <a:solidFill>
+                  <a:srgbClr val="996633"/>
+                </a:solidFill>
+                <a:latin typeface="Consolas" panose="020B0609020204030204" pitchFamily="49" charset="0"/>
                 <a:cs typeface="Courier New"/>
                 <a:sym typeface="Calibri"/>
               </a:rPr>
               <a:t>    ...</a:t>
             </a:r>
-            <a:endParaRPr lang="fr-BE" sz="2400" i="1" dirty="0">
-              <a:solidFill>
-                <a:schemeClr val="accent6">
-                  <a:lumMod val="50000"/>
-                </a:schemeClr>
-              </a:solidFill>
-              <a:latin typeface="Courier New"/>
-              <a:cs typeface="Courier New"/>
-              <a:sym typeface="Calibri"/>
-            </a:endParaRPr>
           </a:p>
           <a:p>
             <a:pPr marL="457189" lvl="1" indent="0">
               <a:buNone/>
             </a:pPr>
             <a:r>
-              <a:rPr lang="fr-BE" sz="2400" b="1" dirty="0">
-                <a:solidFill>
-                  <a:schemeClr val="accent6">
-                    <a:lumMod val="50000"/>
-                  </a:schemeClr>
-                </a:solidFill>
-                <a:latin typeface="Courier New"/>
+              <a:rPr lang="fr-BE" sz="2400" dirty="0">
+                <a:solidFill>
+                  <a:srgbClr val="996633"/>
+                </a:solidFill>
+                <a:latin typeface="Consolas" panose="020B0609020204030204" pitchFamily="49" charset="0"/>
                 <a:cs typeface="Courier New"/>
                 <a:sym typeface="Calibri"/>
               </a:rPr>
@@ -16873,100 +16870,92 @@
               <a:buNone/>
             </a:pPr>
             <a:r>
-              <a:rPr lang="fr-BE" sz="2400" b="1">
+              <a:rPr lang="fr-BE" sz="2400">
                 <a:solidFill>
                   <a:schemeClr val="accent2"/>
                 </a:solidFill>
-                <a:latin typeface="Courier New"/>
+                <a:latin typeface="Consolas" panose="020B0609020204030204" pitchFamily="49" charset="0"/>
                 <a:cs typeface="Courier New"/>
                 <a:sym typeface="Calibri"/>
               </a:rPr>
               <a:t>for</a:t>
             </a:r>
             <a:r>
-              <a:rPr lang="fr-BE" sz="2400" b="1">
-                <a:solidFill>
-                  <a:schemeClr val="accent6">
-                    <a:lumMod val="50000"/>
-                  </a:schemeClr>
-                </a:solidFill>
-                <a:latin typeface="Courier New"/>
+              <a:rPr lang="fr-BE" sz="2400">
+                <a:solidFill>
+                  <a:srgbClr val="996633"/>
+                </a:solidFill>
+                <a:latin typeface="Consolas" panose="020B0609020204030204" pitchFamily="49" charset="0"/>
                 <a:cs typeface="Courier New"/>
                 <a:sym typeface="Calibri"/>
               </a:rPr>
               <a:t>(let </a:t>
             </a:r>
             <a:r>
-              <a:rPr lang="fr-BE" sz="2400" b="1" dirty="0">
-                <a:solidFill>
-                  <a:schemeClr val="accent5"/>
-                </a:solidFill>
-                <a:latin typeface="Courier New"/>
+              <a:rPr lang="fr-BE" sz="2400" dirty="0">
+                <a:solidFill>
+                  <a:schemeClr val="accent2"/>
+                </a:solidFill>
+                <a:latin typeface="Consolas" panose="020B0609020204030204" pitchFamily="49" charset="0"/>
                 <a:cs typeface="Courier New"/>
                 <a:sym typeface="Calibri"/>
               </a:rPr>
               <a:t>i</a:t>
             </a:r>
             <a:r>
-              <a:rPr lang="fr-BE" sz="2400" b="1" dirty="0">
-                <a:solidFill>
-                  <a:schemeClr val="accent6">
-                    <a:lumMod val="50000"/>
-                  </a:schemeClr>
-                </a:solidFill>
-                <a:latin typeface="Courier New"/>
+              <a:rPr lang="fr-BE" sz="2400" dirty="0">
+                <a:solidFill>
+                  <a:srgbClr val="996633"/>
+                </a:solidFill>
+                <a:latin typeface="Consolas" panose="020B0609020204030204" pitchFamily="49" charset="0"/>
                 <a:cs typeface="Courier New"/>
                 <a:sym typeface="Calibri"/>
               </a:rPr>
               <a:t>=0; </a:t>
             </a:r>
             <a:r>
-              <a:rPr lang="fr-BE" sz="2400" b="1" dirty="0">
-                <a:solidFill>
-                  <a:schemeClr val="accent5"/>
-                </a:solidFill>
-                <a:latin typeface="Courier New"/>
+              <a:rPr lang="fr-BE" sz="2400" dirty="0">
+                <a:solidFill>
+                  <a:schemeClr val="accent2"/>
+                </a:solidFill>
+                <a:latin typeface="Consolas" panose="020B0609020204030204" pitchFamily="49" charset="0"/>
                 <a:cs typeface="Courier New"/>
                 <a:sym typeface="Calibri"/>
               </a:rPr>
               <a:t>i</a:t>
             </a:r>
             <a:r>
-              <a:rPr lang="fr-BE" sz="2400" b="1" dirty="0">
-                <a:solidFill>
-                  <a:schemeClr val="accent6">
-                    <a:lumMod val="50000"/>
-                  </a:schemeClr>
-                </a:solidFill>
-                <a:latin typeface="Courier New"/>
+              <a:rPr lang="fr-BE" sz="2400" dirty="0">
+                <a:solidFill>
+                  <a:srgbClr val="996633"/>
+                </a:solidFill>
+                <a:latin typeface="Consolas" panose="020B0609020204030204" pitchFamily="49" charset="0"/>
                 <a:cs typeface="Courier New"/>
                 <a:sym typeface="Calibri"/>
               </a:rPr>
               <a:t>&lt;5; </a:t>
             </a:r>
             <a:r>
-              <a:rPr lang="fr-BE" sz="2400" b="1" dirty="0">
-                <a:solidFill>
-                  <a:schemeClr val="accent5"/>
-                </a:solidFill>
-                <a:latin typeface="Courier New"/>
+              <a:rPr lang="fr-BE" sz="2400" dirty="0">
+                <a:solidFill>
+                  <a:schemeClr val="accent2"/>
+                </a:solidFill>
+                <a:latin typeface="Consolas" panose="020B0609020204030204" pitchFamily="49" charset="0"/>
                 <a:cs typeface="Courier New"/>
                 <a:sym typeface="Calibri"/>
               </a:rPr>
-              <a:t>i++</a:t>
-            </a:r>
-            <a:r>
-              <a:rPr lang="fr-BE" sz="2400" b="1" dirty="0">
-                <a:solidFill>
-                  <a:schemeClr val="accent6">
-                    <a:lumMod val="50000"/>
-                  </a:schemeClr>
-                </a:solidFill>
-                <a:latin typeface="Courier New"/>
+              <a:t>i</a:t>
+            </a:r>
+            <a:r>
+              <a:rPr lang="fr-BE" sz="2400" dirty="0">
+                <a:solidFill>
+                  <a:srgbClr val="996633"/>
+                </a:solidFill>
+                <a:latin typeface="Consolas" panose="020B0609020204030204" pitchFamily="49" charset="0"/>
                 <a:cs typeface="Courier New"/>
                 <a:sym typeface="Calibri"/>
               </a:rPr>
-              <a:t>) </a:t>
+              <a:t>++) </a:t>
             </a:r>
           </a:p>
           <a:p>
@@ -16974,13 +16963,11 @@
               <a:buNone/>
             </a:pPr>
             <a:r>
-              <a:rPr lang="fr-BE" sz="2400" b="1" dirty="0">
-                <a:solidFill>
-                  <a:schemeClr val="accent6">
-                    <a:lumMod val="50000"/>
-                  </a:schemeClr>
-                </a:solidFill>
-                <a:latin typeface="Courier New"/>
+              <a:rPr lang="fr-BE" sz="2400" dirty="0">
+                <a:solidFill>
+                  <a:srgbClr val="996633"/>
+                </a:solidFill>
+                <a:latin typeface="Consolas" panose="020B0609020204030204" pitchFamily="49" charset="0"/>
                 <a:cs typeface="Courier New"/>
                 <a:sym typeface="Calibri"/>
               </a:rPr>
@@ -16992,89 +16979,77 @@
               <a:buNone/>
             </a:pPr>
             <a:r>
-              <a:rPr lang="fr-BE" sz="2400" b="1" dirty="0">
-                <a:solidFill>
-                  <a:schemeClr val="accent6">
-                    <a:lumMod val="50000"/>
-                  </a:schemeClr>
-                </a:solidFill>
-                <a:latin typeface="Courier New"/>
+              <a:rPr lang="fr-BE" sz="2400" dirty="0">
+                <a:solidFill>
+                  <a:srgbClr val="996633"/>
+                </a:solidFill>
+                <a:latin typeface="Consolas" panose="020B0609020204030204" pitchFamily="49" charset="0"/>
                 <a:cs typeface="Courier New"/>
                 <a:sym typeface="Calibri"/>
               </a:rPr>
               <a:t>  </a:t>
             </a:r>
             <a:r>
-              <a:rPr lang="fr-BE" sz="2400" b="1" dirty="0" err="1">
-                <a:solidFill>
-                  <a:schemeClr val="accent6">
-                    <a:lumMod val="50000"/>
-                  </a:schemeClr>
-                </a:solidFill>
-                <a:latin typeface="Courier New"/>
+              <a:rPr lang="fr-BE" sz="2400" dirty="0" err="1">
+                <a:solidFill>
+                  <a:srgbClr val="996633"/>
+                </a:solidFill>
+                <a:latin typeface="Consolas" panose="020B0609020204030204" pitchFamily="49" charset="0"/>
                 <a:cs typeface="Courier New"/>
                 <a:sym typeface="Calibri"/>
               </a:rPr>
               <a:t>alert</a:t>
             </a:r>
             <a:r>
-              <a:rPr lang="fr-BE" sz="2400" b="1" dirty="0">
-                <a:solidFill>
-                  <a:schemeClr val="accent6">
-                    <a:lumMod val="50000"/>
-                  </a:schemeClr>
-                </a:solidFill>
-                <a:latin typeface="Courier New"/>
+              <a:rPr lang="fr-BE" sz="2400" dirty="0">
+                <a:solidFill>
+                  <a:srgbClr val="996633"/>
+                </a:solidFill>
+                <a:latin typeface="Consolas" panose="020B0609020204030204" pitchFamily="49" charset="0"/>
                 <a:cs typeface="Courier New"/>
                 <a:sym typeface="Calibri"/>
               </a:rPr>
               <a:t>('</a:t>
             </a:r>
             <a:r>
-              <a:rPr lang="fr-BE" sz="2400" b="1" dirty="0" err="1">
-                <a:solidFill>
-                  <a:schemeClr val="accent6">
-                    <a:lumMod val="50000"/>
-                  </a:schemeClr>
-                </a:solidFill>
-                <a:latin typeface="Courier New"/>
+              <a:rPr lang="fr-BE" sz="2400" dirty="0" err="1">
+                <a:solidFill>
+                  <a:srgbClr val="996633"/>
+                </a:solidFill>
+                <a:latin typeface="Consolas" panose="020B0609020204030204" pitchFamily="49" charset="0"/>
                 <a:cs typeface="Courier New"/>
                 <a:sym typeface="Calibri"/>
               </a:rPr>
               <a:t>Itér</a:t>
             </a:r>
             <a:r>
-              <a:rPr lang="fr-BE" sz="2400" b="1" dirty="0">
-                <a:solidFill>
-                  <a:schemeClr val="accent6">
-                    <a:lumMod val="50000"/>
-                  </a:schemeClr>
-                </a:solidFill>
-                <a:latin typeface="Courier New"/>
+              <a:rPr lang="fr-BE" sz="2400" dirty="0">
+                <a:solidFill>
+                  <a:srgbClr val="996633"/>
+                </a:solidFill>
+                <a:latin typeface="Consolas" panose="020B0609020204030204" pitchFamily="49" charset="0"/>
                 <a:cs typeface="Courier New"/>
                 <a:sym typeface="Calibri"/>
               </a:rPr>
               <a:t> n°' + </a:t>
             </a:r>
             <a:r>
-              <a:rPr lang="fr-BE" sz="2400" b="1" dirty="0">
-                <a:solidFill>
-                  <a:schemeClr val="accent5"/>
-                </a:solidFill>
-                <a:latin typeface="Courier New"/>
+              <a:rPr lang="fr-BE" sz="2400" dirty="0">
+                <a:solidFill>
+                  <a:schemeClr val="accent2"/>
+                </a:solidFill>
+                <a:latin typeface="Consolas" panose="020B0609020204030204" pitchFamily="49" charset="0"/>
                 <a:cs typeface="Courier New"/>
                 <a:sym typeface="Calibri"/>
               </a:rPr>
               <a:t>i</a:t>
             </a:r>
             <a:r>
-              <a:rPr lang="fr-BE" sz="2400" b="1" dirty="0">
-                <a:solidFill>
-                  <a:schemeClr val="accent6">
-                    <a:lumMod val="50000"/>
-                  </a:schemeClr>
-                </a:solidFill>
-                <a:latin typeface="Courier New"/>
+              <a:rPr lang="fr-BE" sz="2400" dirty="0">
+                <a:solidFill>
+                  <a:srgbClr val="996633"/>
+                </a:solidFill>
+                <a:latin typeface="Consolas" panose="020B0609020204030204" pitchFamily="49" charset="0"/>
                 <a:cs typeface="Courier New"/>
                 <a:sym typeface="Calibri"/>
               </a:rPr>
@@ -17086,13 +17061,11 @@
               <a:buNone/>
             </a:pPr>
             <a:r>
-              <a:rPr lang="fr-BE" sz="2400" b="1" dirty="0">
-                <a:solidFill>
-                  <a:schemeClr val="accent6">
-                    <a:lumMod val="50000"/>
-                  </a:schemeClr>
-                </a:solidFill>
-                <a:latin typeface="Courier New"/>
+              <a:rPr lang="fr-BE" sz="2400" dirty="0">
+                <a:solidFill>
+                  <a:srgbClr val="996633"/>
+                </a:solidFill>
+                <a:latin typeface="Consolas" panose="020B0609020204030204" pitchFamily="49" charset="0"/>
                 <a:cs typeface="Courier New"/>
                 <a:sym typeface="Calibri"/>
               </a:rPr>
@@ -17131,11 +17104,11 @@
               <a:t>Boucle "</a:t>
             </a:r>
             <a:r>
-              <a:rPr lang="fr-BE" sz="2400" b="1" dirty="0" err="1">
+              <a:rPr lang="fr-BE" sz="2400" dirty="0" err="1">
                 <a:solidFill>
                   <a:schemeClr val="accent2"/>
                 </a:solidFill>
-                <a:latin typeface="Courier New"/>
+                <a:latin typeface="Consolas" panose="020B0609020204030204" pitchFamily="49" charset="0"/>
                 <a:cs typeface="Courier New"/>
                 <a:sym typeface="Calibri"/>
               </a:rPr>
@@ -17156,11 +17129,11 @@
               <a:buNone/>
             </a:pPr>
             <a:r>
-              <a:rPr lang="fr-BE" sz="2400" b="1" dirty="0" err="1">
+              <a:rPr lang="fr-BE" sz="2400" dirty="0" err="1">
                 <a:solidFill>
                   <a:schemeClr val="accent2"/>
                 </a:solidFill>
-                <a:latin typeface="Courier New"/>
+                <a:latin typeface="Consolas" panose="020B0609020204030204" pitchFamily="49" charset="0"/>
                 <a:ea typeface="Courier New"/>
                 <a:cs typeface="Courier New"/>
                 <a:sym typeface="Courier New"/>
@@ -17168,46 +17141,16 @@
               <a:t>while</a:t>
             </a:r>
             <a:r>
-              <a:rPr lang="fr-BE" sz="2400" b="1" dirty="0">
-                <a:solidFill>
-                  <a:schemeClr val="accent6">
-                    <a:lumMod val="50000"/>
-                  </a:schemeClr>
-                </a:solidFill>
-                <a:latin typeface="Courier New"/>
+              <a:rPr lang="fr-BE" sz="2400" dirty="0">
+                <a:solidFill>
+                  <a:srgbClr val="996633"/>
+                </a:solidFill>
+                <a:latin typeface="Consolas" panose="020B0609020204030204" pitchFamily="49" charset="0"/>
                 <a:ea typeface="Courier New"/>
                 <a:cs typeface="Courier New"/>
                 <a:sym typeface="Courier New"/>
               </a:rPr>
-              <a:t>( </a:t>
-            </a:r>
-            <a:r>
-              <a:rPr lang="fr-BE" sz="2400" i="1" dirty="0">
-                <a:solidFill>
-                  <a:schemeClr val="accent6">
-                    <a:lumMod val="50000"/>
-                  </a:schemeClr>
-                </a:solidFill>
-                <a:latin typeface="Courier New"/>
-                <a:ea typeface="Courier New"/>
-                <a:cs typeface="Courier New"/>
-                <a:sym typeface="Courier New"/>
-              </a:rPr>
-              <a:t>condition </a:t>
-            </a:r>
-            <a:r>
-              <a:rPr lang="fr-BE" sz="2400" b="1" dirty="0">
-                <a:solidFill>
-                  <a:schemeClr val="accent6">
-                    <a:lumMod val="50000"/>
-                  </a:schemeClr>
-                </a:solidFill>
-                <a:latin typeface="Courier New"/>
-                <a:ea typeface="Courier New"/>
-                <a:cs typeface="Courier New"/>
-                <a:sym typeface="Courier New"/>
-              </a:rPr>
-              <a:t>) </a:t>
+              <a:t>( condition ) </a:t>
             </a:r>
           </a:p>
           <a:p>
@@ -17218,13 +17161,11 @@
               <a:buNone/>
             </a:pPr>
             <a:r>
-              <a:rPr lang="fr-BE" sz="2400" b="1" dirty="0">
-                <a:solidFill>
-                  <a:schemeClr val="accent6">
-                    <a:lumMod val="50000"/>
-                  </a:schemeClr>
-                </a:solidFill>
-                <a:latin typeface="Courier New"/>
+              <a:rPr lang="fr-BE" sz="2400" dirty="0">
+                <a:solidFill>
+                  <a:srgbClr val="996633"/>
+                </a:solidFill>
+                <a:latin typeface="Consolas" panose="020B0609020204030204" pitchFamily="49" charset="0"/>
                 <a:ea typeface="Courier New"/>
                 <a:cs typeface="Courier New"/>
                 <a:sym typeface="Courier New"/>
@@ -17240,13 +17181,11 @@
               <a:buNone/>
             </a:pPr>
             <a:r>
-              <a:rPr lang="fr-BE" sz="2400" b="1" dirty="0">
-                <a:solidFill>
-                  <a:schemeClr val="accent6">
-                    <a:lumMod val="50000"/>
-                  </a:schemeClr>
-                </a:solidFill>
-                <a:latin typeface="Courier New"/>
+              <a:rPr lang="fr-BE" sz="2400" dirty="0">
+                <a:solidFill>
+                  <a:srgbClr val="996633"/>
+                </a:solidFill>
+                <a:latin typeface="Consolas" panose="020B0609020204030204" pitchFamily="49" charset="0"/>
                 <a:ea typeface="Courier New"/>
                 <a:cs typeface="Courier New"/>
                 <a:sym typeface="Courier New"/>
@@ -17262,13 +17201,11 @@
               <a:buNone/>
             </a:pPr>
             <a:r>
-              <a:rPr lang="fr-BE" sz="2400" b="1" dirty="0">
-                <a:solidFill>
-                  <a:schemeClr val="accent6">
-                    <a:lumMod val="50000"/>
-                  </a:schemeClr>
-                </a:solidFill>
-                <a:latin typeface="Courier New"/>
+              <a:rPr lang="fr-BE" sz="2400" dirty="0">
+                <a:solidFill>
+                  <a:srgbClr val="996633"/>
+                </a:solidFill>
+                <a:latin typeface="Consolas" panose="020B0609020204030204" pitchFamily="49" charset="0"/>
                 <a:ea typeface="Courier New"/>
                 <a:cs typeface="Courier New"/>
                 <a:sym typeface="Courier New"/>
@@ -17308,13 +17245,11 @@
               <a:buNone/>
             </a:pPr>
             <a:r>
-              <a:rPr lang="fr-BE" sz="2400" b="1">
-                <a:solidFill>
-                  <a:schemeClr val="accent6">
-                    <a:lumMod val="50000"/>
-                  </a:schemeClr>
-                </a:solidFill>
-                <a:latin typeface="Courier New" panose="02070309020205020404" pitchFamily="49" charset="0"/>
+              <a:rPr lang="fr-BE" sz="2400">
+                <a:solidFill>
+                  <a:srgbClr val="996633"/>
+                </a:solidFill>
+                <a:latin typeface="Consolas" panose="020B0609020204030204" pitchFamily="49" charset="0"/>
                 <a:ea typeface="Courier New"/>
                 <a:cs typeface="Courier New" panose="02070309020205020404" pitchFamily="49" charset="0"/>
                 <a:sym typeface="Courier New"/>
@@ -17322,13 +17257,11 @@
               <a:t>let </a:t>
             </a:r>
             <a:r>
-              <a:rPr lang="fr-BE" sz="2400" b="1" dirty="0">
-                <a:solidFill>
-                  <a:schemeClr val="accent6">
-                    <a:lumMod val="50000"/>
-                  </a:schemeClr>
-                </a:solidFill>
-                <a:latin typeface="Courier New" panose="02070309020205020404" pitchFamily="49" charset="0"/>
+              <a:rPr lang="fr-BE" sz="2400" dirty="0">
+                <a:solidFill>
+                  <a:srgbClr val="996633"/>
+                </a:solidFill>
+                <a:latin typeface="Consolas" panose="020B0609020204030204" pitchFamily="49" charset="0"/>
                 <a:ea typeface="Courier New"/>
                 <a:cs typeface="Courier New" panose="02070309020205020404" pitchFamily="49" charset="0"/>
                 <a:sym typeface="Courier New"/>
@@ -17344,11 +17277,11 @@
               <a:buNone/>
             </a:pPr>
             <a:r>
-              <a:rPr lang="fr-BE" sz="2400" b="1" dirty="0" err="1">
+              <a:rPr lang="fr-BE" sz="2400" dirty="0" err="1">
                 <a:solidFill>
                   <a:schemeClr val="accent2"/>
                 </a:solidFill>
-                <a:latin typeface="Courier New" panose="02070309020205020404" pitchFamily="49" charset="0"/>
+                <a:latin typeface="Consolas" panose="020B0609020204030204" pitchFamily="49" charset="0"/>
                 <a:ea typeface="Courier New"/>
                 <a:cs typeface="Courier New" panose="02070309020205020404" pitchFamily="49" charset="0"/>
                 <a:sym typeface="Courier New"/>
@@ -17356,13 +17289,11 @@
               <a:t>while</a:t>
             </a:r>
             <a:r>
-              <a:rPr lang="fr-BE" sz="2400" b="1" dirty="0">
-                <a:solidFill>
-                  <a:schemeClr val="accent6">
-                    <a:lumMod val="50000"/>
-                  </a:schemeClr>
-                </a:solidFill>
-                <a:latin typeface="Courier New" panose="02070309020205020404" pitchFamily="49" charset="0"/>
+              <a:rPr lang="fr-BE" sz="2400" dirty="0">
+                <a:solidFill>
+                  <a:srgbClr val="996633"/>
+                </a:solidFill>
+                <a:latin typeface="Consolas" panose="020B0609020204030204" pitchFamily="49" charset="0"/>
                 <a:ea typeface="Courier New"/>
                 <a:cs typeface="Courier New" panose="02070309020205020404" pitchFamily="49" charset="0"/>
                 <a:sym typeface="Courier New"/>
@@ -17378,13 +17309,11 @@
               <a:buNone/>
             </a:pPr>
             <a:r>
-              <a:rPr lang="fr-BE" sz="2400" b="1" dirty="0">
-                <a:solidFill>
-                  <a:schemeClr val="accent6">
-                    <a:lumMod val="50000"/>
-                  </a:schemeClr>
-                </a:solidFill>
-                <a:latin typeface="Courier New" panose="02070309020205020404" pitchFamily="49" charset="0"/>
+              <a:rPr lang="fr-BE" sz="2400" dirty="0">
+                <a:solidFill>
+                  <a:srgbClr val="996633"/>
+                </a:solidFill>
+                <a:latin typeface="Consolas" panose="020B0609020204030204" pitchFamily="49" charset="0"/>
                 <a:ea typeface="Courier New"/>
                 <a:cs typeface="Courier New" panose="02070309020205020404" pitchFamily="49" charset="0"/>
                 <a:sym typeface="Courier New"/>
@@ -17400,13 +17329,11 @@
               <a:buNone/>
             </a:pPr>
             <a:r>
-              <a:rPr lang="fr-BE" sz="2400" b="1" dirty="0">
-                <a:solidFill>
-                  <a:schemeClr val="accent6">
-                    <a:lumMod val="50000"/>
-                  </a:schemeClr>
-                </a:solidFill>
-                <a:latin typeface="Courier New" panose="02070309020205020404" pitchFamily="49" charset="0"/>
+              <a:rPr lang="fr-BE" sz="2400" dirty="0">
+                <a:solidFill>
+                  <a:srgbClr val="996633"/>
+                </a:solidFill>
+                <a:latin typeface="Consolas" panose="020B0609020204030204" pitchFamily="49" charset="0"/>
                 <a:ea typeface="Courier New"/>
                 <a:cs typeface="Courier New" panose="02070309020205020404" pitchFamily="49" charset="0"/>
                 <a:sym typeface="Courier New"/>
@@ -17422,13 +17349,11 @@
               <a:buNone/>
             </a:pPr>
             <a:r>
-              <a:rPr lang="fr-BE" sz="2400" b="1" dirty="0">
-                <a:solidFill>
-                  <a:schemeClr val="accent6">
-                    <a:lumMod val="50000"/>
-                  </a:schemeClr>
-                </a:solidFill>
-                <a:latin typeface="Courier New" panose="02070309020205020404" pitchFamily="49" charset="0"/>
+              <a:rPr lang="fr-BE" sz="2400" dirty="0">
+                <a:solidFill>
+                  <a:srgbClr val="996633"/>
+                </a:solidFill>
+                <a:latin typeface="Consolas" panose="020B0609020204030204" pitchFamily="49" charset="0"/>
                 <a:ea typeface="Courier New"/>
                 <a:cs typeface="Courier New" panose="02070309020205020404" pitchFamily="49" charset="0"/>
                 <a:sym typeface="Courier New"/>
@@ -17437,11 +17362,9 @@
             </a:r>
             <a:endParaRPr lang="fr-BE" sz="2400" dirty="0">
               <a:solidFill>
-                <a:schemeClr val="accent6">
-                  <a:lumMod val="50000"/>
-                </a:schemeClr>
+                <a:srgbClr val="996633"/>
               </a:solidFill>
-              <a:latin typeface="Courier New" panose="02070309020205020404" pitchFamily="49" charset="0"/>
+              <a:latin typeface="Consolas" panose="020B0609020204030204" pitchFamily="49" charset="0"/>
               <a:cs typeface="Courier New" panose="02070309020205020404" pitchFamily="49" charset="0"/>
               <a:sym typeface="Calibri"/>
             </a:endParaRPr>
@@ -19484,7 +19407,7 @@
             <a:r>
               <a:rPr lang="fr-BE" dirty="0" err="1">
                 <a:solidFill>
-                  <a:srgbClr val="996633"/>
+                  <a:schemeClr val="accent2"/>
                 </a:solidFill>
                 <a:latin typeface="Consolas" panose="020B0609020204030204" pitchFamily="49" charset="0"/>
                 <a:cs typeface="Courier New" panose="02070309020205020404" pitchFamily="49" charset="0"/>
@@ -19613,7 +19536,18 @@
                 <a:cs typeface="Courier New" panose="02070309020205020404" pitchFamily="49" charset="0"/>
                 <a:sym typeface="Courier New"/>
               </a:rPr>
-              <a:t>document.getElementById</a:t>
+              <a:t>document.</a:t>
+            </a:r>
+            <a:r>
+              <a:rPr lang="fr-BE" dirty="0" err="1">
+                <a:solidFill>
+                  <a:schemeClr val="accent2"/>
+                </a:solidFill>
+                <a:latin typeface="Consolas" panose="020B0609020204030204" pitchFamily="49" charset="0"/>
+                <a:cs typeface="Courier New" panose="02070309020205020404" pitchFamily="49" charset="0"/>
+                <a:sym typeface="Courier New"/>
+              </a:rPr>
+              <a:t>getElementById</a:t>
             </a:r>
             <a:r>
               <a:rPr lang="fr-BE" dirty="0">
@@ -19916,7 +19850,7 @@
             <a:r>
               <a:rPr lang="fr-BE" dirty="0" err="1">
                 <a:solidFill>
-                  <a:srgbClr val="996633"/>
+                  <a:schemeClr val="accent2"/>
                 </a:solidFill>
                 <a:latin typeface="Consolas" panose="020B0609020204030204" pitchFamily="49" charset="0"/>
                 <a:cs typeface="Courier New" panose="02070309020205020404" pitchFamily="49" charset="0"/>
@@ -20400,7 +20334,7 @@
             <a:r>
               <a:rPr lang="fr-BE" dirty="0" err="1">
                 <a:solidFill>
-                  <a:srgbClr val="996633"/>
+                  <a:schemeClr val="accent2"/>
                 </a:solidFill>
                 <a:latin typeface="Consolas" panose="020B0609020204030204" pitchFamily="49" charset="0"/>
                 <a:cs typeface="Courier New" panose="02070309020205020404" pitchFamily="49" charset="0"/>
@@ -20507,7 +20441,18 @@
                 <a:cs typeface="Courier New" panose="02070309020205020404" pitchFamily="49" charset="0"/>
                 <a:sym typeface="Courier New"/>
               </a:rPr>
-              <a:t>document.querySelector</a:t>
+              <a:t>document.</a:t>
+            </a:r>
+            <a:r>
+              <a:rPr lang="fr-BE" dirty="0" err="1">
+                <a:solidFill>
+                  <a:schemeClr val="accent2"/>
+                </a:solidFill>
+                <a:latin typeface="Consolas" panose="020B0609020204030204" pitchFamily="49" charset="0"/>
+                <a:cs typeface="Courier New" panose="02070309020205020404" pitchFamily="49" charset="0"/>
+                <a:sym typeface="Courier New"/>
+              </a:rPr>
+              <a:t>querySelector</a:t>
             </a:r>
             <a:r>
               <a:rPr lang="fr-BE" dirty="0">
@@ -20624,7 +20569,7 @@
             <a:r>
               <a:rPr lang="fr-BE" dirty="0" err="1">
                 <a:solidFill>
-                  <a:srgbClr val="996633"/>
+                  <a:schemeClr val="accent2"/>
                 </a:solidFill>
                 <a:latin typeface="Consolas" panose="020B0609020204030204" pitchFamily="49" charset="0"/>
                 <a:cs typeface="Courier New" panose="02070309020205020404" pitchFamily="49" charset="0"/>
@@ -20731,7 +20676,18 @@
                 <a:cs typeface="Courier New" panose="02070309020205020404" pitchFamily="49" charset="0"/>
                 <a:sym typeface="Courier New"/>
               </a:rPr>
-              <a:t>document.querySelectorAll</a:t>
+              <a:t>document.</a:t>
+            </a:r>
+            <a:r>
+              <a:rPr lang="fr-BE" dirty="0" err="1">
+                <a:solidFill>
+                  <a:schemeClr val="accent2"/>
+                </a:solidFill>
+                <a:latin typeface="Consolas" panose="020B0609020204030204" pitchFamily="49" charset="0"/>
+                <a:cs typeface="Courier New" panose="02070309020205020404" pitchFamily="49" charset="0"/>
+                <a:sym typeface="Courier New"/>
+              </a:rPr>
+              <a:t>querySelectorAll</a:t>
             </a:r>
             <a:r>
               <a:rPr lang="fr-BE" dirty="0">
@@ -20848,7 +20804,7 @@
             <a:r>
               <a:rPr lang="fr-BE" dirty="0" err="1">
                 <a:solidFill>
-                  <a:srgbClr val="996633"/>
+                  <a:schemeClr val="accent2"/>
                 </a:solidFill>
                 <a:latin typeface="Consolas" panose="020B0609020204030204" pitchFamily="49" charset="0"/>
                 <a:cs typeface="Courier New" panose="02070309020205020404" pitchFamily="49" charset="0"/>
@@ -20988,7 +20944,18 @@
                 <a:cs typeface="Courier New" panose="02070309020205020404" pitchFamily="49" charset="0"/>
                 <a:sym typeface="Courier New"/>
               </a:rPr>
-              <a:t>document.createElement</a:t>
+              <a:t>document.</a:t>
+            </a:r>
+            <a:r>
+              <a:rPr lang="fr-BE" dirty="0" err="1">
+                <a:solidFill>
+                  <a:schemeClr val="accent2"/>
+                </a:solidFill>
+                <a:latin typeface="Consolas" panose="020B0609020204030204" pitchFamily="49" charset="0"/>
+                <a:cs typeface="Courier New" panose="02070309020205020404" pitchFamily="49" charset="0"/>
+                <a:sym typeface="Courier New"/>
+              </a:rPr>
+              <a:t>createElement</a:t>
             </a:r>
             <a:r>
               <a:rPr lang="fr-BE" dirty="0">
@@ -21322,7 +21289,7 @@
             <a:r>
               <a:rPr lang="fr-BE" dirty="0" err="1">
                 <a:solidFill>
-                  <a:srgbClr val="996633"/>
+                  <a:schemeClr val="accent2"/>
                 </a:solidFill>
                 <a:latin typeface="Consolas" panose="020B0609020204030204" pitchFamily="49" charset="0"/>
                 <a:cs typeface="Courier New" panose="02070309020205020404" pitchFamily="49" charset="0"/>
@@ -21332,7 +21299,7 @@
             </a:r>
             <a:endParaRPr lang="fr-BE" dirty="0">
               <a:solidFill>
-                <a:srgbClr val="996633"/>
+                <a:schemeClr val="accent2"/>
               </a:solidFill>
               <a:latin typeface="Consolas" panose="020B0609020204030204" pitchFamily="49" charset="0"/>
               <a:cs typeface="Courier New" panose="02070309020205020404" pitchFamily="49" charset="0"/>
@@ -21485,7 +21452,7 @@
             <a:r>
               <a:rPr lang="fr-BE" dirty="0" err="1">
                 <a:solidFill>
-                  <a:srgbClr val="996633"/>
+                  <a:schemeClr val="accent2"/>
                 </a:solidFill>
                 <a:latin typeface="Consolas" panose="020B0609020204030204" pitchFamily="49" charset="0"/>
                 <a:cs typeface="Courier New" panose="02070309020205020404" pitchFamily="49" charset="0"/>
@@ -21584,17 +21551,17 @@
               <a:buNone/>
             </a:pPr>
             <a:r>
-              <a:rPr lang="fr-BE" sz="2800" dirty="0">
-                <a:solidFill>
-                  <a:schemeClr val="accent6">
-                    <a:lumMod val="50000"/>
-                  </a:schemeClr>
-                </a:solidFill>
-                <a:latin typeface="Consolas" panose="020B0609020204030204" pitchFamily="49" charset="0"/>
-                <a:cs typeface="Courier New" panose="02070309020205020404" pitchFamily="49" charset="0"/>
-                <a:sym typeface="Courier New"/>
-              </a:rPr>
-              <a:t>var </a:t>
+              <a:rPr lang="fr-BE" sz="2800">
+                <a:solidFill>
+                  <a:schemeClr val="accent6">
+                    <a:lumMod val="50000"/>
+                  </a:schemeClr>
+                </a:solidFill>
+                <a:latin typeface="Consolas" panose="020B0609020204030204" pitchFamily="49" charset="0"/>
+                <a:cs typeface="Courier New" panose="02070309020205020404" pitchFamily="49" charset="0"/>
+                <a:sym typeface="Courier New"/>
+              </a:rPr>
+              <a:t>const </a:t>
             </a:r>
             <a:r>
               <a:rPr lang="fr-BE" sz="2800" dirty="0">
@@ -21720,7 +21687,7 @@
               <a:t> = "je suis un nouvel élément";</a:t>
             </a:r>
             <a:br>
-              <a:rPr lang="fr-BE" sz="2800" dirty="0">
+              <a:rPr lang="fr-BE" sz="2800">
                 <a:solidFill>
                   <a:schemeClr val="accent6">
                     <a:lumMod val="50000"/>
@@ -21732,17 +21699,17 @@
               </a:rPr>
             </a:br>
             <a:r>
-              <a:rPr lang="fr-BE" sz="2800" dirty="0">
-                <a:solidFill>
-                  <a:schemeClr val="accent6">
-                    <a:lumMod val="50000"/>
-                  </a:schemeClr>
-                </a:solidFill>
-                <a:latin typeface="Consolas" panose="020B0609020204030204" pitchFamily="49" charset="0"/>
-                <a:cs typeface="Courier New" panose="02070309020205020404" pitchFamily="49" charset="0"/>
-                <a:sym typeface="Courier New"/>
-              </a:rPr>
-              <a:t>var </a:t>
+              <a:rPr lang="fr-BE" sz="2800">
+                <a:solidFill>
+                  <a:schemeClr val="accent6">
+                    <a:lumMod val="50000"/>
+                  </a:schemeClr>
+                </a:solidFill>
+                <a:latin typeface="Consolas" panose="020B0609020204030204" pitchFamily="49" charset="0"/>
+                <a:cs typeface="Courier New" panose="02070309020205020404" pitchFamily="49" charset="0"/>
+                <a:sym typeface="Courier New"/>
+              </a:rPr>
+              <a:t>const </a:t>
             </a:r>
             <a:r>
               <a:rPr lang="fr-BE" sz="2800" dirty="0">
@@ -21859,11 +21826,9 @@
               <a:t>.</a:t>
             </a:r>
             <a:r>
-              <a:rPr lang="fr-BE" sz="2800" i="1" dirty="0" err="1">
-                <a:solidFill>
-                  <a:schemeClr val="accent6">
-                    <a:lumMod val="50000"/>
-                  </a:schemeClr>
+              <a:rPr lang="fr-BE" sz="2800" dirty="0" err="1">
+                <a:solidFill>
+                  <a:schemeClr val="accent2"/>
                 </a:solidFill>
                 <a:latin typeface="Consolas" panose="020B0609020204030204" pitchFamily="49" charset="0"/>
                 <a:cs typeface="Courier New" panose="02070309020205020404" pitchFamily="49" charset="0"/>
@@ -22781,11 +22746,9 @@
               <a:t>.</a:t>
             </a:r>
             <a:r>
-              <a:rPr lang="fr-BE" sz="2800" i="1" dirty="0" err="1">
-                <a:solidFill>
-                  <a:schemeClr val="accent6">
-                    <a:lumMod val="50000"/>
-                  </a:schemeClr>
+              <a:rPr lang="fr-BE" sz="2800" dirty="0" err="1">
+                <a:solidFill>
+                  <a:schemeClr val="accent2"/>
                 </a:solidFill>
                 <a:latin typeface="Consolas" panose="020B0609020204030204" pitchFamily="49" charset="0"/>
                 <a:cs typeface="Courier New" panose="02070309020205020404" pitchFamily="49" charset="0"/>
@@ -23011,7 +22974,7 @@
             <a:r>
               <a:rPr lang="fr-BE" dirty="0" err="1">
                 <a:solidFill>
-                  <a:srgbClr val="996633"/>
+                  <a:schemeClr val="accent2"/>
                 </a:solidFill>
                 <a:latin typeface="Consolas" panose="020B0609020204030204" pitchFamily="49" charset="0"/>
                 <a:cs typeface="Courier New" panose="02070309020205020404" pitchFamily="49" charset="0"/>
@@ -24243,11 +24206,9 @@
               <a:t>element.</a:t>
             </a:r>
             <a:r>
-              <a:rPr lang="fr-BE" sz="2800" i="1" dirty="0" err="1">
-                <a:solidFill>
-                  <a:schemeClr val="accent6">
-                    <a:lumMod val="50000"/>
-                  </a:schemeClr>
+              <a:rPr lang="fr-BE" sz="2800" dirty="0" err="1">
+                <a:solidFill>
+                  <a:schemeClr val="accent2"/>
                 </a:solidFill>
                 <a:latin typeface="Consolas" panose="020B0609020204030204" pitchFamily="49" charset="0"/>
                 <a:cs typeface="Courier New" panose="02070309020205020404" pitchFamily="49" charset="0"/>
@@ -24611,7 +24572,7 @@
             <a:r>
               <a:rPr lang="fr-BE" dirty="0" err="1">
                 <a:solidFill>
-                  <a:srgbClr val="996633"/>
+                  <a:schemeClr val="accent2"/>
                 </a:solidFill>
                 <a:latin typeface="Consolas" panose="020B0609020204030204" pitchFamily="49" charset="0"/>
                 <a:cs typeface="Courier New" panose="02070309020205020404" pitchFamily="49" charset="0"/>
@@ -24778,7 +24739,18 @@
                 <a:cs typeface="Courier New" panose="02070309020205020404" pitchFamily="49" charset="0"/>
                 <a:sym typeface="Courier New"/>
               </a:rPr>
-              <a:t>o.removeChild</a:t>
+              <a:t>o.</a:t>
+            </a:r>
+            <a:r>
+              <a:rPr lang="fr-BE" sz="2800" dirty="0" err="1">
+                <a:solidFill>
+                  <a:schemeClr val="accent2"/>
+                </a:solidFill>
+                <a:latin typeface="Consolas" panose="020B0609020204030204" pitchFamily="49" charset="0"/>
+                <a:cs typeface="Courier New" panose="02070309020205020404" pitchFamily="49" charset="0"/>
+                <a:sym typeface="Courier New"/>
+              </a:rPr>
+              <a:t>removeChild</a:t>
             </a:r>
             <a:r>
               <a:rPr lang="fr-BE" sz="2800" dirty="0">
@@ -25082,7 +25054,7 @@
             <a:r>
               <a:rPr lang="fr-BE" dirty="0" err="1">
                 <a:solidFill>
-                  <a:srgbClr val="996633"/>
+                  <a:schemeClr val="accent2"/>
                 </a:solidFill>
                 <a:latin typeface="Consolas" panose="020B0609020204030204" pitchFamily="49" charset="0"/>
                 <a:cs typeface="Courier New" panose="02070309020205020404" pitchFamily="49" charset="0"/>
@@ -25466,7 +25438,7 @@
             <a:r>
               <a:rPr lang="fr-BE" dirty="0" err="1">
                 <a:solidFill>
-                  <a:srgbClr val="996633"/>
+                  <a:schemeClr val="accent2"/>
                 </a:solidFill>
                 <a:latin typeface="Consolas" panose="020B0609020204030204" pitchFamily="49" charset="0"/>
                 <a:cs typeface="Courier New" panose="02070309020205020404" pitchFamily="49" charset="0"/>
@@ -25476,7 +25448,7 @@
             </a:r>
             <a:endParaRPr lang="fr-BE" dirty="0">
               <a:solidFill>
-                <a:srgbClr val="996633"/>
+                <a:schemeClr val="accent2"/>
               </a:solidFill>
               <a:latin typeface="Consolas" panose="020B0609020204030204" pitchFamily="49" charset="0"/>
               <a:cs typeface="Courier New" panose="02070309020205020404" pitchFamily="49" charset="0"/>
@@ -25507,7 +25479,7 @@
             <a:r>
               <a:rPr lang="fr-BE" dirty="0" err="1">
                 <a:solidFill>
-                  <a:srgbClr val="996633"/>
+                  <a:schemeClr val="accent2"/>
                 </a:solidFill>
                 <a:latin typeface="Consolas" panose="020B0609020204030204" pitchFamily="49" charset="0"/>
                 <a:cs typeface="Courier New" panose="02070309020205020404" pitchFamily="49" charset="0"/>
@@ -25517,7 +25489,7 @@
             </a:r>
             <a:endParaRPr lang="fr-BE" dirty="0">
               <a:solidFill>
-                <a:srgbClr val="996633"/>
+                <a:schemeClr val="accent2"/>
               </a:solidFill>
               <a:latin typeface="Consolas" panose="020B0609020204030204" pitchFamily="49" charset="0"/>
               <a:cs typeface="Courier New" panose="02070309020205020404" pitchFamily="49" charset="0"/>
@@ -26192,11 +26164,9 @@
               <a:t>.</a:t>
             </a:r>
             <a:r>
-              <a:rPr lang="fr-BE" sz="2800" i="1" dirty="0" err="1">
-                <a:solidFill>
-                  <a:schemeClr val="accent6">
-                    <a:lumMod val="50000"/>
-                  </a:schemeClr>
+              <a:rPr lang="fr-BE" sz="2800" dirty="0" err="1">
+                <a:solidFill>
+                  <a:schemeClr val="accent2"/>
                 </a:solidFill>
                 <a:latin typeface="Consolas" panose="020B0609020204030204" pitchFamily="49" charset="0"/>
                 <a:cs typeface="Courier New" panose="02070309020205020404" pitchFamily="49" charset="0"/>
@@ -26409,11 +26379,9 @@
               <a:t>.</a:t>
             </a:r>
             <a:r>
-              <a:rPr lang="fr-BE" sz="2800" i="1" dirty="0" err="1">
-                <a:solidFill>
-                  <a:schemeClr val="accent6">
-                    <a:lumMod val="50000"/>
-                  </a:schemeClr>
+              <a:rPr lang="fr-BE" sz="2800" dirty="0" err="1">
+                <a:solidFill>
+                  <a:schemeClr val="accent2"/>
                 </a:solidFill>
                 <a:latin typeface="Consolas" panose="020B0609020204030204" pitchFamily="49" charset="0"/>
                 <a:cs typeface="Courier New" panose="02070309020205020404" pitchFamily="49" charset="0"/>
@@ -26660,7 +26628,7 @@
             <a:r>
               <a:rPr lang="fr-BE" dirty="0" err="1">
                 <a:solidFill>
-                  <a:srgbClr val="996633"/>
+                  <a:schemeClr val="accent2"/>
                 </a:solidFill>
                 <a:latin typeface="Consolas" panose="020B0609020204030204" pitchFamily="49" charset="0"/>
                 <a:cs typeface="Courier New" panose="02070309020205020404" pitchFamily="49" charset="0"/>
@@ -26670,7 +26638,7 @@
             </a:r>
             <a:endParaRPr lang="fr-BE" dirty="0">
               <a:solidFill>
-                <a:srgbClr val="996633"/>
+                <a:schemeClr val="accent2"/>
               </a:solidFill>
               <a:latin typeface="Consolas" panose="020B0609020204030204" pitchFamily="49" charset="0"/>
               <a:cs typeface="Courier New" panose="02070309020205020404" pitchFamily="49" charset="0"/>
@@ -26690,7 +26658,7 @@
             <a:r>
               <a:rPr lang="fr-BE" dirty="0" err="1">
                 <a:solidFill>
-                  <a:srgbClr val="996633"/>
+                  <a:schemeClr val="accent2"/>
                 </a:solidFill>
                 <a:latin typeface="Consolas" panose="020B0609020204030204" pitchFamily="49" charset="0"/>
                 <a:cs typeface="Courier New" panose="02070309020205020404" pitchFamily="49" charset="0"/>
@@ -26700,7 +26668,7 @@
             </a:r>
             <a:endParaRPr lang="fr-BE" dirty="0">
               <a:solidFill>
-                <a:srgbClr val="996633"/>
+                <a:schemeClr val="accent2"/>
               </a:solidFill>
               <a:latin typeface="Consolas" panose="020B0609020204030204" pitchFamily="49" charset="0"/>
               <a:cs typeface="Courier New" panose="02070309020205020404" pitchFamily="49" charset="0"/>
@@ -26729,7 +26697,7 @@
             <a:r>
               <a:rPr lang="fr-BE" dirty="0" err="1">
                 <a:solidFill>
-                  <a:srgbClr val="996633"/>
+                  <a:schemeClr val="accent2"/>
                 </a:solidFill>
                 <a:latin typeface="Consolas" panose="020B0609020204030204" pitchFamily="49" charset="0"/>
                 <a:cs typeface="Courier New" panose="02070309020205020404" pitchFamily="49" charset="0"/>
@@ -26739,7 +26707,7 @@
             </a:r>
             <a:endParaRPr lang="fr-BE" dirty="0">
               <a:solidFill>
-                <a:srgbClr val="996633"/>
+                <a:schemeClr val="accent2"/>
               </a:solidFill>
               <a:latin typeface="Consolas" panose="020B0609020204030204" pitchFamily="49" charset="0"/>
               <a:cs typeface="Courier New" panose="02070309020205020404" pitchFamily="49" charset="0"/>
@@ -26768,7 +26736,7 @@
             <a:r>
               <a:rPr lang="fr-BE" dirty="0" err="1">
                 <a:solidFill>
-                  <a:srgbClr val="996633"/>
+                  <a:schemeClr val="accent2"/>
                 </a:solidFill>
                 <a:latin typeface="Consolas" panose="020B0609020204030204" pitchFamily="49" charset="0"/>
                 <a:cs typeface="Courier New" panose="02070309020205020404" pitchFamily="49" charset="0"/>
@@ -26778,7 +26746,7 @@
             </a:r>
             <a:endParaRPr lang="fr-BE" dirty="0">
               <a:solidFill>
-                <a:srgbClr val="996633"/>
+                <a:schemeClr val="accent2"/>
               </a:solidFill>
               <a:latin typeface="Consolas" panose="020B0609020204030204" pitchFamily="49" charset="0"/>
               <a:cs typeface="Courier New" panose="02070309020205020404" pitchFamily="49" charset="0"/>
@@ -27540,7 +27508,18 @@
                 <a:cs typeface="Courier New" panose="02070309020205020404" pitchFamily="49" charset="0"/>
                 <a:sym typeface="Courier New"/>
               </a:rPr>
-              <a:t>e.childElementCount</a:t>
+              <a:t>e.</a:t>
+            </a:r>
+            <a:r>
+              <a:rPr lang="fr-BE" sz="2800" dirty="0" err="1">
+                <a:solidFill>
+                  <a:schemeClr val="accent2"/>
+                </a:solidFill>
+                <a:latin typeface="Consolas" panose="020B0609020204030204" pitchFamily="49" charset="0"/>
+                <a:cs typeface="Courier New" panose="02070309020205020404" pitchFamily="49" charset="0"/>
+                <a:sym typeface="Courier New"/>
+              </a:rPr>
+              <a:t>childElementCount</a:t>
             </a:r>
             <a:r>
               <a:rPr lang="fr-BE" sz="2800" dirty="0">
@@ -27829,7 +27808,7 @@
             <a:r>
               <a:rPr lang="fr-BE" dirty="0" err="1">
                 <a:solidFill>
-                  <a:srgbClr val="996633"/>
+                  <a:schemeClr val="accent2"/>
                 </a:solidFill>
                 <a:latin typeface="Consolas" panose="020B0609020204030204" pitchFamily="49" charset="0"/>
                 <a:cs typeface="Courier New" panose="02070309020205020404" pitchFamily="49" charset="0"/>
@@ -27839,7 +27818,7 @@
             </a:r>
             <a:endParaRPr lang="fr-BE" dirty="0">
               <a:solidFill>
-                <a:srgbClr val="996633"/>
+                <a:schemeClr val="accent2"/>
               </a:solidFill>
               <a:latin typeface="Consolas" panose="020B0609020204030204" pitchFamily="49" charset="0"/>
               <a:cs typeface="Courier New" panose="02070309020205020404" pitchFamily="49" charset="0"/>
@@ -27939,7 +27918,7 @@
             <a:r>
               <a:rPr lang="fr-BE" dirty="0" err="1">
                 <a:solidFill>
-                  <a:srgbClr val="996633"/>
+                  <a:schemeClr val="accent2"/>
                 </a:solidFill>
                 <a:latin typeface="Consolas" panose="020B0609020204030204" pitchFamily="49" charset="0"/>
                 <a:cs typeface="Courier New" panose="02070309020205020404" pitchFamily="49" charset="0"/>
@@ -27949,7 +27928,7 @@
             </a:r>
             <a:endParaRPr lang="fr-BE" dirty="0">
               <a:solidFill>
-                <a:srgbClr val="996633"/>
+                <a:schemeClr val="accent2"/>
               </a:solidFill>
               <a:latin typeface="Consolas" panose="020B0609020204030204" pitchFamily="49" charset="0"/>
               <a:cs typeface="Courier New" panose="02070309020205020404" pitchFamily="49" charset="0"/>
@@ -34872,7 +34851,7 @@
               <a:rPr lang="fr-BE">
                 <a:sym typeface="Calibri"/>
               </a:rPr>
-              <a:t>: exo 31</a:t>
+              <a:t>: exo 26</a:t>
             </a:r>
             <a:endParaRPr lang="fr-BE" dirty="0">
               <a:sym typeface="Calibri"/>
@@ -34907,13 +34886,13 @@
               <a:rPr lang="fr-BE">
                 <a:sym typeface="Calibri"/>
               </a:rPr>
-              <a:t>: exo31</a:t>
+              <a:t>: exo26_</a:t>
             </a:r>
             <a:r>
               <a:rPr lang="fr-BE" dirty="0">
                 <a:sym typeface="Calibri"/>
               </a:rPr>
-              <a:t>_start.php</a:t>
+              <a:t>start.php</a:t>
             </a:r>
           </a:p>
           <a:p>
@@ -35046,13 +35025,13 @@
               <a:rPr lang="fr-BE" dirty="0">
                 <a:sym typeface="Calibri"/>
               </a:rPr>
-              <a:t>Conflit entre évènements : </a:t>
+              <a:t>Conflit entre évènements </a:t>
             </a:r>
             <a:r>
               <a:rPr lang="fr-BE">
                 <a:sym typeface="Calibri"/>
               </a:rPr>
-              <a:t>exemple 33</a:t>
+              <a:t>: exo 27</a:t>
             </a:r>
             <a:endParaRPr lang="fr-BE" dirty="0">
               <a:sym typeface="Calibri"/>
@@ -40034,22 +40013,22 @@
             </a:r>
           </a:p>
           <a:p>
-            <a:pPr lvl="0"/>
-            <a:endParaRPr lang="fr-FR" altLang="fr-FR" b="1" dirty="0">
-              <a:solidFill>
-                <a:schemeClr val="accent6">
-                  <a:lumMod val="50000"/>
-                </a:schemeClr>
-              </a:solidFill>
-              <a:latin typeface="Courier New" panose="02070309020205020404" pitchFamily="49" charset="0"/>
-              <a:cs typeface="Courier New" panose="02070309020205020404" pitchFamily="49" charset="0"/>
-            </a:endParaRPr>
-          </a:p>
-          <a:p>
             <a:pPr marL="0" indent="0">
               <a:buNone/>
             </a:pPr>
             <a:r>
+              <a:rPr lang="fr-FR" altLang="fr-FR" sz="2400">
+                <a:solidFill>
+                  <a:schemeClr val="bg1">
+                    <a:lumMod val="50000"/>
+                  </a:schemeClr>
+                </a:solidFill>
+                <a:latin typeface="Consolas" panose="020B0609020204030204" pitchFamily="49" charset="0"/>
+                <a:cs typeface="Courier New" panose="02070309020205020404" pitchFamily="49" charset="0"/>
+              </a:rPr>
+              <a:t>// </a:t>
+            </a:r>
+            <a:r>
               <a:rPr lang="fr-FR" altLang="fr-FR" sz="2400" dirty="0">
                 <a:solidFill>
                   <a:schemeClr val="bg1">
@@ -40059,7 +40038,7 @@
                 <a:latin typeface="Consolas" panose="020B0609020204030204" pitchFamily="49" charset="0"/>
                 <a:cs typeface="Courier New" panose="02070309020205020404" pitchFamily="49" charset="0"/>
               </a:rPr>
-              <a:t>// On crée l'événement</a:t>
+              <a:t>On crée l'événement</a:t>
             </a:r>
           </a:p>
           <a:p>
@@ -40200,7 +40179,7 @@
               <a:t>myFunction</a:t>
             </a:r>
             <a:r>
-              <a:rPr lang="fr-FR" altLang="fr-FR" sz="2400" dirty="0">
+              <a:rPr lang="fr-FR" altLang="fr-FR" sz="2400">
                 <a:solidFill>
                   <a:schemeClr val="accent6">
                     <a:lumMod val="50000"/>
@@ -40211,6 +40190,13 @@
               </a:rPr>
               <a:t>); </a:t>
             </a:r>
+          </a:p>
+          <a:p>
+            <a:r>
+              <a:rPr lang="fr-FR" altLang="fr-FR"/>
+              <a:t>cf exo28 </a:t>
+            </a:r>
+            <a:endParaRPr lang="fr-FR" altLang="fr-FR" dirty="0"/>
           </a:p>
         </p:txBody>
       </p:sp>
@@ -41279,7 +41265,7 @@
             </a:r>
             <a:r>
               <a:rPr lang="fr-BE"/>
-              <a:t>: exo40</a:t>
+              <a:t>: exo30</a:t>
             </a:r>
             <a:endParaRPr lang="fr-BE" dirty="0"/>
           </a:p>
@@ -42992,13 +42978,11 @@
               <a:t>L'objet "</a:t>
             </a:r>
             <a:r>
-              <a:rPr lang="fr-BE" dirty="0">
-                <a:solidFill>
-                  <a:schemeClr val="accent6">
-                    <a:lumMod val="50000"/>
-                  </a:schemeClr>
-                </a:solidFill>
-                <a:latin typeface="Courier New" panose="02070309020205020404" pitchFamily="49" charset="0"/>
+              <a:rPr lang="fr-BE" b="0" dirty="0">
+                <a:solidFill>
+                  <a:srgbClr val="996633"/>
+                </a:solidFill>
+                <a:latin typeface="Consolas" panose="020B0609020204030204" pitchFamily="49" charset="0"/>
                 <a:cs typeface="Courier New" panose="02070309020205020404" pitchFamily="49" charset="0"/>
               </a:rPr>
               <a:t>Event</a:t>
@@ -43152,13 +43136,11 @@
               <a:t>L'objet "</a:t>
             </a:r>
             <a:r>
-              <a:rPr lang="fr-BE" dirty="0">
-                <a:solidFill>
-                  <a:schemeClr val="accent6">
-                    <a:lumMod val="50000"/>
-                  </a:schemeClr>
-                </a:solidFill>
-                <a:latin typeface="Courier New" panose="02070309020205020404" pitchFamily="49" charset="0"/>
+              <a:rPr lang="fr-BE" b="0" dirty="0">
+                <a:solidFill>
+                  <a:srgbClr val="996633"/>
+                </a:solidFill>
+                <a:latin typeface="Consolas" panose="020B0609020204030204" pitchFamily="49" charset="0"/>
                 <a:cs typeface="Courier New" panose="02070309020205020404" pitchFamily="49" charset="0"/>
               </a:rPr>
               <a:t>Event</a:t>
@@ -43745,6 +43727,3185 @@
 </p:sld>
 </file>
 
+<file path=ppt/slides/slide75.xml><?xml version="1.0" encoding="utf-8"?>
+<p:sld xmlns:a="http://schemas.openxmlformats.org/drawingml/2006/main" xmlns:r="http://schemas.openxmlformats.org/officeDocument/2006/relationships" xmlns:p="http://schemas.openxmlformats.org/presentationml/2006/main">
+  <p:cSld>
+    <p:spTree>
+      <p:nvGrpSpPr>
+        <p:cNvPr id="1" name=""/>
+        <p:cNvGrpSpPr/>
+        <p:nvPr/>
+      </p:nvGrpSpPr>
+      <p:grpSpPr>
+        <a:xfrm>
+          <a:off x="0" y="0"/>
+          <a:ext cx="0" cy="0"/>
+          <a:chOff x="0" y="0"/>
+          <a:chExt cx="0" cy="0"/>
+        </a:xfrm>
+      </p:grpSpPr>
+      <p:sp>
+        <p:nvSpPr>
+          <p:cNvPr id="2" name="Titre 1">
+            <a:extLst>
+              <a:ext uri="{FF2B5EF4-FFF2-40B4-BE49-F238E27FC236}">
+                <a16:creationId xmlns:a16="http://schemas.microsoft.com/office/drawing/2014/main" id="{58D88B6E-9801-40EB-9EC8-DD55E21BCFBC}"/>
+              </a:ext>
+            </a:extLst>
+          </p:cNvPr>
+          <p:cNvSpPr>
+            <a:spLocks noGrp="1"/>
+          </p:cNvSpPr>
+          <p:nvPr>
+            <p:ph type="title"/>
+          </p:nvPr>
+        </p:nvSpPr>
+        <p:spPr/>
+        <p:txBody>
+          <a:bodyPr/>
+          <a:lstStyle/>
+          <a:p>
+            <a:r>
+              <a:rPr lang="fr-BE" dirty="0"/>
+              <a:t>Évènement souris </a:t>
+            </a:r>
+            <a:r>
+              <a:rPr lang="fr-BE"/>
+              <a:t>: exo 31</a:t>
+            </a:r>
+            <a:endParaRPr lang="fr-BE" dirty="0"/>
+          </a:p>
+        </p:txBody>
+      </p:sp>
+      <p:sp>
+        <p:nvSpPr>
+          <p:cNvPr id="5" name="Espace réservé du contenu 4">
+            <a:extLst>
+              <a:ext uri="{FF2B5EF4-FFF2-40B4-BE49-F238E27FC236}">
+                <a16:creationId xmlns:a16="http://schemas.microsoft.com/office/drawing/2014/main" id="{57A04BFB-6191-4E83-842D-8D0A4965238A}"/>
+              </a:ext>
+            </a:extLst>
+          </p:cNvPr>
+          <p:cNvSpPr>
+            <a:spLocks noGrp="1"/>
+          </p:cNvSpPr>
+          <p:nvPr>
+            <p:ph idx="1"/>
+          </p:nvPr>
+        </p:nvSpPr>
+        <p:spPr>
+          <a:xfrm>
+            <a:off x="838200" y="1690688"/>
+            <a:ext cx="10515600" cy="4971369"/>
+          </a:xfrm>
+        </p:spPr>
+        <p:txBody>
+          <a:bodyPr>
+            <a:normAutofit fontScale="70000" lnSpcReduction="20000"/>
+          </a:bodyPr>
+          <a:lstStyle/>
+          <a:p>
+            <a:pPr marL="0" indent="0">
+              <a:buNone/>
+            </a:pPr>
+            <a:r>
+              <a:rPr lang="en-US" dirty="0">
+                <a:solidFill>
+                  <a:schemeClr val="accent6">
+                    <a:lumMod val="50000"/>
+                  </a:schemeClr>
+                </a:solidFill>
+                <a:latin typeface="Consolas" panose="020B0609020204030204" pitchFamily="49" charset="0"/>
+                <a:cs typeface="Courier New" panose="02070309020205020404" pitchFamily="49" charset="0"/>
+              </a:rPr>
+              <a:t>&lt;</a:t>
+            </a:r>
+            <a:r>
+              <a:rPr lang="en-US" dirty="0" err="1">
+                <a:solidFill>
+                  <a:schemeClr val="accent6">
+                    <a:lumMod val="50000"/>
+                  </a:schemeClr>
+                </a:solidFill>
+                <a:latin typeface="Consolas" panose="020B0609020204030204" pitchFamily="49" charset="0"/>
+                <a:cs typeface="Courier New" panose="02070309020205020404" pitchFamily="49" charset="0"/>
+              </a:rPr>
+              <a:t>img</a:t>
+            </a:r>
+            <a:r>
+              <a:rPr lang="en-US" dirty="0">
+                <a:solidFill>
+                  <a:schemeClr val="accent6">
+                    <a:lumMod val="50000"/>
+                  </a:schemeClr>
+                </a:solidFill>
+                <a:latin typeface="Consolas" panose="020B0609020204030204" pitchFamily="49" charset="0"/>
+                <a:cs typeface="Courier New" panose="02070309020205020404" pitchFamily="49" charset="0"/>
+              </a:rPr>
+              <a:t> id="</a:t>
+            </a:r>
+            <a:r>
+              <a:rPr lang="en-US" dirty="0">
+                <a:solidFill>
+                  <a:schemeClr val="accent2"/>
+                </a:solidFill>
+                <a:latin typeface="Consolas" panose="020B0609020204030204" pitchFamily="49" charset="0"/>
+                <a:cs typeface="Courier New" panose="02070309020205020404" pitchFamily="49" charset="0"/>
+              </a:rPr>
+              <a:t>target</a:t>
+            </a:r>
+            <a:r>
+              <a:rPr lang="en-US" dirty="0">
+                <a:solidFill>
+                  <a:schemeClr val="accent6">
+                    <a:lumMod val="50000"/>
+                  </a:schemeClr>
+                </a:solidFill>
+                <a:latin typeface="Consolas" panose="020B0609020204030204" pitchFamily="49" charset="0"/>
+                <a:cs typeface="Courier New" panose="02070309020205020404" pitchFamily="49" charset="0"/>
+              </a:rPr>
+              <a:t>" </a:t>
+            </a:r>
+            <a:br>
+              <a:rPr lang="en-US" dirty="0">
+                <a:solidFill>
+                  <a:schemeClr val="accent6">
+                    <a:lumMod val="50000"/>
+                  </a:schemeClr>
+                </a:solidFill>
+                <a:latin typeface="Consolas" panose="020B0609020204030204" pitchFamily="49" charset="0"/>
+                <a:cs typeface="Courier New" panose="02070309020205020404" pitchFamily="49" charset="0"/>
+              </a:rPr>
+            </a:br>
+            <a:r>
+              <a:rPr lang="en-US" dirty="0">
+                <a:solidFill>
+                  <a:schemeClr val="accent6">
+                    <a:lumMod val="50000"/>
+                  </a:schemeClr>
+                </a:solidFill>
+                <a:latin typeface="Consolas" panose="020B0609020204030204" pitchFamily="49" charset="0"/>
+                <a:cs typeface="Courier New" panose="02070309020205020404" pitchFamily="49" charset="0"/>
+              </a:rPr>
+              <a:t>     </a:t>
+            </a:r>
+            <a:r>
+              <a:rPr lang="en-US" dirty="0" err="1">
+                <a:solidFill>
+                  <a:schemeClr val="accent6">
+                    <a:lumMod val="50000"/>
+                  </a:schemeClr>
+                </a:solidFill>
+                <a:latin typeface="Consolas" panose="020B0609020204030204" pitchFamily="49" charset="0"/>
+                <a:cs typeface="Courier New" panose="02070309020205020404" pitchFamily="49" charset="0"/>
+              </a:rPr>
+              <a:t>src</a:t>
+            </a:r>
+            <a:r>
+              <a:rPr lang="en-US" dirty="0">
+                <a:solidFill>
+                  <a:schemeClr val="accent6">
+                    <a:lumMod val="50000"/>
+                  </a:schemeClr>
+                </a:solidFill>
+                <a:latin typeface="Consolas" panose="020B0609020204030204" pitchFamily="49" charset="0"/>
+                <a:cs typeface="Courier New" panose="02070309020205020404" pitchFamily="49" charset="0"/>
+              </a:rPr>
+              <a:t>="logo103x90-V6-beige_bg.png"&gt;</a:t>
+            </a:r>
+            <a:br>
+              <a:rPr lang="en-US" dirty="0">
+                <a:solidFill>
+                  <a:schemeClr val="accent6">
+                    <a:lumMod val="50000"/>
+                  </a:schemeClr>
+                </a:solidFill>
+                <a:latin typeface="Consolas" panose="020B0609020204030204" pitchFamily="49" charset="0"/>
+                <a:cs typeface="Courier New" panose="02070309020205020404" pitchFamily="49" charset="0"/>
+              </a:rPr>
+            </a:br>
+            <a:r>
+              <a:rPr lang="en-US" dirty="0">
+                <a:solidFill>
+                  <a:schemeClr val="accent6">
+                    <a:lumMod val="50000"/>
+                  </a:schemeClr>
+                </a:solidFill>
+                <a:latin typeface="Consolas" panose="020B0609020204030204" pitchFamily="49" charset="0"/>
+                <a:cs typeface="Courier New" panose="02070309020205020404" pitchFamily="49" charset="0"/>
+              </a:rPr>
+              <a:t>…</a:t>
+            </a:r>
+            <a:br>
+              <a:rPr lang="en-US">
+                <a:solidFill>
+                  <a:schemeClr val="accent6">
+                    <a:lumMod val="50000"/>
+                  </a:schemeClr>
+                </a:solidFill>
+                <a:latin typeface="Consolas" panose="020B0609020204030204" pitchFamily="49" charset="0"/>
+                <a:cs typeface="Courier New" panose="02070309020205020404" pitchFamily="49" charset="0"/>
+              </a:rPr>
+            </a:br>
+            <a:r>
+              <a:rPr lang="en-US">
+                <a:solidFill>
+                  <a:schemeClr val="accent2"/>
+                </a:solidFill>
+                <a:latin typeface="Consolas" panose="020B0609020204030204" pitchFamily="49" charset="0"/>
+                <a:cs typeface="Courier New" panose="02070309020205020404" pitchFamily="49" charset="0"/>
+              </a:rPr>
+              <a:t>target</a:t>
+            </a:r>
+            <a:r>
+              <a:rPr lang="en-US">
+                <a:solidFill>
+                  <a:schemeClr val="accent6">
+                    <a:lumMod val="50000"/>
+                  </a:schemeClr>
+                </a:solidFill>
+                <a:latin typeface="Consolas" panose="020B0609020204030204" pitchFamily="49" charset="0"/>
+                <a:cs typeface="Courier New" panose="02070309020205020404" pitchFamily="49" charset="0"/>
+              </a:rPr>
+              <a:t>.addEventListener( "</a:t>
+            </a:r>
+            <a:r>
+              <a:rPr lang="en-US">
+                <a:solidFill>
+                  <a:schemeClr val="accent5"/>
+                </a:solidFill>
+                <a:latin typeface="Consolas" panose="020B0609020204030204" pitchFamily="49" charset="0"/>
+                <a:cs typeface="Courier New" panose="02070309020205020404" pitchFamily="49" charset="0"/>
+              </a:rPr>
+              <a:t>click</a:t>
+            </a:r>
+            <a:r>
+              <a:rPr lang="en-US">
+                <a:solidFill>
+                  <a:schemeClr val="accent6">
+                    <a:lumMod val="50000"/>
+                  </a:schemeClr>
+                </a:solidFill>
+                <a:latin typeface="Consolas" panose="020B0609020204030204" pitchFamily="49" charset="0"/>
+                <a:cs typeface="Courier New" panose="02070309020205020404" pitchFamily="49" charset="0"/>
+              </a:rPr>
+              <a:t>", function() {</a:t>
+            </a:r>
+          </a:p>
+          <a:p>
+            <a:pPr marL="0" indent="0">
+              <a:buNone/>
+            </a:pPr>
+            <a:r>
+              <a:rPr lang="en-US">
+                <a:solidFill>
+                  <a:schemeClr val="accent6">
+                    <a:lumMod val="50000"/>
+                  </a:schemeClr>
+                </a:solidFill>
+                <a:latin typeface="Consolas" panose="020B0609020204030204" pitchFamily="49" charset="0"/>
+                <a:cs typeface="Courier New" panose="02070309020205020404" pitchFamily="49" charset="0"/>
+              </a:rPr>
+              <a:t>	</a:t>
+            </a:r>
+            <a:r>
+              <a:rPr lang="en-US" i="1">
+                <a:solidFill>
+                  <a:srgbClr val="7F7F7F"/>
+                </a:solidFill>
+                <a:latin typeface="Consolas" panose="020B0609020204030204" pitchFamily="49" charset="0"/>
+                <a:cs typeface="Courier New" panose="02070309020205020404" pitchFamily="49" charset="0"/>
+              </a:rPr>
+              <a:t>// Ce code-ci ne sera exécuté qu'au "click" !</a:t>
+            </a:r>
+          </a:p>
+          <a:p>
+            <a:pPr marL="0" indent="0">
+              <a:buNone/>
+            </a:pPr>
+            <a:r>
+              <a:rPr lang="en-US">
+                <a:solidFill>
+                  <a:schemeClr val="accent6">
+                    <a:lumMod val="50000"/>
+                  </a:schemeClr>
+                </a:solidFill>
+                <a:latin typeface="Consolas" panose="020B0609020204030204" pitchFamily="49" charset="0"/>
+                <a:cs typeface="Courier New" panose="02070309020205020404" pitchFamily="49" charset="0"/>
+              </a:rPr>
+              <a:t>	</a:t>
+            </a:r>
+            <a:r>
+              <a:rPr lang="en-US">
+                <a:latin typeface="Consolas" panose="020B0609020204030204" pitchFamily="49" charset="0"/>
+                <a:cs typeface="Courier New" panose="02070309020205020404" pitchFamily="49" charset="0"/>
+              </a:rPr>
+              <a:t>mip</a:t>
+            </a:r>
+            <a:r>
+              <a:rPr lang="en-US">
+                <a:solidFill>
+                  <a:schemeClr val="accent6">
+                    <a:lumMod val="50000"/>
+                  </a:schemeClr>
+                </a:solidFill>
+                <a:latin typeface="Consolas" panose="020B0609020204030204" pitchFamily="49" charset="0"/>
+                <a:cs typeface="Courier New" panose="02070309020205020404" pitchFamily="49" charset="0"/>
+              </a:rPr>
+              <a:t> = {</a:t>
+            </a:r>
+          </a:p>
+          <a:p>
+            <a:pPr marL="0" indent="0">
+              <a:buNone/>
+            </a:pPr>
+            <a:r>
+              <a:rPr lang="en-US">
+                <a:solidFill>
+                  <a:schemeClr val="accent6">
+                    <a:lumMod val="50000"/>
+                  </a:schemeClr>
+                </a:solidFill>
+                <a:latin typeface="Consolas" panose="020B0609020204030204" pitchFamily="49" charset="0"/>
+                <a:cs typeface="Courier New" panose="02070309020205020404" pitchFamily="49" charset="0"/>
+              </a:rPr>
+              <a:t>		top : Math.floor(Math.random()*hauteur),</a:t>
+            </a:r>
+          </a:p>
+          <a:p>
+            <a:pPr marL="0" indent="0">
+              <a:buNone/>
+            </a:pPr>
+            <a:r>
+              <a:rPr lang="en-US">
+                <a:solidFill>
+                  <a:schemeClr val="accent6">
+                    <a:lumMod val="50000"/>
+                  </a:schemeClr>
+                </a:solidFill>
+                <a:latin typeface="Consolas" panose="020B0609020204030204" pitchFamily="49" charset="0"/>
+                <a:cs typeface="Courier New" panose="02070309020205020404" pitchFamily="49" charset="0"/>
+              </a:rPr>
+              <a:t>		left : Math.floor(Math.random()*largeur)</a:t>
+            </a:r>
+          </a:p>
+          <a:p>
+            <a:pPr marL="0" indent="0">
+              <a:buNone/>
+            </a:pPr>
+            <a:r>
+              <a:rPr lang="en-US">
+                <a:solidFill>
+                  <a:schemeClr val="accent6">
+                    <a:lumMod val="50000"/>
+                  </a:schemeClr>
+                </a:solidFill>
+                <a:latin typeface="Consolas" panose="020B0609020204030204" pitchFamily="49" charset="0"/>
+                <a:cs typeface="Courier New" panose="02070309020205020404" pitchFamily="49" charset="0"/>
+              </a:rPr>
+              <a:t>	};</a:t>
+            </a:r>
+          </a:p>
+          <a:p>
+            <a:pPr marL="0" indent="0">
+              <a:buNone/>
+            </a:pPr>
+            <a:r>
+              <a:rPr lang="en-US">
+                <a:solidFill>
+                  <a:schemeClr val="accent6">
+                    <a:lumMod val="50000"/>
+                  </a:schemeClr>
+                </a:solidFill>
+                <a:latin typeface="Consolas" panose="020B0609020204030204" pitchFamily="49" charset="0"/>
+                <a:cs typeface="Courier New" panose="02070309020205020404" pitchFamily="49" charset="0"/>
+              </a:rPr>
+              <a:t>	target.setAttribute( "style", mip_style(</a:t>
+            </a:r>
+            <a:r>
+              <a:rPr lang="en-US">
+                <a:latin typeface="Consolas" panose="020B0609020204030204" pitchFamily="49" charset="0"/>
+                <a:cs typeface="Courier New" panose="02070309020205020404" pitchFamily="49" charset="0"/>
+              </a:rPr>
+              <a:t>mip</a:t>
+            </a:r>
+            <a:r>
+              <a:rPr lang="en-US">
+                <a:solidFill>
+                  <a:schemeClr val="accent6">
+                    <a:lumMod val="50000"/>
+                  </a:schemeClr>
+                </a:solidFill>
+                <a:latin typeface="Consolas" panose="020B0609020204030204" pitchFamily="49" charset="0"/>
+                <a:cs typeface="Courier New" panose="02070309020205020404" pitchFamily="49" charset="0"/>
+              </a:rPr>
+              <a:t>) )</a:t>
+            </a:r>
+          </a:p>
+          <a:p>
+            <a:pPr marL="0" indent="0">
+              <a:buNone/>
+            </a:pPr>
+            <a:r>
+              <a:rPr lang="en-US">
+                <a:solidFill>
+                  <a:schemeClr val="accent6">
+                    <a:lumMod val="50000"/>
+                  </a:schemeClr>
+                </a:solidFill>
+                <a:latin typeface="Consolas" panose="020B0609020204030204" pitchFamily="49" charset="0"/>
+                <a:cs typeface="Courier New" panose="02070309020205020404" pitchFamily="49" charset="0"/>
+              </a:rPr>
+              <a:t>	</a:t>
+            </a:r>
+            <a:r>
+              <a:rPr lang="en-US" i="1">
+                <a:solidFill>
+                  <a:srgbClr val="7F7F7F"/>
+                </a:solidFill>
+                <a:latin typeface="Consolas" panose="020B0609020204030204" pitchFamily="49" charset="0"/>
+                <a:cs typeface="Courier New" panose="02070309020205020404" pitchFamily="49" charset="0"/>
+              </a:rPr>
+              <a:t>// fin du code évènementiel</a:t>
+            </a:r>
+          </a:p>
+          <a:p>
+            <a:pPr marL="0" indent="0">
+              <a:buNone/>
+            </a:pPr>
+            <a:endParaRPr lang="en-US">
+              <a:solidFill>
+                <a:schemeClr val="accent6">
+                  <a:lumMod val="50000"/>
+                </a:schemeClr>
+              </a:solidFill>
+              <a:latin typeface="Consolas" panose="020B0609020204030204" pitchFamily="49" charset="0"/>
+              <a:cs typeface="Courier New" panose="02070309020205020404" pitchFamily="49" charset="0"/>
+            </a:endParaRPr>
+          </a:p>
+          <a:p>
+            <a:pPr marL="0" indent="0">
+              <a:buNone/>
+            </a:pPr>
+            <a:r>
+              <a:rPr lang="en-US">
+                <a:solidFill>
+                  <a:schemeClr val="accent6">
+                    <a:lumMod val="50000"/>
+                  </a:schemeClr>
+                </a:solidFill>
+                <a:latin typeface="Consolas" panose="020B0609020204030204" pitchFamily="49" charset="0"/>
+                <a:cs typeface="Courier New" panose="02070309020205020404" pitchFamily="49" charset="0"/>
+              </a:rPr>
+              <a:t>});</a:t>
+            </a:r>
+            <a:endParaRPr lang="fr-BE" dirty="0">
+              <a:solidFill>
+                <a:schemeClr val="accent6">
+                  <a:lumMod val="50000"/>
+                </a:schemeClr>
+              </a:solidFill>
+              <a:latin typeface="Consolas" panose="020B0609020204030204" pitchFamily="49" charset="0"/>
+              <a:cs typeface="Courier New" panose="02070309020205020404" pitchFamily="49" charset="0"/>
+            </a:endParaRPr>
+          </a:p>
+        </p:txBody>
+      </p:sp>
+      <p:sp>
+        <p:nvSpPr>
+          <p:cNvPr id="6" name="ZoneTexte 5">
+            <a:extLst>
+              <a:ext uri="{FF2B5EF4-FFF2-40B4-BE49-F238E27FC236}">
+                <a16:creationId xmlns:a16="http://schemas.microsoft.com/office/drawing/2014/main" id="{1F694987-6420-43AF-985C-D6DFB75FC66A}"/>
+              </a:ext>
+            </a:extLst>
+          </p:cNvPr>
+          <p:cNvSpPr txBox="1"/>
+          <p:nvPr/>
+        </p:nvSpPr>
+        <p:spPr>
+          <a:xfrm>
+            <a:off x="8931300" y="493189"/>
+            <a:ext cx="2799782" cy="1384995"/>
+          </a:xfrm>
+          <a:prstGeom prst="rect">
+            <a:avLst/>
+          </a:prstGeom>
+          <a:noFill/>
+        </p:spPr>
+        <p:txBody>
+          <a:bodyPr wrap="square" rtlCol="0">
+            <a:spAutoFit/>
+          </a:bodyPr>
+          <a:lstStyle/>
+          <a:p>
+            <a:r>
+              <a:rPr lang="fr-BE" sz="2800" dirty="0">
+                <a:solidFill>
+                  <a:schemeClr val="bg2">
+                    <a:lumMod val="25000"/>
+                  </a:schemeClr>
+                </a:solidFill>
+              </a:rPr>
+              <a:t>Question : </a:t>
+            </a:r>
+            <a:br>
+              <a:rPr lang="fr-BE" sz="2800" dirty="0">
+                <a:solidFill>
+                  <a:schemeClr val="bg2">
+                    <a:lumMod val="25000"/>
+                  </a:schemeClr>
+                </a:solidFill>
+              </a:rPr>
+            </a:br>
+            <a:r>
+              <a:rPr lang="fr-BE" sz="2800" dirty="0">
+                <a:solidFill>
+                  <a:schemeClr val="bg2">
+                    <a:lumMod val="25000"/>
+                  </a:schemeClr>
+                </a:solidFill>
+              </a:rPr>
+              <a:t>Que fait ce </a:t>
+            </a:r>
+            <a:r>
+              <a:rPr lang="fr-BE" sz="2800">
+                <a:solidFill>
+                  <a:schemeClr val="bg2">
+                    <a:lumMod val="25000"/>
+                  </a:schemeClr>
+                </a:solidFill>
+              </a:rPr>
+              <a:t>code JavaScript </a:t>
+            </a:r>
+            <a:r>
+              <a:rPr lang="fr-BE" sz="2800" dirty="0">
+                <a:solidFill>
+                  <a:schemeClr val="bg2">
+                    <a:lumMod val="25000"/>
+                  </a:schemeClr>
+                </a:solidFill>
+              </a:rPr>
+              <a:t>?</a:t>
+            </a:r>
+          </a:p>
+        </p:txBody>
+      </p:sp>
+    </p:spTree>
+    <p:extLst>
+      <p:ext uri="{BB962C8B-B14F-4D97-AF65-F5344CB8AC3E}">
+        <p14:creationId xmlns:p14="http://schemas.microsoft.com/office/powerpoint/2010/main" val="1806934408"/>
+      </p:ext>
+    </p:extLst>
+  </p:cSld>
+  <p:clrMapOvr>
+    <a:masterClrMapping/>
+  </p:clrMapOvr>
+  <mc:AlternateContent xmlns:mc="http://schemas.openxmlformats.org/markup-compatibility/2006" xmlns:p14="http://schemas.microsoft.com/office/powerpoint/2010/main">
+    <mc:Choice Requires="p14">
+      <p:transition spd="slow">
+        <p14:reveal/>
+      </p:transition>
+    </mc:Choice>
+    <mc:Fallback xmlns="">
+      <p:transition spd="slow">
+        <p:fade/>
+      </p:transition>
+    </mc:Fallback>
+  </mc:AlternateContent>
+</p:sld>
+</file>
+
+<file path=ppt/slides/slide76.xml><?xml version="1.0" encoding="utf-8"?>
+<p:sld xmlns:a="http://schemas.openxmlformats.org/drawingml/2006/main" xmlns:r="http://schemas.openxmlformats.org/officeDocument/2006/relationships" xmlns:p="http://schemas.openxmlformats.org/presentationml/2006/main">
+  <p:cSld>
+    <p:spTree>
+      <p:nvGrpSpPr>
+        <p:cNvPr id="1" name=""/>
+        <p:cNvGrpSpPr/>
+        <p:nvPr/>
+      </p:nvGrpSpPr>
+      <p:grpSpPr>
+        <a:xfrm>
+          <a:off x="0" y="0"/>
+          <a:ext cx="0" cy="0"/>
+          <a:chOff x="0" y="0"/>
+          <a:chExt cx="0" cy="0"/>
+        </a:xfrm>
+      </p:grpSpPr>
+      <p:sp>
+        <p:nvSpPr>
+          <p:cNvPr id="2" name="Titre 1">
+            <a:extLst>
+              <a:ext uri="{FF2B5EF4-FFF2-40B4-BE49-F238E27FC236}">
+                <a16:creationId xmlns:a16="http://schemas.microsoft.com/office/drawing/2014/main" id="{58D88B6E-9801-40EB-9EC8-DD55E21BCFBC}"/>
+              </a:ext>
+            </a:extLst>
+          </p:cNvPr>
+          <p:cNvSpPr>
+            <a:spLocks noGrp="1"/>
+          </p:cNvSpPr>
+          <p:nvPr>
+            <p:ph type="title"/>
+          </p:nvPr>
+        </p:nvSpPr>
+        <p:spPr/>
+        <p:txBody>
+          <a:bodyPr/>
+          <a:lstStyle/>
+          <a:p>
+            <a:r>
+              <a:rPr lang="fr-BE" dirty="0"/>
+              <a:t>Évènement clavier </a:t>
+            </a:r>
+            <a:r>
+              <a:rPr lang="fr-BE"/>
+              <a:t>: exo 33</a:t>
+            </a:r>
+            <a:endParaRPr lang="fr-BE" dirty="0"/>
+          </a:p>
+        </p:txBody>
+      </p:sp>
+      <p:sp>
+        <p:nvSpPr>
+          <p:cNvPr id="5" name="Espace réservé du contenu 4">
+            <a:extLst>
+              <a:ext uri="{FF2B5EF4-FFF2-40B4-BE49-F238E27FC236}">
+                <a16:creationId xmlns:a16="http://schemas.microsoft.com/office/drawing/2014/main" id="{57A04BFB-6191-4E83-842D-8D0A4965238A}"/>
+              </a:ext>
+            </a:extLst>
+          </p:cNvPr>
+          <p:cNvSpPr>
+            <a:spLocks noGrp="1"/>
+          </p:cNvSpPr>
+          <p:nvPr>
+            <p:ph idx="1"/>
+          </p:nvPr>
+        </p:nvSpPr>
+        <p:spPr>
+          <a:xfrm>
+            <a:off x="838200" y="1871852"/>
+            <a:ext cx="11353800" cy="4621023"/>
+          </a:xfrm>
+        </p:spPr>
+        <p:txBody>
+          <a:bodyPr>
+            <a:noAutofit/>
+          </a:bodyPr>
+          <a:lstStyle/>
+          <a:p>
+            <a:pPr marL="0" indent="0">
+              <a:buNone/>
+            </a:pPr>
+            <a:r>
+              <a:rPr lang="fr-BE" sz="2800" dirty="0">
+                <a:solidFill>
+                  <a:schemeClr val="accent6">
+                    <a:lumMod val="50000"/>
+                  </a:schemeClr>
+                </a:solidFill>
+                <a:latin typeface="Consolas" panose="020B0609020204030204" pitchFamily="49" charset="0"/>
+                <a:cs typeface="Courier New" panose="02070309020205020404" pitchFamily="49" charset="0"/>
+              </a:rPr>
+              <a:t>&lt;div id=</a:t>
+            </a:r>
+            <a:r>
+              <a:rPr lang="fr-BE" sz="2800" dirty="0">
+                <a:solidFill>
+                  <a:srgbClr val="8000FF"/>
+                </a:solidFill>
+                <a:latin typeface="Consolas" panose="020B0609020204030204" pitchFamily="49" charset="0"/>
+                <a:cs typeface="Courier New" panose="02070309020205020404" pitchFamily="49" charset="0"/>
+              </a:rPr>
+              <a:t>"</a:t>
+            </a:r>
+            <a:r>
+              <a:rPr lang="fr-BE" sz="2800" dirty="0" err="1">
+                <a:solidFill>
+                  <a:schemeClr val="accent2"/>
+                </a:solidFill>
+                <a:latin typeface="Consolas" panose="020B0609020204030204" pitchFamily="49" charset="0"/>
+                <a:cs typeface="Courier New" panose="02070309020205020404" pitchFamily="49" charset="0"/>
+              </a:rPr>
+              <a:t>lumiere</a:t>
+            </a:r>
+            <a:r>
+              <a:rPr lang="fr-BE" sz="2800" dirty="0">
+                <a:solidFill>
+                  <a:srgbClr val="8000FF"/>
+                </a:solidFill>
+                <a:latin typeface="Consolas" panose="020B0609020204030204" pitchFamily="49" charset="0"/>
+                <a:cs typeface="Courier New" panose="02070309020205020404" pitchFamily="49" charset="0"/>
+              </a:rPr>
+              <a:t>"</a:t>
+            </a:r>
+            <a:r>
+              <a:rPr lang="fr-BE" sz="2800" dirty="0">
+                <a:solidFill>
+                  <a:srgbClr val="0000FF"/>
+                </a:solidFill>
+                <a:latin typeface="Consolas" panose="020B0609020204030204" pitchFamily="49" charset="0"/>
+                <a:cs typeface="Courier New" panose="02070309020205020404" pitchFamily="49" charset="0"/>
+              </a:rPr>
+              <a:t>&gt;</a:t>
+            </a:r>
+            <a:br>
+              <a:rPr lang="fr-BE" sz="2800" dirty="0">
+                <a:solidFill>
+                  <a:srgbClr val="0000FF"/>
+                </a:solidFill>
+                <a:latin typeface="Consolas" panose="020B0609020204030204" pitchFamily="49" charset="0"/>
+                <a:cs typeface="Courier New" panose="02070309020205020404" pitchFamily="49" charset="0"/>
+              </a:rPr>
+            </a:br>
+            <a:r>
+              <a:rPr lang="fr-BE" sz="2800" dirty="0">
+                <a:solidFill>
+                  <a:srgbClr val="000000"/>
+                </a:solidFill>
+                <a:latin typeface="Consolas" panose="020B0609020204030204" pitchFamily="49" charset="0"/>
+                <a:cs typeface="Courier New" panose="02070309020205020404" pitchFamily="49" charset="0"/>
+              </a:rPr>
+              <a:t>	</a:t>
+            </a:r>
+            <a:r>
+              <a:rPr lang="fr-BE" sz="2800" dirty="0">
+                <a:solidFill>
+                  <a:schemeClr val="accent6">
+                    <a:lumMod val="50000"/>
+                  </a:schemeClr>
+                </a:solidFill>
+                <a:latin typeface="Consolas" panose="020B0609020204030204" pitchFamily="49" charset="0"/>
+                <a:cs typeface="Courier New" panose="02070309020205020404" pitchFamily="49" charset="0"/>
+              </a:rPr>
+              <a:t>&lt;</a:t>
+            </a:r>
+            <a:r>
+              <a:rPr lang="fr-BE" sz="2800" dirty="0" err="1">
+                <a:solidFill>
+                  <a:schemeClr val="accent6">
+                    <a:lumMod val="50000"/>
+                  </a:schemeClr>
+                </a:solidFill>
+                <a:latin typeface="Consolas" panose="020B0609020204030204" pitchFamily="49" charset="0"/>
+                <a:cs typeface="Courier New" panose="02070309020205020404" pitchFamily="49" charset="0"/>
+              </a:rPr>
+              <a:t>textarea</a:t>
+            </a:r>
+            <a:r>
+              <a:rPr lang="fr-BE" sz="2800" dirty="0">
+                <a:solidFill>
+                  <a:schemeClr val="accent6">
+                    <a:lumMod val="50000"/>
+                  </a:schemeClr>
+                </a:solidFill>
+                <a:latin typeface="Consolas" panose="020B0609020204030204" pitchFamily="49" charset="0"/>
+                <a:cs typeface="Courier New" panose="02070309020205020404" pitchFamily="49" charset="0"/>
+              </a:rPr>
+              <a:t> id=</a:t>
+            </a:r>
+            <a:r>
+              <a:rPr lang="fr-BE" sz="2800" dirty="0">
+                <a:solidFill>
+                  <a:srgbClr val="8000FF"/>
+                </a:solidFill>
+                <a:latin typeface="Consolas" panose="020B0609020204030204" pitchFamily="49" charset="0"/>
+                <a:cs typeface="Courier New" panose="02070309020205020404" pitchFamily="49" charset="0"/>
+              </a:rPr>
+              <a:t>"</a:t>
+            </a:r>
+            <a:r>
+              <a:rPr lang="fr-BE" sz="2800" dirty="0" err="1">
+                <a:solidFill>
+                  <a:schemeClr val="accent2"/>
+                </a:solidFill>
+                <a:latin typeface="Consolas" panose="020B0609020204030204" pitchFamily="49" charset="0"/>
+                <a:cs typeface="Courier New" panose="02070309020205020404" pitchFamily="49" charset="0"/>
+              </a:rPr>
+              <a:t>target</a:t>
+            </a:r>
+            <a:r>
+              <a:rPr lang="fr-BE" sz="2800" dirty="0">
+                <a:solidFill>
+                  <a:srgbClr val="8000FF"/>
+                </a:solidFill>
+                <a:latin typeface="Consolas" panose="020B0609020204030204" pitchFamily="49" charset="0"/>
+                <a:cs typeface="Courier New" panose="02070309020205020404" pitchFamily="49" charset="0"/>
+              </a:rPr>
+              <a:t>"</a:t>
+            </a:r>
+            <a:r>
+              <a:rPr lang="fr-BE" sz="2800" dirty="0">
+                <a:solidFill>
+                  <a:schemeClr val="accent6">
+                    <a:lumMod val="50000"/>
+                  </a:schemeClr>
+                </a:solidFill>
+                <a:latin typeface="Consolas" panose="020B0609020204030204" pitchFamily="49" charset="0"/>
+                <a:cs typeface="Courier New" panose="02070309020205020404" pitchFamily="49" charset="0"/>
+              </a:rPr>
+              <a:t>&gt;&lt;/</a:t>
+            </a:r>
+            <a:r>
+              <a:rPr lang="fr-BE" sz="2800" dirty="0" err="1">
+                <a:solidFill>
+                  <a:schemeClr val="accent6">
+                    <a:lumMod val="50000"/>
+                  </a:schemeClr>
+                </a:solidFill>
+                <a:latin typeface="Consolas" panose="020B0609020204030204" pitchFamily="49" charset="0"/>
+                <a:cs typeface="Courier New" panose="02070309020205020404" pitchFamily="49" charset="0"/>
+              </a:rPr>
+              <a:t>textarea</a:t>
+            </a:r>
+            <a:r>
+              <a:rPr lang="fr-BE" sz="2800" dirty="0">
+                <a:solidFill>
+                  <a:schemeClr val="accent6">
+                    <a:lumMod val="50000"/>
+                  </a:schemeClr>
+                </a:solidFill>
+                <a:latin typeface="Consolas" panose="020B0609020204030204" pitchFamily="49" charset="0"/>
+                <a:cs typeface="Courier New" panose="02070309020205020404" pitchFamily="49" charset="0"/>
+              </a:rPr>
+              <a:t>&gt;</a:t>
+            </a:r>
+            <a:br>
+              <a:rPr lang="fr-BE" sz="2800" dirty="0">
+                <a:solidFill>
+                  <a:schemeClr val="accent6">
+                    <a:lumMod val="50000"/>
+                  </a:schemeClr>
+                </a:solidFill>
+                <a:latin typeface="Consolas" panose="020B0609020204030204" pitchFamily="49" charset="0"/>
+                <a:cs typeface="Courier New" panose="02070309020205020404" pitchFamily="49" charset="0"/>
+              </a:rPr>
+            </a:br>
+            <a:r>
+              <a:rPr lang="fr-BE" sz="2800" dirty="0">
+                <a:solidFill>
+                  <a:schemeClr val="accent6">
+                    <a:lumMod val="50000"/>
+                  </a:schemeClr>
+                </a:solidFill>
+                <a:latin typeface="Consolas" panose="020B0609020204030204" pitchFamily="49" charset="0"/>
+                <a:cs typeface="Courier New" panose="02070309020205020404" pitchFamily="49" charset="0"/>
+              </a:rPr>
+              <a:t>&lt;/div&gt;</a:t>
+            </a:r>
+            <a:br>
+              <a:rPr lang="fr-BE" sz="2800" dirty="0">
+                <a:solidFill>
+                  <a:schemeClr val="accent6">
+                    <a:lumMod val="50000"/>
+                  </a:schemeClr>
+                </a:solidFill>
+                <a:latin typeface="Consolas" panose="020B0609020204030204" pitchFamily="49" charset="0"/>
+                <a:cs typeface="Courier New" panose="02070309020205020404" pitchFamily="49" charset="0"/>
+              </a:rPr>
+            </a:br>
+            <a:r>
+              <a:rPr lang="fr-BE" sz="2800" dirty="0">
+                <a:solidFill>
+                  <a:srgbClr val="0000FF"/>
+                </a:solidFill>
+                <a:latin typeface="Consolas" panose="020B0609020204030204" pitchFamily="49" charset="0"/>
+                <a:cs typeface="Courier New" panose="02070309020205020404" pitchFamily="49" charset="0"/>
+              </a:rPr>
+              <a:t>…</a:t>
+            </a:r>
+            <a:br>
+              <a:rPr lang="fr-BE" sz="2800" dirty="0">
+                <a:solidFill>
+                  <a:srgbClr val="0000FF"/>
+                </a:solidFill>
+                <a:latin typeface="Consolas" panose="020B0609020204030204" pitchFamily="49" charset="0"/>
+                <a:cs typeface="Courier New" panose="02070309020205020404" pitchFamily="49" charset="0"/>
+              </a:rPr>
+            </a:br>
+            <a:r>
+              <a:rPr lang="fr-BE" sz="2800" dirty="0">
+                <a:solidFill>
+                  <a:schemeClr val="accent6">
+                    <a:lumMod val="50000"/>
+                  </a:schemeClr>
+                </a:solidFill>
+                <a:latin typeface="Consolas" panose="020B0609020204030204" pitchFamily="49" charset="0"/>
+                <a:cs typeface="Courier New" panose="02070309020205020404" pitchFamily="49" charset="0"/>
+              </a:rPr>
+              <a:t>$(</a:t>
+            </a:r>
+            <a:r>
+              <a:rPr lang="fr-BE" sz="2800" dirty="0" err="1">
+                <a:solidFill>
+                  <a:schemeClr val="accent6">
+                    <a:lumMod val="50000"/>
+                  </a:schemeClr>
+                </a:solidFill>
+                <a:latin typeface="Consolas" panose="020B0609020204030204" pitchFamily="49" charset="0"/>
+                <a:cs typeface="Courier New" panose="02070309020205020404" pitchFamily="49" charset="0"/>
+              </a:rPr>
+              <a:t>function</a:t>
+            </a:r>
+            <a:r>
+              <a:rPr lang="fr-BE" sz="2800" dirty="0">
+                <a:solidFill>
+                  <a:schemeClr val="accent6">
+                    <a:lumMod val="50000"/>
+                  </a:schemeClr>
+                </a:solidFill>
+                <a:latin typeface="Consolas" panose="020B0609020204030204" pitchFamily="49" charset="0"/>
+                <a:cs typeface="Courier New" panose="02070309020205020404" pitchFamily="49" charset="0"/>
+              </a:rPr>
+              <a:t>() {</a:t>
+            </a:r>
+            <a:br>
+              <a:rPr lang="fr-BE" sz="2800" dirty="0">
+                <a:solidFill>
+                  <a:schemeClr val="accent6">
+                    <a:lumMod val="50000"/>
+                  </a:schemeClr>
+                </a:solidFill>
+                <a:latin typeface="Consolas" panose="020B0609020204030204" pitchFamily="49" charset="0"/>
+                <a:cs typeface="Courier New" panose="02070309020205020404" pitchFamily="49" charset="0"/>
+              </a:rPr>
+            </a:br>
+            <a:r>
+              <a:rPr lang="fr-BE" sz="2800" dirty="0">
+                <a:solidFill>
+                  <a:srgbClr val="000000"/>
+                </a:solidFill>
+                <a:latin typeface="Consolas" panose="020B0609020204030204" pitchFamily="49" charset="0"/>
+                <a:cs typeface="Courier New" panose="02070309020205020404" pitchFamily="49" charset="0"/>
+              </a:rPr>
+              <a:t>  $(</a:t>
+            </a:r>
+            <a:r>
+              <a:rPr lang="fr-BE" sz="2800" dirty="0">
+                <a:solidFill>
+                  <a:srgbClr val="808080"/>
+                </a:solidFill>
+                <a:latin typeface="Consolas" panose="020B0609020204030204" pitchFamily="49" charset="0"/>
+                <a:cs typeface="Courier New" panose="02070309020205020404" pitchFamily="49" charset="0"/>
+              </a:rPr>
+              <a:t>'#</a:t>
+            </a:r>
+            <a:r>
+              <a:rPr lang="fr-BE" sz="2800" dirty="0" err="1">
+                <a:solidFill>
+                  <a:schemeClr val="accent2"/>
+                </a:solidFill>
+                <a:latin typeface="Consolas" panose="020B0609020204030204" pitchFamily="49" charset="0"/>
+                <a:cs typeface="Courier New" panose="02070309020205020404" pitchFamily="49" charset="0"/>
+              </a:rPr>
+              <a:t>target</a:t>
+            </a:r>
+            <a:r>
+              <a:rPr lang="fr-BE" sz="2800" dirty="0">
+                <a:solidFill>
+                  <a:srgbClr val="808080"/>
+                </a:solidFill>
+                <a:latin typeface="Consolas" panose="020B0609020204030204" pitchFamily="49" charset="0"/>
+                <a:cs typeface="Courier New" panose="02070309020205020404" pitchFamily="49" charset="0"/>
+              </a:rPr>
+              <a:t>'</a:t>
+            </a:r>
+            <a:r>
+              <a:rPr lang="fr-BE" sz="2800" dirty="0">
+                <a:solidFill>
+                  <a:srgbClr val="000000"/>
+                </a:solidFill>
+                <a:latin typeface="Consolas" panose="020B0609020204030204" pitchFamily="49" charset="0"/>
+                <a:cs typeface="Courier New" panose="02070309020205020404" pitchFamily="49" charset="0"/>
+              </a:rPr>
+              <a:t>).</a:t>
+            </a:r>
+            <a:r>
+              <a:rPr lang="fr-BE" sz="2800" dirty="0" err="1">
+                <a:solidFill>
+                  <a:schemeClr val="accent5"/>
+                </a:solidFill>
+                <a:latin typeface="Consolas" panose="020B0609020204030204" pitchFamily="49" charset="0"/>
+                <a:cs typeface="Courier New" panose="02070309020205020404" pitchFamily="49" charset="0"/>
+              </a:rPr>
+              <a:t>keydown</a:t>
+            </a:r>
+            <a:r>
+              <a:rPr lang="fr-BE" sz="2800" dirty="0">
+                <a:solidFill>
+                  <a:srgbClr val="000000"/>
+                </a:solidFill>
+                <a:latin typeface="Consolas" panose="020B0609020204030204" pitchFamily="49" charset="0"/>
+                <a:cs typeface="Courier New" panose="02070309020205020404" pitchFamily="49" charset="0"/>
+              </a:rPr>
+              <a:t>(</a:t>
+            </a:r>
+            <a:r>
+              <a:rPr lang="fr-BE" sz="2800" dirty="0" err="1">
+                <a:solidFill>
+                  <a:schemeClr val="accent6">
+                    <a:lumMod val="50000"/>
+                  </a:schemeClr>
+                </a:solidFill>
+                <a:latin typeface="Consolas" panose="020B0609020204030204" pitchFamily="49" charset="0"/>
+                <a:cs typeface="Courier New" panose="02070309020205020404" pitchFamily="49" charset="0"/>
+              </a:rPr>
+              <a:t>function</a:t>
+            </a:r>
+            <a:r>
+              <a:rPr lang="fr-BE" sz="2800" dirty="0">
+                <a:solidFill>
+                  <a:schemeClr val="accent6">
+                    <a:lumMod val="50000"/>
+                  </a:schemeClr>
+                </a:solidFill>
+                <a:latin typeface="Consolas" panose="020B0609020204030204" pitchFamily="49" charset="0"/>
+                <a:cs typeface="Courier New" panose="02070309020205020404" pitchFamily="49" charset="0"/>
+              </a:rPr>
+              <a:t>(){</a:t>
+            </a:r>
+            <a:br>
+              <a:rPr lang="fr-BE" sz="2800" dirty="0">
+                <a:solidFill>
+                  <a:schemeClr val="accent6">
+                    <a:lumMod val="50000"/>
+                  </a:schemeClr>
+                </a:solidFill>
+                <a:latin typeface="Consolas" panose="020B0609020204030204" pitchFamily="49" charset="0"/>
+                <a:cs typeface="Courier New" panose="02070309020205020404" pitchFamily="49" charset="0"/>
+              </a:rPr>
+            </a:br>
+            <a:r>
+              <a:rPr lang="fr-BE" sz="2800" dirty="0">
+                <a:solidFill>
+                  <a:schemeClr val="accent6">
+                    <a:lumMod val="50000"/>
+                  </a:schemeClr>
+                </a:solidFill>
+                <a:latin typeface="Consolas" panose="020B0609020204030204" pitchFamily="49" charset="0"/>
+                <a:cs typeface="Courier New" panose="02070309020205020404" pitchFamily="49" charset="0"/>
+              </a:rPr>
+              <a:t>    $('#</a:t>
+            </a:r>
+            <a:r>
+              <a:rPr lang="fr-BE" sz="2800" dirty="0" err="1">
+                <a:solidFill>
+                  <a:schemeClr val="accent2"/>
+                </a:solidFill>
+                <a:latin typeface="Consolas" panose="020B0609020204030204" pitchFamily="49" charset="0"/>
+                <a:cs typeface="Courier New" panose="02070309020205020404" pitchFamily="49" charset="0"/>
+              </a:rPr>
+              <a:t>lumiere</a:t>
+            </a:r>
+            <a:r>
+              <a:rPr lang="fr-BE" sz="2800" dirty="0">
+                <a:solidFill>
+                  <a:schemeClr val="accent6">
+                    <a:lumMod val="50000"/>
+                  </a:schemeClr>
+                </a:solidFill>
+                <a:latin typeface="Consolas" panose="020B0609020204030204" pitchFamily="49" charset="0"/>
+                <a:cs typeface="Courier New" panose="02070309020205020404" pitchFamily="49" charset="0"/>
+              </a:rPr>
+              <a:t>').</a:t>
+            </a:r>
+            <a:r>
+              <a:rPr lang="fr-BE" sz="2800" dirty="0" err="1">
+                <a:solidFill>
+                  <a:schemeClr val="accent6">
+                    <a:lumMod val="50000"/>
+                  </a:schemeClr>
+                </a:solidFill>
+                <a:latin typeface="Consolas" panose="020B0609020204030204" pitchFamily="49" charset="0"/>
+                <a:cs typeface="Courier New" panose="02070309020205020404" pitchFamily="49" charset="0"/>
+              </a:rPr>
+              <a:t>css</a:t>
+            </a:r>
+            <a:r>
+              <a:rPr lang="fr-BE" sz="2800" dirty="0">
+                <a:solidFill>
+                  <a:schemeClr val="accent6">
+                    <a:lumMod val="50000"/>
+                  </a:schemeClr>
+                </a:solidFill>
+                <a:latin typeface="Consolas" panose="020B0609020204030204" pitchFamily="49" charset="0"/>
+                <a:cs typeface="Courier New" panose="02070309020205020404" pitchFamily="49" charset="0"/>
+              </a:rPr>
+              <a:t>('background-</a:t>
+            </a:r>
+            <a:r>
+              <a:rPr lang="fr-BE" sz="2800" dirty="0" err="1">
+                <a:solidFill>
+                  <a:schemeClr val="accent6">
+                    <a:lumMod val="50000"/>
+                  </a:schemeClr>
+                </a:solidFill>
+                <a:latin typeface="Consolas" panose="020B0609020204030204" pitchFamily="49" charset="0"/>
+                <a:cs typeface="Courier New" panose="02070309020205020404" pitchFamily="49" charset="0"/>
+              </a:rPr>
+              <a:t>color</a:t>
+            </a:r>
+            <a:r>
+              <a:rPr lang="fr-BE" sz="2800" dirty="0">
+                <a:solidFill>
+                  <a:schemeClr val="accent6">
+                    <a:lumMod val="50000"/>
+                  </a:schemeClr>
+                </a:solidFill>
+                <a:latin typeface="Consolas" panose="020B0609020204030204" pitchFamily="49" charset="0"/>
+                <a:cs typeface="Courier New" panose="02070309020205020404" pitchFamily="49" charset="0"/>
+              </a:rPr>
+              <a:t>', 'green');</a:t>
+            </a:r>
+            <a:br>
+              <a:rPr lang="fr-BE" sz="2800" dirty="0">
+                <a:solidFill>
+                  <a:schemeClr val="accent6">
+                    <a:lumMod val="50000"/>
+                  </a:schemeClr>
+                </a:solidFill>
+                <a:latin typeface="Consolas" panose="020B0609020204030204" pitchFamily="49" charset="0"/>
+                <a:cs typeface="Courier New" panose="02070309020205020404" pitchFamily="49" charset="0"/>
+              </a:rPr>
+            </a:br>
+            <a:r>
+              <a:rPr lang="fr-BE" sz="2800" dirty="0">
+                <a:solidFill>
+                  <a:schemeClr val="accent6">
+                    <a:lumMod val="50000"/>
+                  </a:schemeClr>
+                </a:solidFill>
+                <a:latin typeface="Consolas" panose="020B0609020204030204" pitchFamily="49" charset="0"/>
+                <a:cs typeface="Courier New" panose="02070309020205020404" pitchFamily="49" charset="0"/>
+              </a:rPr>
+              <a:t>  }</a:t>
+            </a:r>
+            <a:r>
+              <a:rPr lang="fr-BE" sz="2800" dirty="0">
+                <a:solidFill>
+                  <a:srgbClr val="000000"/>
+                </a:solidFill>
+                <a:latin typeface="Consolas" panose="020B0609020204030204" pitchFamily="49" charset="0"/>
+                <a:cs typeface="Courier New" panose="02070309020205020404" pitchFamily="49" charset="0"/>
+              </a:rPr>
+              <a:t>);</a:t>
+            </a:r>
+            <a:br>
+              <a:rPr lang="fr-BE" sz="2800" dirty="0">
+                <a:solidFill>
+                  <a:srgbClr val="000000"/>
+                </a:solidFill>
+                <a:latin typeface="Consolas" panose="020B0609020204030204" pitchFamily="49" charset="0"/>
+                <a:cs typeface="Courier New" panose="02070309020205020404" pitchFamily="49" charset="0"/>
+              </a:rPr>
+            </a:br>
+            <a:r>
+              <a:rPr lang="fr-BE" sz="2800" dirty="0">
+                <a:solidFill>
+                  <a:srgbClr val="000000"/>
+                </a:solidFill>
+                <a:latin typeface="Consolas" panose="020B0609020204030204" pitchFamily="49" charset="0"/>
+                <a:cs typeface="Courier New" panose="02070309020205020404" pitchFamily="49" charset="0"/>
+              </a:rPr>
+              <a:t>  $(</a:t>
+            </a:r>
+            <a:r>
+              <a:rPr lang="fr-BE" sz="2800" dirty="0">
+                <a:solidFill>
+                  <a:srgbClr val="808080"/>
+                </a:solidFill>
+                <a:latin typeface="Consolas" panose="020B0609020204030204" pitchFamily="49" charset="0"/>
+                <a:cs typeface="Courier New" panose="02070309020205020404" pitchFamily="49" charset="0"/>
+              </a:rPr>
+              <a:t>'#</a:t>
+            </a:r>
+            <a:r>
+              <a:rPr lang="fr-BE" sz="2800" dirty="0" err="1">
+                <a:solidFill>
+                  <a:schemeClr val="accent2"/>
+                </a:solidFill>
+                <a:latin typeface="Consolas" panose="020B0609020204030204" pitchFamily="49" charset="0"/>
+                <a:cs typeface="Courier New" panose="02070309020205020404" pitchFamily="49" charset="0"/>
+              </a:rPr>
+              <a:t>target</a:t>
+            </a:r>
+            <a:r>
+              <a:rPr lang="fr-BE" sz="2800" dirty="0">
+                <a:solidFill>
+                  <a:srgbClr val="808080"/>
+                </a:solidFill>
+                <a:latin typeface="Consolas" panose="020B0609020204030204" pitchFamily="49" charset="0"/>
+                <a:cs typeface="Courier New" panose="02070309020205020404" pitchFamily="49" charset="0"/>
+              </a:rPr>
+              <a:t>'</a:t>
+            </a:r>
+            <a:r>
+              <a:rPr lang="fr-BE" sz="2800" dirty="0">
+                <a:solidFill>
+                  <a:srgbClr val="000000"/>
+                </a:solidFill>
+                <a:latin typeface="Consolas" panose="020B0609020204030204" pitchFamily="49" charset="0"/>
+                <a:cs typeface="Courier New" panose="02070309020205020404" pitchFamily="49" charset="0"/>
+              </a:rPr>
+              <a:t>).</a:t>
+            </a:r>
+            <a:r>
+              <a:rPr lang="fr-BE" sz="2800" dirty="0" err="1">
+                <a:solidFill>
+                  <a:schemeClr val="accent5"/>
+                </a:solidFill>
+                <a:latin typeface="Consolas" panose="020B0609020204030204" pitchFamily="49" charset="0"/>
+                <a:cs typeface="Courier New" panose="02070309020205020404" pitchFamily="49" charset="0"/>
+              </a:rPr>
+              <a:t>keyup</a:t>
+            </a:r>
+            <a:r>
+              <a:rPr lang="fr-BE" sz="2800" dirty="0">
+                <a:solidFill>
+                  <a:srgbClr val="000000"/>
+                </a:solidFill>
+                <a:latin typeface="Consolas" panose="020B0609020204030204" pitchFamily="49" charset="0"/>
+                <a:cs typeface="Courier New" panose="02070309020205020404" pitchFamily="49" charset="0"/>
+              </a:rPr>
+              <a:t>(</a:t>
+            </a:r>
+            <a:r>
+              <a:rPr lang="fr-BE" sz="2800" dirty="0" err="1">
+                <a:solidFill>
+                  <a:schemeClr val="accent6">
+                    <a:lumMod val="50000"/>
+                  </a:schemeClr>
+                </a:solidFill>
+                <a:latin typeface="Consolas" panose="020B0609020204030204" pitchFamily="49" charset="0"/>
+                <a:cs typeface="Courier New" panose="02070309020205020404" pitchFamily="49" charset="0"/>
+              </a:rPr>
+              <a:t>function</a:t>
+            </a:r>
+            <a:r>
+              <a:rPr lang="fr-BE" sz="2800" dirty="0">
+                <a:solidFill>
+                  <a:schemeClr val="accent6">
+                    <a:lumMod val="50000"/>
+                  </a:schemeClr>
+                </a:solidFill>
+                <a:latin typeface="Consolas" panose="020B0609020204030204" pitchFamily="49" charset="0"/>
+                <a:cs typeface="Courier New" panose="02070309020205020404" pitchFamily="49" charset="0"/>
+              </a:rPr>
+              <a:t>(){</a:t>
+            </a:r>
+            <a:br>
+              <a:rPr lang="fr-BE" sz="2800" dirty="0">
+                <a:solidFill>
+                  <a:schemeClr val="accent6">
+                    <a:lumMod val="50000"/>
+                  </a:schemeClr>
+                </a:solidFill>
+                <a:latin typeface="Consolas" panose="020B0609020204030204" pitchFamily="49" charset="0"/>
+                <a:cs typeface="Courier New" panose="02070309020205020404" pitchFamily="49" charset="0"/>
+              </a:rPr>
+            </a:br>
+            <a:r>
+              <a:rPr lang="fr-BE" sz="2800" dirty="0">
+                <a:solidFill>
+                  <a:schemeClr val="accent6">
+                    <a:lumMod val="50000"/>
+                  </a:schemeClr>
+                </a:solidFill>
+                <a:latin typeface="Consolas" panose="020B0609020204030204" pitchFamily="49" charset="0"/>
+                <a:cs typeface="Courier New" panose="02070309020205020404" pitchFamily="49" charset="0"/>
+              </a:rPr>
+              <a:t>    $('#</a:t>
+            </a:r>
+            <a:r>
+              <a:rPr lang="fr-BE" sz="2800" dirty="0" err="1">
+                <a:solidFill>
+                  <a:schemeClr val="accent2"/>
+                </a:solidFill>
+                <a:latin typeface="Consolas" panose="020B0609020204030204" pitchFamily="49" charset="0"/>
+                <a:cs typeface="Courier New" panose="02070309020205020404" pitchFamily="49" charset="0"/>
+              </a:rPr>
+              <a:t>lumiere</a:t>
+            </a:r>
+            <a:r>
+              <a:rPr lang="fr-BE" sz="2800" dirty="0">
+                <a:solidFill>
+                  <a:schemeClr val="accent6">
+                    <a:lumMod val="50000"/>
+                  </a:schemeClr>
+                </a:solidFill>
+                <a:latin typeface="Consolas" panose="020B0609020204030204" pitchFamily="49" charset="0"/>
+                <a:cs typeface="Courier New" panose="02070309020205020404" pitchFamily="49" charset="0"/>
+              </a:rPr>
+              <a:t>').</a:t>
+            </a:r>
+            <a:r>
+              <a:rPr lang="fr-BE" sz="2800" dirty="0" err="1">
+                <a:solidFill>
+                  <a:schemeClr val="accent6">
+                    <a:lumMod val="50000"/>
+                  </a:schemeClr>
+                </a:solidFill>
+                <a:latin typeface="Consolas" panose="020B0609020204030204" pitchFamily="49" charset="0"/>
+                <a:cs typeface="Courier New" panose="02070309020205020404" pitchFamily="49" charset="0"/>
+              </a:rPr>
+              <a:t>css</a:t>
+            </a:r>
+            <a:r>
+              <a:rPr lang="fr-BE" sz="2800" dirty="0">
+                <a:solidFill>
+                  <a:schemeClr val="accent6">
+                    <a:lumMod val="50000"/>
+                  </a:schemeClr>
+                </a:solidFill>
+                <a:latin typeface="Consolas" panose="020B0609020204030204" pitchFamily="49" charset="0"/>
+                <a:cs typeface="Courier New" panose="02070309020205020404" pitchFamily="49" charset="0"/>
+              </a:rPr>
+              <a:t>('background-</a:t>
+            </a:r>
+            <a:r>
+              <a:rPr lang="fr-BE" sz="2800" dirty="0" err="1">
+                <a:solidFill>
+                  <a:schemeClr val="accent6">
+                    <a:lumMod val="50000"/>
+                  </a:schemeClr>
+                </a:solidFill>
+                <a:latin typeface="Consolas" panose="020B0609020204030204" pitchFamily="49" charset="0"/>
+                <a:cs typeface="Courier New" panose="02070309020205020404" pitchFamily="49" charset="0"/>
+              </a:rPr>
+              <a:t>color</a:t>
+            </a:r>
+            <a:r>
+              <a:rPr lang="fr-BE" sz="2800" dirty="0">
+                <a:solidFill>
+                  <a:schemeClr val="accent6">
+                    <a:lumMod val="50000"/>
+                  </a:schemeClr>
+                </a:solidFill>
+                <a:latin typeface="Consolas" panose="020B0609020204030204" pitchFamily="49" charset="0"/>
+                <a:cs typeface="Courier New" panose="02070309020205020404" pitchFamily="49" charset="0"/>
+              </a:rPr>
+              <a:t>', 'white');</a:t>
+            </a:r>
+            <a:br>
+              <a:rPr lang="fr-BE" sz="2800" dirty="0">
+                <a:solidFill>
+                  <a:schemeClr val="accent6">
+                    <a:lumMod val="50000"/>
+                  </a:schemeClr>
+                </a:solidFill>
+                <a:latin typeface="Consolas" panose="020B0609020204030204" pitchFamily="49" charset="0"/>
+                <a:cs typeface="Courier New" panose="02070309020205020404" pitchFamily="49" charset="0"/>
+              </a:rPr>
+            </a:br>
+            <a:r>
+              <a:rPr lang="fr-BE" sz="2800" dirty="0">
+                <a:solidFill>
+                  <a:schemeClr val="accent6">
+                    <a:lumMod val="50000"/>
+                  </a:schemeClr>
+                </a:solidFill>
+                <a:latin typeface="Consolas" panose="020B0609020204030204" pitchFamily="49" charset="0"/>
+                <a:cs typeface="Courier New" panose="02070309020205020404" pitchFamily="49" charset="0"/>
+              </a:rPr>
+              <a:t>  }</a:t>
+            </a:r>
+            <a:r>
+              <a:rPr lang="fr-BE" sz="2800" dirty="0">
+                <a:solidFill>
+                  <a:srgbClr val="000000"/>
+                </a:solidFill>
+                <a:latin typeface="Consolas" panose="020B0609020204030204" pitchFamily="49" charset="0"/>
+                <a:cs typeface="Courier New" panose="02070309020205020404" pitchFamily="49" charset="0"/>
+              </a:rPr>
+              <a:t>);</a:t>
+            </a:r>
+            <a:br>
+              <a:rPr lang="fr-BE" sz="2800" dirty="0">
+                <a:solidFill>
+                  <a:srgbClr val="000000"/>
+                </a:solidFill>
+                <a:latin typeface="Consolas" panose="020B0609020204030204" pitchFamily="49" charset="0"/>
+                <a:cs typeface="Courier New" panose="02070309020205020404" pitchFamily="49" charset="0"/>
+              </a:rPr>
+            </a:br>
+            <a:r>
+              <a:rPr lang="fr-BE" sz="2800" dirty="0">
+                <a:solidFill>
+                  <a:schemeClr val="accent6">
+                    <a:lumMod val="50000"/>
+                  </a:schemeClr>
+                </a:solidFill>
+                <a:latin typeface="Consolas" panose="020B0609020204030204" pitchFamily="49" charset="0"/>
+                <a:cs typeface="Courier New" panose="02070309020205020404" pitchFamily="49" charset="0"/>
+              </a:rPr>
+              <a:t>});</a:t>
+            </a:r>
+          </a:p>
+        </p:txBody>
+      </p:sp>
+      <p:sp>
+        <p:nvSpPr>
+          <p:cNvPr id="4" name="ZoneTexte 3">
+            <a:extLst>
+              <a:ext uri="{FF2B5EF4-FFF2-40B4-BE49-F238E27FC236}">
+                <a16:creationId xmlns:a16="http://schemas.microsoft.com/office/drawing/2014/main" id="{F9DFD24D-C96E-2985-D41C-6C0A6C3191DA}"/>
+              </a:ext>
+            </a:extLst>
+          </p:cNvPr>
+          <p:cNvSpPr txBox="1"/>
+          <p:nvPr/>
+        </p:nvSpPr>
+        <p:spPr>
+          <a:xfrm>
+            <a:off x="8931300" y="493189"/>
+            <a:ext cx="2799782" cy="1384995"/>
+          </a:xfrm>
+          <a:prstGeom prst="rect">
+            <a:avLst/>
+          </a:prstGeom>
+          <a:noFill/>
+        </p:spPr>
+        <p:txBody>
+          <a:bodyPr wrap="square" rtlCol="0">
+            <a:spAutoFit/>
+          </a:bodyPr>
+          <a:lstStyle/>
+          <a:p>
+            <a:r>
+              <a:rPr lang="fr-BE" sz="2800" dirty="0">
+                <a:solidFill>
+                  <a:schemeClr val="bg2">
+                    <a:lumMod val="25000"/>
+                  </a:schemeClr>
+                </a:solidFill>
+              </a:rPr>
+              <a:t>Question : </a:t>
+            </a:r>
+            <a:br>
+              <a:rPr lang="fr-BE" sz="2800" dirty="0">
+                <a:solidFill>
+                  <a:schemeClr val="bg2">
+                    <a:lumMod val="25000"/>
+                  </a:schemeClr>
+                </a:solidFill>
+              </a:rPr>
+            </a:br>
+            <a:r>
+              <a:rPr lang="fr-BE" sz="2800" dirty="0">
+                <a:solidFill>
+                  <a:schemeClr val="bg2">
+                    <a:lumMod val="25000"/>
+                  </a:schemeClr>
+                </a:solidFill>
+              </a:rPr>
+              <a:t>Que fait ce </a:t>
+            </a:r>
+            <a:r>
+              <a:rPr lang="fr-BE" sz="2800">
+                <a:solidFill>
+                  <a:schemeClr val="bg2">
+                    <a:lumMod val="25000"/>
+                  </a:schemeClr>
+                </a:solidFill>
+              </a:rPr>
+              <a:t>code JavaScript </a:t>
+            </a:r>
+            <a:r>
+              <a:rPr lang="fr-BE" sz="2800" dirty="0">
+                <a:solidFill>
+                  <a:schemeClr val="bg2">
+                    <a:lumMod val="25000"/>
+                  </a:schemeClr>
+                </a:solidFill>
+              </a:rPr>
+              <a:t>?</a:t>
+            </a:r>
+          </a:p>
+        </p:txBody>
+      </p:sp>
+    </p:spTree>
+    <p:extLst>
+      <p:ext uri="{BB962C8B-B14F-4D97-AF65-F5344CB8AC3E}">
+        <p14:creationId xmlns:p14="http://schemas.microsoft.com/office/powerpoint/2010/main" val="4215048846"/>
+      </p:ext>
+    </p:extLst>
+  </p:cSld>
+  <p:clrMapOvr>
+    <a:masterClrMapping/>
+  </p:clrMapOvr>
+  <mc:AlternateContent xmlns:mc="http://schemas.openxmlformats.org/markup-compatibility/2006" xmlns:p14="http://schemas.microsoft.com/office/powerpoint/2010/main">
+    <mc:Choice Requires="p14">
+      <p:transition spd="slow">
+        <p14:reveal/>
+      </p:transition>
+    </mc:Choice>
+    <mc:Fallback xmlns="">
+      <p:transition spd="slow">
+        <p:fade/>
+      </p:transition>
+    </mc:Fallback>
+  </mc:AlternateContent>
+</p:sld>
+</file>
+
+<file path=ppt/slides/slide77.xml><?xml version="1.0" encoding="utf-8"?>
+<p:sld xmlns:a="http://schemas.openxmlformats.org/drawingml/2006/main" xmlns:r="http://schemas.openxmlformats.org/officeDocument/2006/relationships" xmlns:p="http://schemas.openxmlformats.org/presentationml/2006/main">
+  <p:cSld>
+    <p:spTree>
+      <p:nvGrpSpPr>
+        <p:cNvPr id="1" name=""/>
+        <p:cNvGrpSpPr/>
+        <p:nvPr/>
+      </p:nvGrpSpPr>
+      <p:grpSpPr>
+        <a:xfrm>
+          <a:off x="0" y="0"/>
+          <a:ext cx="0" cy="0"/>
+          <a:chOff x="0" y="0"/>
+          <a:chExt cx="0" cy="0"/>
+        </a:xfrm>
+      </p:grpSpPr>
+      <p:sp>
+        <p:nvSpPr>
+          <p:cNvPr id="4" name="Titre 3">
+            <a:extLst>
+              <a:ext uri="{FF2B5EF4-FFF2-40B4-BE49-F238E27FC236}">
+                <a16:creationId xmlns:a16="http://schemas.microsoft.com/office/drawing/2014/main" id="{7A47BCD8-9B71-4A9B-80D2-7D2663588697}"/>
+              </a:ext>
+            </a:extLst>
+          </p:cNvPr>
+          <p:cNvSpPr>
+            <a:spLocks noGrp="1"/>
+          </p:cNvSpPr>
+          <p:nvPr>
+            <p:ph type="title"/>
+          </p:nvPr>
+        </p:nvSpPr>
+        <p:spPr/>
+        <p:txBody>
+          <a:bodyPr/>
+          <a:lstStyle/>
+          <a:p>
+            <a:r>
+              <a:rPr lang="fr-BE"/>
+              <a:t>Formulaire</a:t>
+            </a:r>
+            <a:endParaRPr lang="fr-BE" dirty="0"/>
+          </a:p>
+        </p:txBody>
+      </p:sp>
+      <p:sp>
+        <p:nvSpPr>
+          <p:cNvPr id="2" name="Espace réservé du texte 1">
+            <a:extLst>
+              <a:ext uri="{FF2B5EF4-FFF2-40B4-BE49-F238E27FC236}">
+                <a16:creationId xmlns:a16="http://schemas.microsoft.com/office/drawing/2014/main" id="{1E8E477F-C0AD-5E68-12A8-41CBC0262ACE}"/>
+              </a:ext>
+            </a:extLst>
+          </p:cNvPr>
+          <p:cNvSpPr>
+            <a:spLocks noGrp="1"/>
+          </p:cNvSpPr>
+          <p:nvPr>
+            <p:ph type="body" idx="1"/>
+          </p:nvPr>
+        </p:nvSpPr>
+        <p:spPr/>
+        <p:txBody>
+          <a:bodyPr/>
+          <a:lstStyle/>
+          <a:p>
+            <a:endParaRPr lang="fr-BE"/>
+          </a:p>
+        </p:txBody>
+      </p:sp>
+      <p:pic>
+        <p:nvPicPr>
+          <p:cNvPr id="6" name="Espace réservé pour une image  5">
+            <a:extLst>
+              <a:ext uri="{FF2B5EF4-FFF2-40B4-BE49-F238E27FC236}">
+                <a16:creationId xmlns:a16="http://schemas.microsoft.com/office/drawing/2014/main" id="{7AE2DB9B-F97D-A443-5563-5C9FC84E72CC}"/>
+              </a:ext>
+            </a:extLst>
+          </p:cNvPr>
+          <p:cNvPicPr>
+            <a:picLocks noGrp="1" noChangeAspect="1"/>
+          </p:cNvPicPr>
+          <p:nvPr>
+            <p:ph type="pic" sz="quarter" idx="10"/>
+          </p:nvPr>
+        </p:nvPicPr>
+        <p:blipFill>
+          <a:blip r:embed="rId2" cstate="print">
+            <a:extLst>
+              <a:ext uri="{28A0092B-C50C-407E-A947-70E740481C1C}">
+                <a14:useLocalDpi xmlns:a14="http://schemas.microsoft.com/office/drawing/2010/main" val="0"/>
+              </a:ext>
+              <a:ext uri="{96DAC541-7B7A-43D3-8B79-37D633B846F1}">
+                <asvg:svgBlip xmlns:asvg="http://schemas.microsoft.com/office/drawing/2016/SVG/main" r:embed="rId3"/>
+              </a:ext>
+            </a:extLst>
+          </a:blip>
+          <a:srcRect t="14506" b="14506"/>
+          <a:stretch/>
+        </p:blipFill>
+        <p:spPr>
+          <a:xfrm>
+            <a:off x="8999538" y="720725"/>
+            <a:ext cx="2160587" cy="2159000"/>
+          </a:xfrm>
+          <a:prstGeom prst="rect">
+            <a:avLst/>
+          </a:prstGeom>
+        </p:spPr>
+      </p:pic>
+    </p:spTree>
+    <p:extLst>
+      <p:ext uri="{BB962C8B-B14F-4D97-AF65-F5344CB8AC3E}">
+        <p14:creationId xmlns:p14="http://schemas.microsoft.com/office/powerpoint/2010/main" val="850923136"/>
+      </p:ext>
+    </p:extLst>
+  </p:cSld>
+  <p:clrMapOvr>
+    <a:masterClrMapping/>
+  </p:clrMapOvr>
+  <mc:AlternateContent xmlns:mc="http://schemas.openxmlformats.org/markup-compatibility/2006" xmlns:p14="http://schemas.microsoft.com/office/powerpoint/2010/main">
+    <mc:Choice Requires="p14">
+      <p:transition spd="slow">
+        <p14:reveal/>
+      </p:transition>
+    </mc:Choice>
+    <mc:Fallback xmlns="">
+      <p:transition spd="slow">
+        <p:fade/>
+      </p:transition>
+    </mc:Fallback>
+  </mc:AlternateContent>
+</p:sld>
+</file>
+
+<file path=ppt/slides/slide78.xml><?xml version="1.0" encoding="utf-8"?>
+<p:sld xmlns:a="http://schemas.openxmlformats.org/drawingml/2006/main" xmlns:r="http://schemas.openxmlformats.org/officeDocument/2006/relationships" xmlns:p="http://schemas.openxmlformats.org/presentationml/2006/main">
+  <p:cSld>
+    <p:spTree>
+      <p:nvGrpSpPr>
+        <p:cNvPr id="1" name=""/>
+        <p:cNvGrpSpPr/>
+        <p:nvPr/>
+      </p:nvGrpSpPr>
+      <p:grpSpPr>
+        <a:xfrm>
+          <a:off x="0" y="0"/>
+          <a:ext cx="0" cy="0"/>
+          <a:chOff x="0" y="0"/>
+          <a:chExt cx="0" cy="0"/>
+        </a:xfrm>
+      </p:grpSpPr>
+      <p:sp>
+        <p:nvSpPr>
+          <p:cNvPr id="2" name="Titre 1">
+            <a:extLst>
+              <a:ext uri="{FF2B5EF4-FFF2-40B4-BE49-F238E27FC236}">
+                <a16:creationId xmlns:a16="http://schemas.microsoft.com/office/drawing/2014/main" id="{F23CE7FD-074E-4B32-9748-C6D307BB1AD6}"/>
+              </a:ext>
+            </a:extLst>
+          </p:cNvPr>
+          <p:cNvSpPr>
+            <a:spLocks noGrp="1"/>
+          </p:cNvSpPr>
+          <p:nvPr>
+            <p:ph type="title"/>
+          </p:nvPr>
+        </p:nvSpPr>
+        <p:spPr/>
+        <p:txBody>
+          <a:bodyPr/>
+          <a:lstStyle/>
+          <a:p>
+            <a:r>
+              <a:rPr lang="fr-BE" dirty="0"/>
+              <a:t>Formulaire </a:t>
+            </a:r>
+            <a:r>
+              <a:rPr lang="fr-BE"/>
+              <a:t>: Attribut : </a:t>
+            </a:r>
+            <a:r>
+              <a:rPr lang="fr-BE" b="0">
+                <a:solidFill>
+                  <a:srgbClr val="996633"/>
+                </a:solidFill>
+                <a:latin typeface="Consolas" panose="020B0609020204030204" pitchFamily="49" charset="0"/>
+                <a:cs typeface="Courier New" panose="02070309020205020404" pitchFamily="49" charset="0"/>
+              </a:rPr>
+              <a:t>.value</a:t>
+            </a:r>
+            <a:r>
+              <a:rPr lang="fr-BE"/>
+              <a:t>, </a:t>
+            </a:r>
+            <a:r>
+              <a:rPr lang="fr-BE" b="0">
+                <a:solidFill>
+                  <a:srgbClr val="996633"/>
+                </a:solidFill>
+                <a:latin typeface="Consolas" panose="020B0609020204030204" pitchFamily="49" charset="0"/>
+                <a:cs typeface="Courier New" panose="02070309020205020404" pitchFamily="49" charset="0"/>
+              </a:rPr>
+              <a:t>.checked</a:t>
+            </a:r>
+            <a:endParaRPr lang="fr-BE" b="0" dirty="0">
+              <a:solidFill>
+                <a:srgbClr val="996633"/>
+              </a:solidFill>
+              <a:latin typeface="Consolas" panose="020B0609020204030204" pitchFamily="49" charset="0"/>
+              <a:cs typeface="Courier New" panose="02070309020205020404" pitchFamily="49" charset="0"/>
+            </a:endParaRPr>
+          </a:p>
+        </p:txBody>
+      </p:sp>
+      <p:sp>
+        <p:nvSpPr>
+          <p:cNvPr id="3" name="Espace réservé du contenu 2">
+            <a:extLst>
+              <a:ext uri="{FF2B5EF4-FFF2-40B4-BE49-F238E27FC236}">
+                <a16:creationId xmlns:a16="http://schemas.microsoft.com/office/drawing/2014/main" id="{20FB0940-C187-4BB7-81E7-03D2462EF36D}"/>
+              </a:ext>
+            </a:extLst>
+          </p:cNvPr>
+          <p:cNvSpPr>
+            <a:spLocks noGrp="1"/>
+          </p:cNvSpPr>
+          <p:nvPr>
+            <p:ph sz="half" idx="1"/>
+          </p:nvPr>
+        </p:nvSpPr>
+        <p:spPr>
+          <a:xfrm>
+            <a:off x="412595" y="1768513"/>
+            <a:ext cx="7259443" cy="4731839"/>
+          </a:xfrm>
+        </p:spPr>
+        <p:txBody>
+          <a:bodyPr>
+            <a:normAutofit fontScale="62500" lnSpcReduction="20000"/>
+          </a:bodyPr>
+          <a:lstStyle/>
+          <a:p>
+            <a:r>
+              <a:rPr lang="fr-BE" sz="4000" dirty="0"/>
+              <a:t>Accéder à la valeur d'un élément</a:t>
+            </a:r>
+          </a:p>
+          <a:p>
+            <a:pPr lvl="1"/>
+            <a:r>
+              <a:rPr lang="fr-BE" sz="3800" dirty="0">
+                <a:solidFill>
+                  <a:srgbClr val="996633"/>
+                </a:solidFill>
+                <a:latin typeface="Consolas" panose="020B0609020204030204" pitchFamily="49" charset="0"/>
+                <a:cs typeface="Courier New" panose="02070309020205020404" pitchFamily="49" charset="0"/>
+              </a:rPr>
+              <a:t>input</a:t>
+            </a:r>
+          </a:p>
+          <a:p>
+            <a:pPr lvl="1"/>
+            <a:r>
+              <a:rPr lang="fr-BE" sz="3800" dirty="0">
+                <a:solidFill>
+                  <a:srgbClr val="996633"/>
+                </a:solidFill>
+                <a:latin typeface="Consolas" panose="020B0609020204030204" pitchFamily="49" charset="0"/>
+                <a:cs typeface="Courier New" panose="02070309020205020404" pitchFamily="49" charset="0"/>
+              </a:rPr>
+              <a:t>radio</a:t>
+            </a:r>
+          </a:p>
+          <a:p>
+            <a:pPr lvl="1"/>
+            <a:r>
+              <a:rPr lang="fr-BE" sz="3800" dirty="0" err="1">
+                <a:solidFill>
+                  <a:srgbClr val="996633"/>
+                </a:solidFill>
+                <a:latin typeface="Consolas" panose="020B0609020204030204" pitchFamily="49" charset="0"/>
+                <a:cs typeface="Courier New" panose="02070309020205020404" pitchFamily="49" charset="0"/>
+              </a:rPr>
+              <a:t>checkbox</a:t>
+            </a:r>
+            <a:endParaRPr lang="fr-BE" sz="3800" dirty="0">
+              <a:solidFill>
+                <a:srgbClr val="996633"/>
+              </a:solidFill>
+              <a:latin typeface="Consolas" panose="020B0609020204030204" pitchFamily="49" charset="0"/>
+              <a:cs typeface="Courier New" panose="02070309020205020404" pitchFamily="49" charset="0"/>
+            </a:endParaRPr>
+          </a:p>
+          <a:p>
+            <a:pPr lvl="1"/>
+            <a:r>
+              <a:rPr lang="fr-BE" sz="3800" dirty="0">
+                <a:solidFill>
+                  <a:srgbClr val="996633"/>
+                </a:solidFill>
+                <a:latin typeface="Consolas" panose="020B0609020204030204" pitchFamily="49" charset="0"/>
+                <a:cs typeface="Courier New" panose="02070309020205020404" pitchFamily="49" charset="0"/>
+              </a:rPr>
+              <a:t>select/option </a:t>
+            </a:r>
+          </a:p>
+          <a:p>
+            <a:r>
+              <a:rPr lang="fr-BE" sz="4000" dirty="0"/>
+              <a:t>Exemples</a:t>
+            </a:r>
+            <a:endParaRPr lang="fr-BE" b="1" dirty="0">
+              <a:solidFill>
+                <a:schemeClr val="accent6">
+                  <a:lumMod val="50000"/>
+                </a:schemeClr>
+              </a:solidFill>
+              <a:latin typeface="Courier New" panose="02070309020205020404" pitchFamily="49" charset="0"/>
+              <a:cs typeface="Courier New" panose="02070309020205020404" pitchFamily="49" charset="0"/>
+            </a:endParaRPr>
+          </a:p>
+          <a:p>
+            <a:pPr lvl="1"/>
+            <a:r>
+              <a:rPr lang="fr-BE" sz="3400">
+                <a:solidFill>
+                  <a:srgbClr val="996633"/>
+                </a:solidFill>
+                <a:latin typeface="Consolas" panose="020B0609020204030204" pitchFamily="49" charset="0"/>
+                <a:cs typeface="Courier New" panose="02070309020205020404" pitchFamily="49" charset="0"/>
+              </a:rPr>
+              <a:t>document.getElementById('nom').value;</a:t>
+            </a:r>
+            <a:endParaRPr lang="fr-BE" sz="3400" dirty="0">
+              <a:solidFill>
+                <a:srgbClr val="996633"/>
+              </a:solidFill>
+              <a:latin typeface="Consolas" panose="020B0609020204030204" pitchFamily="49" charset="0"/>
+              <a:cs typeface="Courier New" panose="02070309020205020404" pitchFamily="49" charset="0"/>
+            </a:endParaRPr>
+          </a:p>
+          <a:p>
+            <a:pPr lvl="2"/>
+            <a:r>
+              <a:rPr lang="fr-BE" sz="3400" dirty="0"/>
+              <a:t>Lit le nom de l'utilisateur.</a:t>
+            </a:r>
+          </a:p>
+          <a:p>
+            <a:pPr lvl="1"/>
+            <a:r>
+              <a:rPr lang="fr-BE" sz="3400">
+                <a:solidFill>
+                  <a:srgbClr val="996633"/>
+                </a:solidFill>
+                <a:latin typeface="Consolas" panose="020B0609020204030204" pitchFamily="49" charset="0"/>
+                <a:cs typeface="Courier New" panose="02070309020205020404" pitchFamily="49" charset="0"/>
+              </a:rPr>
+              <a:t>document.querySelector( </a:t>
+            </a:r>
+            <a:br>
+              <a:rPr lang="fr-BE" sz="3400">
+                <a:solidFill>
+                  <a:srgbClr val="996633"/>
+                </a:solidFill>
+                <a:latin typeface="Consolas" panose="020B0609020204030204" pitchFamily="49" charset="0"/>
+                <a:cs typeface="Courier New" panose="02070309020205020404" pitchFamily="49" charset="0"/>
+              </a:rPr>
+            </a:br>
+            <a:r>
+              <a:rPr lang="fr-BE" sz="3400">
+                <a:solidFill>
+                  <a:srgbClr val="996633"/>
+                </a:solidFill>
+                <a:latin typeface="Consolas" panose="020B0609020204030204" pitchFamily="49" charset="0"/>
+                <a:cs typeface="Courier New" panose="02070309020205020404" pitchFamily="49" charset="0"/>
+              </a:rPr>
+              <a:t>  'input[type="radio"][name="sexe"]#H' </a:t>
+            </a:r>
+            <a:br>
+              <a:rPr lang="fr-BE" sz="3400">
+                <a:solidFill>
+                  <a:srgbClr val="996633"/>
+                </a:solidFill>
+                <a:latin typeface="Consolas" panose="020B0609020204030204" pitchFamily="49" charset="0"/>
+                <a:cs typeface="Courier New" panose="02070309020205020404" pitchFamily="49" charset="0"/>
+              </a:rPr>
+            </a:br>
+            <a:r>
+              <a:rPr lang="fr-BE" sz="3400">
+                <a:solidFill>
+                  <a:srgbClr val="996633"/>
+                </a:solidFill>
+                <a:latin typeface="Consolas" panose="020B0609020204030204" pitchFamily="49" charset="0"/>
+                <a:cs typeface="Courier New" panose="02070309020205020404" pitchFamily="49" charset="0"/>
+              </a:rPr>
+              <a:t>     ).checked</a:t>
+            </a:r>
+          </a:p>
+          <a:p>
+            <a:pPr lvl="2"/>
+            <a:r>
+              <a:rPr lang="fr-BE" sz="3800"/>
+              <a:t>Lit </a:t>
+            </a:r>
+            <a:r>
+              <a:rPr lang="fr-BE" sz="3800" dirty="0"/>
+              <a:t>l'état du </a:t>
+            </a:r>
+            <a:r>
+              <a:rPr lang="fr-BE" sz="3800"/>
+              <a:t>bouton de type </a:t>
+            </a:r>
+            <a:r>
+              <a:rPr lang="fr-BE" sz="3800">
+                <a:solidFill>
+                  <a:srgbClr val="996633"/>
+                </a:solidFill>
+                <a:latin typeface="Consolas" panose="020B0609020204030204" pitchFamily="49" charset="0"/>
+                <a:cs typeface="Courier New" panose="02070309020205020404" pitchFamily="49" charset="0"/>
+              </a:rPr>
+              <a:t>radio</a:t>
+            </a:r>
+            <a:r>
+              <a:rPr lang="fr-BE" sz="3800"/>
+              <a:t>, de nom </a:t>
+            </a:r>
+            <a:r>
+              <a:rPr lang="fr-BE" sz="3800">
+                <a:solidFill>
+                  <a:srgbClr val="996633"/>
+                </a:solidFill>
+                <a:latin typeface="Consolas" panose="020B0609020204030204" pitchFamily="49" charset="0"/>
+                <a:cs typeface="Courier New" panose="02070309020205020404" pitchFamily="49" charset="0"/>
+              </a:rPr>
+              <a:t>"sexe"</a:t>
+            </a:r>
+            <a:r>
+              <a:rPr lang="fr-BE" sz="3800"/>
+              <a:t> et d'id </a:t>
+            </a:r>
+            <a:r>
+              <a:rPr lang="fr-BE" sz="3800">
+                <a:solidFill>
+                  <a:srgbClr val="996633"/>
+                </a:solidFill>
+                <a:latin typeface="Consolas" panose="020B0609020204030204" pitchFamily="49" charset="0"/>
+                <a:cs typeface="Courier New" panose="02070309020205020404" pitchFamily="49" charset="0"/>
+              </a:rPr>
+              <a:t>H</a:t>
+            </a:r>
+          </a:p>
+          <a:p>
+            <a:pPr lvl="2"/>
+            <a:r>
+              <a:rPr lang="fr-BE" sz="3800"/>
+              <a:t>Renvoie </a:t>
+            </a:r>
+            <a:r>
+              <a:rPr lang="fr-BE" sz="3800" dirty="0" err="1">
+                <a:solidFill>
+                  <a:srgbClr val="996633"/>
+                </a:solidFill>
+                <a:latin typeface="Consolas" panose="020B0609020204030204" pitchFamily="49" charset="0"/>
+                <a:cs typeface="Courier New" panose="02070309020205020404" pitchFamily="49" charset="0"/>
+              </a:rPr>
+              <a:t>true</a:t>
+            </a:r>
+            <a:r>
+              <a:rPr lang="fr-BE" sz="3800" dirty="0"/>
+              <a:t> si le bouton est sélectionné, sinon </a:t>
+            </a:r>
+            <a:r>
+              <a:rPr lang="fr-BE" sz="3800" dirty="0">
+                <a:solidFill>
+                  <a:srgbClr val="996633"/>
+                </a:solidFill>
+                <a:latin typeface="Consolas" panose="020B0609020204030204" pitchFamily="49" charset="0"/>
+                <a:cs typeface="Courier New" panose="02070309020205020404" pitchFamily="49" charset="0"/>
+              </a:rPr>
+              <a:t>false</a:t>
+            </a:r>
+            <a:r>
+              <a:rPr lang="fr-BE" sz="3800" b="1" dirty="0">
+                <a:solidFill>
+                  <a:schemeClr val="accent6">
+                    <a:lumMod val="50000"/>
+                  </a:schemeClr>
+                </a:solidFill>
+                <a:latin typeface="Courier New" panose="02070309020205020404" pitchFamily="49" charset="0"/>
+                <a:cs typeface="Courier New" panose="02070309020205020404" pitchFamily="49" charset="0"/>
+              </a:rPr>
+              <a:t>.</a:t>
+            </a:r>
+          </a:p>
+        </p:txBody>
+      </p:sp>
+      <p:sp>
+        <p:nvSpPr>
+          <p:cNvPr id="4" name="Espace réservé du contenu 3">
+            <a:extLst>
+              <a:ext uri="{FF2B5EF4-FFF2-40B4-BE49-F238E27FC236}">
+                <a16:creationId xmlns:a16="http://schemas.microsoft.com/office/drawing/2014/main" id="{AFE49E2A-9B68-4B42-8DF8-460679B067BD}"/>
+              </a:ext>
+            </a:extLst>
+          </p:cNvPr>
+          <p:cNvSpPr>
+            <a:spLocks noGrp="1"/>
+          </p:cNvSpPr>
+          <p:nvPr>
+            <p:ph sz="half" idx="2"/>
+          </p:nvPr>
+        </p:nvSpPr>
+        <p:spPr>
+          <a:xfrm>
+            <a:off x="7883909" y="1768513"/>
+            <a:ext cx="3612998" cy="4731839"/>
+          </a:xfrm>
+          <a:noFill/>
+          <a:ln>
+            <a:noFill/>
+          </a:ln>
+        </p:spPr>
+        <p:style>
+          <a:lnRef idx="1">
+            <a:schemeClr val="accent6"/>
+          </a:lnRef>
+          <a:fillRef idx="2">
+            <a:schemeClr val="accent6"/>
+          </a:fillRef>
+          <a:effectRef idx="1">
+            <a:schemeClr val="accent6"/>
+          </a:effectRef>
+          <a:fontRef idx="minor">
+            <a:schemeClr val="dk1"/>
+          </a:fontRef>
+        </p:style>
+        <p:txBody>
+          <a:bodyPr>
+            <a:normAutofit fontScale="62500" lnSpcReduction="20000"/>
+          </a:bodyPr>
+          <a:lstStyle/>
+          <a:p>
+            <a:pPr marL="0" indent="0" algn="ctr">
+              <a:buNone/>
+            </a:pPr>
+            <a:r>
+              <a:rPr lang="fr-BE" sz="4000" dirty="0"/>
+              <a:t>Code HTML</a:t>
+            </a:r>
+          </a:p>
+          <a:p>
+            <a:pPr marL="0" indent="0">
+              <a:buNone/>
+            </a:pPr>
+            <a:r>
+              <a:rPr lang="fr-BE" dirty="0">
+                <a:solidFill>
+                  <a:schemeClr val="tx2"/>
+                </a:solidFill>
+                <a:latin typeface="Consolas" panose="020B0609020204030204" pitchFamily="49" charset="0"/>
+                <a:cs typeface="Courier New" panose="02070309020205020404" pitchFamily="49" charset="0"/>
+              </a:rPr>
+              <a:t>Nom d'utilisateur</a:t>
+            </a:r>
+            <a:br>
+              <a:rPr lang="fr-BE" dirty="0">
+                <a:solidFill>
+                  <a:schemeClr val="accent6">
+                    <a:lumMod val="50000"/>
+                  </a:schemeClr>
+                </a:solidFill>
+                <a:latin typeface="Consolas" panose="020B0609020204030204" pitchFamily="49" charset="0"/>
+                <a:cs typeface="Courier New" panose="02070309020205020404" pitchFamily="49" charset="0"/>
+              </a:rPr>
+            </a:br>
+            <a:r>
+              <a:rPr lang="fr-BE" dirty="0">
+                <a:solidFill>
+                  <a:schemeClr val="accent6">
+                    <a:lumMod val="50000"/>
+                  </a:schemeClr>
+                </a:solidFill>
+                <a:latin typeface="Consolas" panose="020B0609020204030204" pitchFamily="49" charset="0"/>
+                <a:cs typeface="Courier New" panose="02070309020205020404" pitchFamily="49" charset="0"/>
+              </a:rPr>
+              <a:t>&lt;input type="</a:t>
+            </a:r>
+            <a:r>
+              <a:rPr lang="fr-BE" dirty="0" err="1">
+                <a:solidFill>
+                  <a:schemeClr val="accent6">
+                    <a:lumMod val="50000"/>
+                  </a:schemeClr>
+                </a:solidFill>
+                <a:latin typeface="Consolas" panose="020B0609020204030204" pitchFamily="49" charset="0"/>
+                <a:cs typeface="Courier New" panose="02070309020205020404" pitchFamily="49" charset="0"/>
+              </a:rPr>
+              <a:t>text</a:t>
+            </a:r>
+            <a:r>
+              <a:rPr lang="fr-BE" dirty="0">
+                <a:solidFill>
+                  <a:schemeClr val="accent6">
+                    <a:lumMod val="50000"/>
+                  </a:schemeClr>
+                </a:solidFill>
+                <a:latin typeface="Consolas" panose="020B0609020204030204" pitchFamily="49" charset="0"/>
+                <a:cs typeface="Courier New" panose="02070309020205020404" pitchFamily="49" charset="0"/>
+              </a:rPr>
+              <a:t>" 	id="nom"&gt;</a:t>
+            </a:r>
+            <a:br>
+              <a:rPr lang="fr-BE" dirty="0">
+                <a:solidFill>
+                  <a:schemeClr val="accent6">
+                    <a:lumMod val="50000"/>
+                  </a:schemeClr>
+                </a:solidFill>
+                <a:latin typeface="Consolas" panose="020B0609020204030204" pitchFamily="49" charset="0"/>
+                <a:cs typeface="Courier New" panose="02070309020205020404" pitchFamily="49" charset="0"/>
+              </a:rPr>
+            </a:br>
+            <a:br>
+              <a:rPr lang="fr-BE" dirty="0">
+                <a:solidFill>
+                  <a:schemeClr val="accent6">
+                    <a:lumMod val="50000"/>
+                  </a:schemeClr>
+                </a:solidFill>
+                <a:latin typeface="Consolas" panose="020B0609020204030204" pitchFamily="49" charset="0"/>
+                <a:cs typeface="Courier New" panose="02070309020205020404" pitchFamily="49" charset="0"/>
+              </a:rPr>
+            </a:br>
+            <a:r>
+              <a:rPr lang="fr-BE" dirty="0">
+                <a:solidFill>
+                  <a:schemeClr val="tx2"/>
+                </a:solidFill>
+                <a:latin typeface="Consolas" panose="020B0609020204030204" pitchFamily="49" charset="0"/>
+                <a:cs typeface="Courier New" panose="02070309020205020404" pitchFamily="49" charset="0"/>
+              </a:rPr>
+              <a:t>Sexe</a:t>
+            </a:r>
+            <a:r>
+              <a:rPr lang="fr-BE" dirty="0">
+                <a:solidFill>
+                  <a:schemeClr val="accent6">
+                    <a:lumMod val="50000"/>
+                  </a:schemeClr>
+                </a:solidFill>
+                <a:latin typeface="Consolas" panose="020B0609020204030204" pitchFamily="49" charset="0"/>
+                <a:cs typeface="Courier New" panose="02070309020205020404" pitchFamily="49" charset="0"/>
+              </a:rPr>
+              <a:t> </a:t>
+            </a:r>
+            <a:br>
+              <a:rPr lang="fr-BE" dirty="0">
+                <a:solidFill>
+                  <a:schemeClr val="accent6">
+                    <a:lumMod val="50000"/>
+                  </a:schemeClr>
+                </a:solidFill>
+                <a:latin typeface="Consolas" panose="020B0609020204030204" pitchFamily="49" charset="0"/>
+                <a:cs typeface="Courier New" panose="02070309020205020404" pitchFamily="49" charset="0"/>
+              </a:rPr>
+            </a:br>
+            <a:r>
+              <a:rPr lang="fr-BE" dirty="0">
+                <a:solidFill>
+                  <a:schemeClr val="tx2"/>
+                </a:solidFill>
+                <a:latin typeface="Consolas" panose="020B0609020204030204" pitchFamily="49" charset="0"/>
+                <a:cs typeface="Courier New" panose="02070309020205020404" pitchFamily="49" charset="0"/>
+              </a:rPr>
+              <a:t>H</a:t>
+            </a:r>
+            <a:r>
+              <a:rPr lang="fr-BE" dirty="0">
+                <a:solidFill>
+                  <a:schemeClr val="accent6">
+                    <a:lumMod val="50000"/>
+                  </a:schemeClr>
+                </a:solidFill>
+                <a:latin typeface="Consolas" panose="020B0609020204030204" pitchFamily="49" charset="0"/>
+                <a:cs typeface="Courier New" panose="02070309020205020404" pitchFamily="49" charset="0"/>
+              </a:rPr>
+              <a:t> &lt;input type="radio" </a:t>
+            </a:r>
+            <a:br>
+              <a:rPr lang="fr-BE" dirty="0">
+                <a:solidFill>
+                  <a:schemeClr val="accent6">
+                    <a:lumMod val="50000"/>
+                  </a:schemeClr>
+                </a:solidFill>
+                <a:latin typeface="Consolas" panose="020B0609020204030204" pitchFamily="49" charset="0"/>
+                <a:cs typeface="Courier New" panose="02070309020205020404" pitchFamily="49" charset="0"/>
+              </a:rPr>
+            </a:br>
+            <a:r>
+              <a:rPr lang="fr-BE" dirty="0">
+                <a:solidFill>
+                  <a:schemeClr val="accent6">
+                    <a:lumMod val="50000"/>
+                  </a:schemeClr>
+                </a:solidFill>
+                <a:latin typeface="Consolas" panose="020B0609020204030204" pitchFamily="49" charset="0"/>
+                <a:cs typeface="Courier New" panose="02070309020205020404" pitchFamily="49" charset="0"/>
+              </a:rPr>
+              <a:t>	id="H" </a:t>
+            </a:r>
+            <a:br>
+              <a:rPr lang="fr-BE" dirty="0">
+                <a:solidFill>
+                  <a:schemeClr val="accent6">
+                    <a:lumMod val="50000"/>
+                  </a:schemeClr>
+                </a:solidFill>
+                <a:latin typeface="Consolas" panose="020B0609020204030204" pitchFamily="49" charset="0"/>
+                <a:cs typeface="Courier New" panose="02070309020205020404" pitchFamily="49" charset="0"/>
+              </a:rPr>
+            </a:br>
+            <a:r>
+              <a:rPr lang="fr-BE" dirty="0">
+                <a:solidFill>
+                  <a:schemeClr val="accent6">
+                    <a:lumMod val="50000"/>
+                  </a:schemeClr>
+                </a:solidFill>
+                <a:latin typeface="Consolas" panose="020B0609020204030204" pitchFamily="49" charset="0"/>
+                <a:cs typeface="Courier New" panose="02070309020205020404" pitchFamily="49" charset="0"/>
+              </a:rPr>
+              <a:t>	</a:t>
+            </a:r>
+            <a:r>
+              <a:rPr lang="fr-BE" dirty="0" err="1">
+                <a:solidFill>
+                  <a:schemeClr val="accent6">
+                    <a:lumMod val="50000"/>
+                  </a:schemeClr>
+                </a:solidFill>
+                <a:latin typeface="Consolas" panose="020B0609020204030204" pitchFamily="49" charset="0"/>
+                <a:cs typeface="Courier New" panose="02070309020205020404" pitchFamily="49" charset="0"/>
+              </a:rPr>
+              <a:t>name</a:t>
+            </a:r>
+            <a:r>
+              <a:rPr lang="fr-BE" dirty="0">
+                <a:solidFill>
+                  <a:schemeClr val="accent6">
+                    <a:lumMod val="50000"/>
+                  </a:schemeClr>
+                </a:solidFill>
+                <a:latin typeface="Consolas" panose="020B0609020204030204" pitchFamily="49" charset="0"/>
+                <a:cs typeface="Courier New" panose="02070309020205020404" pitchFamily="49" charset="0"/>
+              </a:rPr>
+              <a:t>="sexe" </a:t>
+            </a:r>
+            <a:br>
+              <a:rPr lang="fr-BE" dirty="0">
+                <a:solidFill>
+                  <a:schemeClr val="accent6">
+                    <a:lumMod val="50000"/>
+                  </a:schemeClr>
+                </a:solidFill>
+                <a:latin typeface="Consolas" panose="020B0609020204030204" pitchFamily="49" charset="0"/>
+                <a:cs typeface="Courier New" panose="02070309020205020404" pitchFamily="49" charset="0"/>
+              </a:rPr>
+            </a:br>
+            <a:r>
+              <a:rPr lang="fr-BE" dirty="0">
+                <a:solidFill>
+                  <a:schemeClr val="accent6">
+                    <a:lumMod val="50000"/>
+                  </a:schemeClr>
+                </a:solidFill>
+                <a:latin typeface="Consolas" panose="020B0609020204030204" pitchFamily="49" charset="0"/>
+                <a:cs typeface="Courier New" panose="02070309020205020404" pitchFamily="49" charset="0"/>
+              </a:rPr>
+              <a:t>	value="H"&gt;</a:t>
+            </a:r>
+            <a:br>
+              <a:rPr lang="fr-BE" dirty="0">
+                <a:solidFill>
+                  <a:schemeClr val="accent6">
+                    <a:lumMod val="50000"/>
+                  </a:schemeClr>
+                </a:solidFill>
+                <a:latin typeface="Consolas" panose="020B0609020204030204" pitchFamily="49" charset="0"/>
+                <a:cs typeface="Courier New" panose="02070309020205020404" pitchFamily="49" charset="0"/>
+              </a:rPr>
+            </a:br>
+            <a:r>
+              <a:rPr lang="fr-BE" dirty="0">
+                <a:solidFill>
+                  <a:schemeClr val="tx2"/>
+                </a:solidFill>
+                <a:latin typeface="Consolas" panose="020B0609020204030204" pitchFamily="49" charset="0"/>
+                <a:cs typeface="Courier New" panose="02070309020205020404" pitchFamily="49" charset="0"/>
+              </a:rPr>
+              <a:t>F</a:t>
+            </a:r>
+            <a:r>
+              <a:rPr lang="fr-BE" dirty="0">
+                <a:solidFill>
+                  <a:schemeClr val="accent6">
+                    <a:lumMod val="50000"/>
+                  </a:schemeClr>
+                </a:solidFill>
+                <a:latin typeface="Consolas" panose="020B0609020204030204" pitchFamily="49" charset="0"/>
+                <a:cs typeface="Courier New" panose="02070309020205020404" pitchFamily="49" charset="0"/>
+              </a:rPr>
+              <a:t> &lt;input type="radio" </a:t>
+            </a:r>
+            <a:br>
+              <a:rPr lang="fr-BE" dirty="0">
+                <a:solidFill>
+                  <a:schemeClr val="accent6">
+                    <a:lumMod val="50000"/>
+                  </a:schemeClr>
+                </a:solidFill>
+                <a:latin typeface="Consolas" panose="020B0609020204030204" pitchFamily="49" charset="0"/>
+                <a:cs typeface="Courier New" panose="02070309020205020404" pitchFamily="49" charset="0"/>
+              </a:rPr>
+            </a:br>
+            <a:r>
+              <a:rPr lang="fr-BE" dirty="0">
+                <a:solidFill>
+                  <a:schemeClr val="accent6">
+                    <a:lumMod val="50000"/>
+                  </a:schemeClr>
+                </a:solidFill>
+                <a:latin typeface="Consolas" panose="020B0609020204030204" pitchFamily="49" charset="0"/>
+                <a:cs typeface="Courier New" panose="02070309020205020404" pitchFamily="49" charset="0"/>
+              </a:rPr>
+              <a:t>	id="F" </a:t>
+            </a:r>
+            <a:br>
+              <a:rPr lang="fr-BE" dirty="0">
+                <a:solidFill>
+                  <a:schemeClr val="accent6">
+                    <a:lumMod val="50000"/>
+                  </a:schemeClr>
+                </a:solidFill>
+                <a:latin typeface="Consolas" panose="020B0609020204030204" pitchFamily="49" charset="0"/>
+                <a:cs typeface="Courier New" panose="02070309020205020404" pitchFamily="49" charset="0"/>
+              </a:rPr>
+            </a:br>
+            <a:r>
+              <a:rPr lang="fr-BE" dirty="0">
+                <a:solidFill>
+                  <a:schemeClr val="accent6">
+                    <a:lumMod val="50000"/>
+                  </a:schemeClr>
+                </a:solidFill>
+                <a:latin typeface="Consolas" panose="020B0609020204030204" pitchFamily="49" charset="0"/>
+                <a:cs typeface="Courier New" panose="02070309020205020404" pitchFamily="49" charset="0"/>
+              </a:rPr>
+              <a:t>	</a:t>
+            </a:r>
+            <a:r>
+              <a:rPr lang="fr-BE" dirty="0" err="1">
+                <a:solidFill>
+                  <a:schemeClr val="accent6">
+                    <a:lumMod val="50000"/>
+                  </a:schemeClr>
+                </a:solidFill>
+                <a:latin typeface="Consolas" panose="020B0609020204030204" pitchFamily="49" charset="0"/>
+                <a:cs typeface="Courier New" panose="02070309020205020404" pitchFamily="49" charset="0"/>
+              </a:rPr>
+              <a:t>name</a:t>
+            </a:r>
+            <a:r>
+              <a:rPr lang="fr-BE" dirty="0">
+                <a:solidFill>
+                  <a:schemeClr val="accent6">
+                    <a:lumMod val="50000"/>
+                  </a:schemeClr>
+                </a:solidFill>
+                <a:latin typeface="Consolas" panose="020B0609020204030204" pitchFamily="49" charset="0"/>
+                <a:cs typeface="Courier New" panose="02070309020205020404" pitchFamily="49" charset="0"/>
+              </a:rPr>
+              <a:t>="sexe" </a:t>
+            </a:r>
+            <a:br>
+              <a:rPr lang="fr-BE" dirty="0">
+                <a:solidFill>
+                  <a:schemeClr val="accent6">
+                    <a:lumMod val="50000"/>
+                  </a:schemeClr>
+                </a:solidFill>
+                <a:latin typeface="Consolas" panose="020B0609020204030204" pitchFamily="49" charset="0"/>
+                <a:cs typeface="Courier New" panose="02070309020205020404" pitchFamily="49" charset="0"/>
+              </a:rPr>
+            </a:br>
+            <a:r>
+              <a:rPr lang="fr-BE" dirty="0">
+                <a:solidFill>
+                  <a:schemeClr val="accent6">
+                    <a:lumMod val="50000"/>
+                  </a:schemeClr>
+                </a:solidFill>
+                <a:latin typeface="Consolas" panose="020B0609020204030204" pitchFamily="49" charset="0"/>
+                <a:cs typeface="Courier New" panose="02070309020205020404" pitchFamily="49" charset="0"/>
+              </a:rPr>
+              <a:t>	value="F"&gt;</a:t>
+            </a:r>
+          </a:p>
+        </p:txBody>
+      </p:sp>
+    </p:spTree>
+    <p:extLst>
+      <p:ext uri="{BB962C8B-B14F-4D97-AF65-F5344CB8AC3E}">
+        <p14:creationId xmlns:p14="http://schemas.microsoft.com/office/powerpoint/2010/main" val="2133394620"/>
+      </p:ext>
+    </p:extLst>
+  </p:cSld>
+  <p:clrMapOvr>
+    <a:masterClrMapping/>
+  </p:clrMapOvr>
+  <mc:AlternateContent xmlns:mc="http://schemas.openxmlformats.org/markup-compatibility/2006" xmlns:p14="http://schemas.microsoft.com/office/powerpoint/2010/main">
+    <mc:Choice Requires="p14">
+      <p:transition spd="slow">
+        <p14:reveal/>
+      </p:transition>
+    </mc:Choice>
+    <mc:Fallback xmlns="">
+      <p:transition spd="slow">
+        <p:fade/>
+      </p:transition>
+    </mc:Fallback>
+  </mc:AlternateContent>
+</p:sld>
+</file>
+
+<file path=ppt/slides/slide79.xml><?xml version="1.0" encoding="utf-8"?>
+<p:sld xmlns:a="http://schemas.openxmlformats.org/drawingml/2006/main" xmlns:r="http://schemas.openxmlformats.org/officeDocument/2006/relationships" xmlns:p="http://schemas.openxmlformats.org/presentationml/2006/main">
+  <p:cSld>
+    <p:spTree>
+      <p:nvGrpSpPr>
+        <p:cNvPr id="1" name=""/>
+        <p:cNvGrpSpPr/>
+        <p:nvPr/>
+      </p:nvGrpSpPr>
+      <p:grpSpPr>
+        <a:xfrm>
+          <a:off x="0" y="0"/>
+          <a:ext cx="0" cy="0"/>
+          <a:chOff x="0" y="0"/>
+          <a:chExt cx="0" cy="0"/>
+        </a:xfrm>
+      </p:grpSpPr>
+      <p:sp>
+        <p:nvSpPr>
+          <p:cNvPr id="2" name="Titre 1">
+            <a:extLst>
+              <a:ext uri="{FF2B5EF4-FFF2-40B4-BE49-F238E27FC236}">
+                <a16:creationId xmlns:a16="http://schemas.microsoft.com/office/drawing/2014/main" id="{F23CE7FD-074E-4B32-9748-C6D307BB1AD6}"/>
+              </a:ext>
+            </a:extLst>
+          </p:cNvPr>
+          <p:cNvSpPr>
+            <a:spLocks noGrp="1"/>
+          </p:cNvSpPr>
+          <p:nvPr>
+            <p:ph type="title"/>
+          </p:nvPr>
+        </p:nvSpPr>
+        <p:spPr/>
+        <p:txBody>
+          <a:bodyPr/>
+          <a:lstStyle/>
+          <a:p>
+            <a:r>
+              <a:rPr lang="fr-BE"/>
+              <a:t>Formulaire : Attribut : </a:t>
+            </a:r>
+            <a:r>
+              <a:rPr lang="fr-BE" b="0">
+                <a:solidFill>
+                  <a:srgbClr val="996633"/>
+                </a:solidFill>
+                <a:latin typeface="Consolas" panose="020B0609020204030204" pitchFamily="49" charset="0"/>
+                <a:cs typeface="Courier New" panose="02070309020205020404" pitchFamily="49" charset="0"/>
+              </a:rPr>
+              <a:t>.value</a:t>
+            </a:r>
+            <a:endParaRPr lang="fr-BE" dirty="0"/>
+          </a:p>
+        </p:txBody>
+      </p:sp>
+      <p:sp>
+        <p:nvSpPr>
+          <p:cNvPr id="3" name="Espace réservé du contenu 2">
+            <a:extLst>
+              <a:ext uri="{FF2B5EF4-FFF2-40B4-BE49-F238E27FC236}">
+                <a16:creationId xmlns:a16="http://schemas.microsoft.com/office/drawing/2014/main" id="{20FB0940-C187-4BB7-81E7-03D2462EF36D}"/>
+              </a:ext>
+            </a:extLst>
+          </p:cNvPr>
+          <p:cNvSpPr>
+            <a:spLocks noGrp="1"/>
+          </p:cNvSpPr>
+          <p:nvPr>
+            <p:ph sz="half" idx="1"/>
+          </p:nvPr>
+        </p:nvSpPr>
+        <p:spPr>
+          <a:xfrm>
+            <a:off x="468351" y="1445125"/>
+            <a:ext cx="6768786" cy="4731839"/>
+          </a:xfrm>
+        </p:spPr>
+        <p:txBody>
+          <a:bodyPr>
+            <a:normAutofit fontScale="92500" lnSpcReduction="10000"/>
+          </a:bodyPr>
+          <a:lstStyle/>
+          <a:p>
+            <a:r>
+              <a:rPr lang="fr-BE" sz="3000" dirty="0"/>
+              <a:t>Accéder à la valeur d'un élément</a:t>
+            </a:r>
+          </a:p>
+          <a:p>
+            <a:pPr lvl="1"/>
+            <a:r>
+              <a:rPr lang="fr-BE" sz="2600" dirty="0">
+                <a:solidFill>
+                  <a:srgbClr val="996633"/>
+                </a:solidFill>
+                <a:latin typeface="Consolas" panose="020B0609020204030204" pitchFamily="49" charset="0"/>
+                <a:cs typeface="Courier New" panose="02070309020205020404" pitchFamily="49" charset="0"/>
+              </a:rPr>
+              <a:t>input</a:t>
+            </a:r>
+          </a:p>
+          <a:p>
+            <a:pPr lvl="1"/>
+            <a:r>
+              <a:rPr lang="fr-BE" sz="2600" dirty="0">
+                <a:solidFill>
+                  <a:srgbClr val="996633"/>
+                </a:solidFill>
+                <a:latin typeface="Consolas" panose="020B0609020204030204" pitchFamily="49" charset="0"/>
+                <a:cs typeface="Courier New" panose="02070309020205020404" pitchFamily="49" charset="0"/>
+              </a:rPr>
+              <a:t>radio</a:t>
+            </a:r>
+          </a:p>
+          <a:p>
+            <a:pPr lvl="1"/>
+            <a:r>
+              <a:rPr lang="fr-BE" sz="2600" dirty="0" err="1">
+                <a:solidFill>
+                  <a:srgbClr val="996633"/>
+                </a:solidFill>
+                <a:latin typeface="Consolas" panose="020B0609020204030204" pitchFamily="49" charset="0"/>
+                <a:cs typeface="Courier New" panose="02070309020205020404" pitchFamily="49" charset="0"/>
+              </a:rPr>
+              <a:t>checkbox</a:t>
+            </a:r>
+            <a:endParaRPr lang="fr-BE" sz="2600" dirty="0">
+              <a:solidFill>
+                <a:srgbClr val="996633"/>
+              </a:solidFill>
+              <a:latin typeface="Consolas" panose="020B0609020204030204" pitchFamily="49" charset="0"/>
+              <a:cs typeface="Courier New" panose="02070309020205020404" pitchFamily="49" charset="0"/>
+            </a:endParaRPr>
+          </a:p>
+          <a:p>
+            <a:pPr lvl="1"/>
+            <a:r>
+              <a:rPr lang="fr-BE" sz="2600" dirty="0">
+                <a:solidFill>
+                  <a:srgbClr val="996633"/>
+                </a:solidFill>
+                <a:latin typeface="Consolas" panose="020B0609020204030204" pitchFamily="49" charset="0"/>
+                <a:cs typeface="Courier New" panose="02070309020205020404" pitchFamily="49" charset="0"/>
+              </a:rPr>
+              <a:t>select/option </a:t>
+            </a:r>
+          </a:p>
+          <a:p>
+            <a:r>
+              <a:rPr lang="fr-BE" sz="3000" dirty="0"/>
+              <a:t>Exemples</a:t>
+            </a:r>
+            <a:endParaRPr lang="fr-BE" sz="2400" b="1" dirty="0">
+              <a:solidFill>
+                <a:schemeClr val="accent6">
+                  <a:lumMod val="50000"/>
+                </a:schemeClr>
+              </a:solidFill>
+              <a:latin typeface="Courier New" panose="02070309020205020404" pitchFamily="49" charset="0"/>
+              <a:cs typeface="Courier New" panose="02070309020205020404" pitchFamily="49" charset="0"/>
+            </a:endParaRPr>
+          </a:p>
+          <a:p>
+            <a:pPr lvl="1"/>
+            <a:r>
+              <a:rPr lang="fr-BE" sz="2200">
+                <a:solidFill>
+                  <a:srgbClr val="996633"/>
+                </a:solidFill>
+                <a:latin typeface="Consolas" panose="020B0609020204030204" pitchFamily="49" charset="0"/>
+                <a:cs typeface="Courier New" panose="02070309020205020404" pitchFamily="49" charset="0"/>
+              </a:rPr>
+              <a:t>document.getElementById('fonction').value</a:t>
+            </a:r>
+            <a:endParaRPr lang="fr-BE" sz="2200" dirty="0">
+              <a:solidFill>
+                <a:srgbClr val="996633"/>
+              </a:solidFill>
+              <a:latin typeface="Consolas" panose="020B0609020204030204" pitchFamily="49" charset="0"/>
+              <a:cs typeface="Courier New" panose="02070309020205020404" pitchFamily="49" charset="0"/>
+            </a:endParaRPr>
+          </a:p>
+          <a:p>
+            <a:pPr lvl="2"/>
+            <a:r>
+              <a:rPr lang="fr-BE" sz="2600" dirty="0"/>
+              <a:t>Lit l'élément sélectionné dans la liste déroulante.</a:t>
+            </a:r>
+          </a:p>
+          <a:p>
+            <a:pPr lvl="1"/>
+            <a:r>
+              <a:rPr lang="fr-BE" sz="2200">
+                <a:solidFill>
+                  <a:srgbClr val="996633"/>
+                </a:solidFill>
+                <a:latin typeface="Consolas" panose="020B0609020204030204" pitchFamily="49" charset="0"/>
+                <a:cs typeface="Courier New" panose="02070309020205020404" pitchFamily="49" charset="0"/>
+              </a:rPr>
+              <a:t>document.getElementById('fonction').value </a:t>
+            </a:r>
+            <a:br>
+              <a:rPr lang="fr-BE" sz="2200">
+                <a:solidFill>
+                  <a:srgbClr val="996633"/>
+                </a:solidFill>
+                <a:latin typeface="Consolas" panose="020B0609020204030204" pitchFamily="49" charset="0"/>
+                <a:cs typeface="Courier New" panose="02070309020205020404" pitchFamily="49" charset="0"/>
+              </a:rPr>
+            </a:br>
+            <a:r>
+              <a:rPr lang="fr-BE" sz="2200">
+                <a:solidFill>
+                  <a:srgbClr val="996633"/>
+                </a:solidFill>
+                <a:latin typeface="Consolas" panose="020B0609020204030204" pitchFamily="49" charset="0"/>
+                <a:cs typeface="Courier New" panose="02070309020205020404" pitchFamily="49" charset="0"/>
+              </a:rPr>
+              <a:t>     = 'retraite'</a:t>
+            </a:r>
+          </a:p>
+          <a:p>
+            <a:pPr lvl="2"/>
+            <a:r>
+              <a:rPr lang="fr-BE" sz="2600"/>
+              <a:t>Sélectionne</a:t>
+            </a:r>
+            <a:r>
+              <a:rPr lang="fr-BE" sz="3000"/>
+              <a:t> </a:t>
+            </a:r>
+            <a:r>
+              <a:rPr lang="fr-BE" sz="2600" dirty="0">
+                <a:solidFill>
+                  <a:srgbClr val="996633"/>
+                </a:solidFill>
+                <a:latin typeface="Consolas" panose="020B0609020204030204" pitchFamily="49" charset="0"/>
+                <a:cs typeface="Courier New" panose="02070309020205020404" pitchFamily="49" charset="0"/>
+              </a:rPr>
+              <a:t>Retraité</a:t>
+            </a:r>
+            <a:r>
+              <a:rPr lang="fr-BE" sz="3000" dirty="0"/>
+              <a:t> </a:t>
+            </a:r>
+            <a:r>
+              <a:rPr lang="fr-BE" sz="2600" dirty="0"/>
+              <a:t>dans la liste déroulante.</a:t>
+            </a:r>
+          </a:p>
+          <a:p>
+            <a:endParaRPr lang="fr-BE" sz="2400" dirty="0"/>
+          </a:p>
+        </p:txBody>
+      </p:sp>
+      <p:sp>
+        <p:nvSpPr>
+          <p:cNvPr id="4" name="Espace réservé du contenu 3">
+            <a:extLst>
+              <a:ext uri="{FF2B5EF4-FFF2-40B4-BE49-F238E27FC236}">
+                <a16:creationId xmlns:a16="http://schemas.microsoft.com/office/drawing/2014/main" id="{D1B5E550-1DA9-43CF-A7D6-291239EAF268}"/>
+              </a:ext>
+            </a:extLst>
+          </p:cNvPr>
+          <p:cNvSpPr>
+            <a:spLocks noGrp="1"/>
+          </p:cNvSpPr>
+          <p:nvPr>
+            <p:ph sz="half" idx="2"/>
+          </p:nvPr>
+        </p:nvSpPr>
+        <p:spPr>
+          <a:xfrm>
+            <a:off x="7237136" y="1445125"/>
+            <a:ext cx="4884144" cy="4731839"/>
+          </a:xfrm>
+          <a:noFill/>
+          <a:ln>
+            <a:noFill/>
+          </a:ln>
+        </p:spPr>
+        <p:style>
+          <a:lnRef idx="1">
+            <a:schemeClr val="accent6"/>
+          </a:lnRef>
+          <a:fillRef idx="2">
+            <a:schemeClr val="accent6"/>
+          </a:fillRef>
+          <a:effectRef idx="1">
+            <a:schemeClr val="accent6"/>
+          </a:effectRef>
+          <a:fontRef idx="minor">
+            <a:schemeClr val="dk1"/>
+          </a:fontRef>
+        </p:style>
+        <p:txBody>
+          <a:bodyPr>
+            <a:normAutofit fontScale="92500" lnSpcReduction="10000"/>
+          </a:bodyPr>
+          <a:lstStyle/>
+          <a:p>
+            <a:pPr marL="0" indent="0" algn="ctr">
+              <a:buNone/>
+            </a:pPr>
+            <a:r>
+              <a:rPr lang="fr-BE" sz="2800" dirty="0"/>
+              <a:t>Code HTML</a:t>
+            </a:r>
+          </a:p>
+          <a:p>
+            <a:pPr marL="0" indent="0" defTabSz="355600">
+              <a:buNone/>
+            </a:pPr>
+            <a:r>
+              <a:rPr lang="fr-BE" sz="2400" dirty="0">
+                <a:solidFill>
+                  <a:schemeClr val="tx2"/>
+                </a:solidFill>
+                <a:latin typeface="Consolas" panose="020B0609020204030204" pitchFamily="49" charset="0"/>
+                <a:cs typeface="Courier New" panose="02070309020205020404" pitchFamily="49" charset="0"/>
+              </a:rPr>
+              <a:t>Fonction</a:t>
+            </a:r>
+            <a:br>
+              <a:rPr lang="fr-BE" sz="2400" dirty="0">
+                <a:solidFill>
+                  <a:schemeClr val="tx2"/>
+                </a:solidFill>
+                <a:latin typeface="Consolas" panose="020B0609020204030204" pitchFamily="49" charset="0"/>
+                <a:cs typeface="Courier New" panose="02070309020205020404" pitchFamily="49" charset="0"/>
+              </a:rPr>
+            </a:br>
+            <a:r>
+              <a:rPr lang="fr-BE" sz="2400" dirty="0">
+                <a:solidFill>
+                  <a:schemeClr val="accent6">
+                    <a:lumMod val="50000"/>
+                  </a:schemeClr>
+                </a:solidFill>
+                <a:latin typeface="Consolas" panose="020B0609020204030204" pitchFamily="49" charset="0"/>
+                <a:cs typeface="Courier New" panose="02070309020205020404" pitchFamily="49" charset="0"/>
+              </a:rPr>
+              <a:t>&lt;select id="fonction"&gt;</a:t>
+            </a:r>
+            <a:br>
+              <a:rPr lang="fr-BE" sz="2400" dirty="0">
+                <a:solidFill>
+                  <a:schemeClr val="accent6">
+                    <a:lumMod val="50000"/>
+                  </a:schemeClr>
+                </a:solidFill>
+                <a:latin typeface="Consolas" panose="020B0609020204030204" pitchFamily="49" charset="0"/>
+                <a:cs typeface="Courier New" panose="02070309020205020404" pitchFamily="49" charset="0"/>
+              </a:rPr>
+            </a:br>
+            <a:r>
+              <a:rPr lang="fr-BE" sz="2400" dirty="0">
+                <a:solidFill>
+                  <a:schemeClr val="accent6">
+                    <a:lumMod val="50000"/>
+                  </a:schemeClr>
+                </a:solidFill>
+                <a:latin typeface="Consolas" panose="020B0609020204030204" pitchFamily="49" charset="0"/>
+                <a:cs typeface="Courier New" panose="02070309020205020404" pitchFamily="49" charset="0"/>
+              </a:rPr>
+              <a:t>	&lt;option value="</a:t>
+            </a:r>
+            <a:r>
+              <a:rPr lang="fr-BE" sz="2400" dirty="0" err="1">
+                <a:solidFill>
+                  <a:schemeClr val="accent6">
+                    <a:lumMod val="50000"/>
+                  </a:schemeClr>
+                </a:solidFill>
+                <a:latin typeface="Consolas" panose="020B0609020204030204" pitchFamily="49" charset="0"/>
+                <a:cs typeface="Courier New" panose="02070309020205020404" pitchFamily="49" charset="0"/>
+              </a:rPr>
+              <a:t>etudiant</a:t>
+            </a:r>
+            <a:r>
+              <a:rPr lang="fr-BE" sz="2400" dirty="0">
+                <a:solidFill>
+                  <a:schemeClr val="accent6">
+                    <a:lumMod val="50000"/>
+                  </a:schemeClr>
+                </a:solidFill>
+                <a:latin typeface="Consolas" panose="020B0609020204030204" pitchFamily="49" charset="0"/>
+                <a:cs typeface="Courier New" panose="02070309020205020404" pitchFamily="49" charset="0"/>
+              </a:rPr>
+              <a:t>"&gt;</a:t>
+            </a:r>
+            <a:br>
+              <a:rPr lang="fr-BE" sz="2400" dirty="0">
+                <a:solidFill>
+                  <a:schemeClr val="accent6">
+                    <a:lumMod val="50000"/>
+                  </a:schemeClr>
+                </a:solidFill>
+                <a:latin typeface="Consolas" panose="020B0609020204030204" pitchFamily="49" charset="0"/>
+                <a:cs typeface="Courier New" panose="02070309020205020404" pitchFamily="49" charset="0"/>
+              </a:rPr>
+            </a:br>
+            <a:r>
+              <a:rPr lang="fr-BE" sz="2400" dirty="0">
+                <a:solidFill>
+                  <a:schemeClr val="accent6">
+                    <a:lumMod val="50000"/>
+                  </a:schemeClr>
+                </a:solidFill>
+                <a:latin typeface="Consolas" panose="020B0609020204030204" pitchFamily="49" charset="0"/>
+                <a:cs typeface="Courier New" panose="02070309020205020404" pitchFamily="49" charset="0"/>
+              </a:rPr>
+              <a:t>		Etudiant</a:t>
+            </a:r>
+            <a:br>
+              <a:rPr lang="fr-BE" sz="2400" dirty="0">
+                <a:solidFill>
+                  <a:schemeClr val="accent6">
+                    <a:lumMod val="50000"/>
+                  </a:schemeClr>
+                </a:solidFill>
+                <a:latin typeface="Consolas" panose="020B0609020204030204" pitchFamily="49" charset="0"/>
+                <a:cs typeface="Courier New" panose="02070309020205020404" pitchFamily="49" charset="0"/>
+              </a:rPr>
+            </a:br>
+            <a:r>
+              <a:rPr lang="fr-BE" sz="2400" dirty="0">
+                <a:solidFill>
+                  <a:schemeClr val="accent6">
+                    <a:lumMod val="50000"/>
+                  </a:schemeClr>
+                </a:solidFill>
+                <a:latin typeface="Consolas" panose="020B0609020204030204" pitchFamily="49" charset="0"/>
+                <a:cs typeface="Courier New" panose="02070309020205020404" pitchFamily="49" charset="0"/>
+              </a:rPr>
+              <a:t>	&lt;/option&gt;</a:t>
+            </a:r>
+            <a:br>
+              <a:rPr lang="fr-BE" sz="2400" dirty="0">
+                <a:solidFill>
+                  <a:schemeClr val="accent6">
+                    <a:lumMod val="50000"/>
+                  </a:schemeClr>
+                </a:solidFill>
+                <a:latin typeface="Consolas" panose="020B0609020204030204" pitchFamily="49" charset="0"/>
+                <a:cs typeface="Courier New" panose="02070309020205020404" pitchFamily="49" charset="0"/>
+              </a:rPr>
+            </a:br>
+            <a:r>
+              <a:rPr lang="fr-BE" sz="2400" dirty="0">
+                <a:solidFill>
+                  <a:schemeClr val="accent6">
+                    <a:lumMod val="50000"/>
+                  </a:schemeClr>
+                </a:solidFill>
+                <a:latin typeface="Consolas" panose="020B0609020204030204" pitchFamily="49" charset="0"/>
+                <a:cs typeface="Courier New" panose="02070309020205020404" pitchFamily="49" charset="0"/>
+              </a:rPr>
+              <a:t>	&lt;option value="</a:t>
+            </a:r>
+            <a:r>
+              <a:rPr lang="fr-BE" sz="2400" dirty="0" err="1">
+                <a:solidFill>
+                  <a:schemeClr val="accent6">
+                    <a:lumMod val="50000"/>
+                  </a:schemeClr>
+                </a:solidFill>
+                <a:latin typeface="Consolas" panose="020B0609020204030204" pitchFamily="49" charset="0"/>
+                <a:cs typeface="Courier New" panose="02070309020205020404" pitchFamily="49" charset="0"/>
+              </a:rPr>
+              <a:t>ingenieur</a:t>
+            </a:r>
+            <a:r>
+              <a:rPr lang="fr-BE" sz="2400" dirty="0">
+                <a:solidFill>
+                  <a:schemeClr val="accent6">
+                    <a:lumMod val="50000"/>
+                  </a:schemeClr>
+                </a:solidFill>
+                <a:latin typeface="Consolas" panose="020B0609020204030204" pitchFamily="49" charset="0"/>
+                <a:cs typeface="Courier New" panose="02070309020205020404" pitchFamily="49" charset="0"/>
+              </a:rPr>
+              <a:t>"&gt;</a:t>
+            </a:r>
+            <a:br>
+              <a:rPr lang="fr-BE" sz="2400" dirty="0">
+                <a:solidFill>
+                  <a:schemeClr val="accent6">
+                    <a:lumMod val="50000"/>
+                  </a:schemeClr>
+                </a:solidFill>
+                <a:latin typeface="Consolas" panose="020B0609020204030204" pitchFamily="49" charset="0"/>
+                <a:cs typeface="Courier New" panose="02070309020205020404" pitchFamily="49" charset="0"/>
+              </a:rPr>
+            </a:br>
+            <a:r>
+              <a:rPr lang="fr-BE" sz="2400" dirty="0">
+                <a:solidFill>
+                  <a:schemeClr val="accent6">
+                    <a:lumMod val="50000"/>
+                  </a:schemeClr>
+                </a:solidFill>
+                <a:latin typeface="Consolas" panose="020B0609020204030204" pitchFamily="49" charset="0"/>
+                <a:cs typeface="Courier New" panose="02070309020205020404" pitchFamily="49" charset="0"/>
+              </a:rPr>
+              <a:t>		Ingénieur</a:t>
+            </a:r>
+            <a:br>
+              <a:rPr lang="fr-BE" sz="2400" dirty="0">
+                <a:solidFill>
+                  <a:schemeClr val="accent6">
+                    <a:lumMod val="50000"/>
+                  </a:schemeClr>
+                </a:solidFill>
+                <a:latin typeface="Consolas" panose="020B0609020204030204" pitchFamily="49" charset="0"/>
+                <a:cs typeface="Courier New" panose="02070309020205020404" pitchFamily="49" charset="0"/>
+              </a:rPr>
+            </a:br>
+            <a:r>
+              <a:rPr lang="fr-BE" sz="2400" dirty="0">
+                <a:solidFill>
+                  <a:schemeClr val="accent6">
+                    <a:lumMod val="50000"/>
+                  </a:schemeClr>
+                </a:solidFill>
+                <a:latin typeface="Consolas" panose="020B0609020204030204" pitchFamily="49" charset="0"/>
+                <a:cs typeface="Courier New" panose="02070309020205020404" pitchFamily="49" charset="0"/>
+              </a:rPr>
+              <a:t>	&lt;/option&gt;</a:t>
+            </a:r>
+            <a:br>
+              <a:rPr lang="fr-BE" sz="2400" dirty="0">
+                <a:solidFill>
+                  <a:schemeClr val="accent6">
+                    <a:lumMod val="50000"/>
+                  </a:schemeClr>
+                </a:solidFill>
+                <a:latin typeface="Consolas" panose="020B0609020204030204" pitchFamily="49" charset="0"/>
+                <a:cs typeface="Courier New" panose="02070309020205020404" pitchFamily="49" charset="0"/>
+              </a:rPr>
+            </a:br>
+            <a:r>
+              <a:rPr lang="fr-BE" sz="2400" dirty="0">
+                <a:solidFill>
+                  <a:schemeClr val="accent6">
+                    <a:lumMod val="50000"/>
+                  </a:schemeClr>
+                </a:solidFill>
+                <a:latin typeface="Consolas" panose="020B0609020204030204" pitchFamily="49" charset="0"/>
+                <a:cs typeface="Courier New" panose="02070309020205020404" pitchFamily="49" charset="0"/>
+              </a:rPr>
+              <a:t>	&lt;option value="enseignant"&gt;</a:t>
+            </a:r>
+            <a:br>
+              <a:rPr lang="fr-BE" sz="2400" dirty="0">
+                <a:solidFill>
+                  <a:schemeClr val="accent6">
+                    <a:lumMod val="50000"/>
+                  </a:schemeClr>
+                </a:solidFill>
+                <a:latin typeface="Consolas" panose="020B0609020204030204" pitchFamily="49" charset="0"/>
+                <a:cs typeface="Courier New" panose="02070309020205020404" pitchFamily="49" charset="0"/>
+              </a:rPr>
+            </a:br>
+            <a:r>
+              <a:rPr lang="fr-BE" sz="2400" dirty="0">
+                <a:solidFill>
+                  <a:schemeClr val="accent6">
+                    <a:lumMod val="50000"/>
+                  </a:schemeClr>
+                </a:solidFill>
+                <a:latin typeface="Consolas" panose="020B0609020204030204" pitchFamily="49" charset="0"/>
+                <a:cs typeface="Courier New" panose="02070309020205020404" pitchFamily="49" charset="0"/>
+              </a:rPr>
+              <a:t>		Enseignant</a:t>
+            </a:r>
+            <a:br>
+              <a:rPr lang="fr-BE" sz="2400" dirty="0">
+                <a:solidFill>
+                  <a:schemeClr val="accent6">
+                    <a:lumMod val="50000"/>
+                  </a:schemeClr>
+                </a:solidFill>
+                <a:latin typeface="Consolas" panose="020B0609020204030204" pitchFamily="49" charset="0"/>
+                <a:cs typeface="Courier New" panose="02070309020205020404" pitchFamily="49" charset="0"/>
+              </a:rPr>
+            </a:br>
+            <a:r>
+              <a:rPr lang="fr-BE" sz="2400" dirty="0">
+                <a:solidFill>
+                  <a:schemeClr val="accent6">
+                    <a:lumMod val="50000"/>
+                  </a:schemeClr>
+                </a:solidFill>
+                <a:latin typeface="Consolas" panose="020B0609020204030204" pitchFamily="49" charset="0"/>
+                <a:cs typeface="Courier New" panose="02070309020205020404" pitchFamily="49" charset="0"/>
+              </a:rPr>
+              <a:t>	&lt;/option&gt;</a:t>
+            </a:r>
+            <a:br>
+              <a:rPr lang="fr-BE" sz="2400" dirty="0">
+                <a:solidFill>
+                  <a:schemeClr val="accent6">
+                    <a:lumMod val="50000"/>
+                  </a:schemeClr>
+                </a:solidFill>
+                <a:latin typeface="Consolas" panose="020B0609020204030204" pitchFamily="49" charset="0"/>
+                <a:cs typeface="Courier New" panose="02070309020205020404" pitchFamily="49" charset="0"/>
+              </a:rPr>
+            </a:br>
+            <a:r>
+              <a:rPr lang="fr-BE" sz="2400" dirty="0">
+                <a:solidFill>
+                  <a:schemeClr val="accent6">
+                    <a:lumMod val="50000"/>
+                  </a:schemeClr>
+                </a:solidFill>
+                <a:latin typeface="Consolas" panose="020B0609020204030204" pitchFamily="49" charset="0"/>
+                <a:cs typeface="Courier New" panose="02070309020205020404" pitchFamily="49" charset="0"/>
+              </a:rPr>
+              <a:t>	&lt;option value="retraite"&gt;</a:t>
+            </a:r>
+            <a:br>
+              <a:rPr lang="fr-BE" sz="2400" dirty="0">
+                <a:solidFill>
+                  <a:schemeClr val="accent6">
+                    <a:lumMod val="50000"/>
+                  </a:schemeClr>
+                </a:solidFill>
+                <a:latin typeface="Consolas" panose="020B0609020204030204" pitchFamily="49" charset="0"/>
+                <a:cs typeface="Courier New" panose="02070309020205020404" pitchFamily="49" charset="0"/>
+              </a:rPr>
+            </a:br>
+            <a:r>
+              <a:rPr lang="fr-BE" sz="2400" dirty="0">
+                <a:solidFill>
+                  <a:schemeClr val="accent6">
+                    <a:lumMod val="50000"/>
+                  </a:schemeClr>
+                </a:solidFill>
+                <a:latin typeface="Consolas" panose="020B0609020204030204" pitchFamily="49" charset="0"/>
+                <a:cs typeface="Courier New" panose="02070309020205020404" pitchFamily="49" charset="0"/>
+              </a:rPr>
+              <a:t>		Retraité</a:t>
+            </a:r>
+            <a:br>
+              <a:rPr lang="fr-BE" sz="2400" dirty="0">
+                <a:solidFill>
+                  <a:schemeClr val="accent6">
+                    <a:lumMod val="50000"/>
+                  </a:schemeClr>
+                </a:solidFill>
+                <a:latin typeface="Consolas" panose="020B0609020204030204" pitchFamily="49" charset="0"/>
+                <a:cs typeface="Courier New" panose="02070309020205020404" pitchFamily="49" charset="0"/>
+              </a:rPr>
+            </a:br>
+            <a:r>
+              <a:rPr lang="fr-BE" sz="2400" dirty="0">
+                <a:solidFill>
+                  <a:schemeClr val="accent6">
+                    <a:lumMod val="50000"/>
+                  </a:schemeClr>
+                </a:solidFill>
+                <a:latin typeface="Consolas" panose="020B0609020204030204" pitchFamily="49" charset="0"/>
+                <a:cs typeface="Courier New" panose="02070309020205020404" pitchFamily="49" charset="0"/>
+              </a:rPr>
+              <a:t>	&lt;/option&gt;</a:t>
+            </a:r>
+            <a:br>
+              <a:rPr lang="fr-BE" sz="2400" dirty="0">
+                <a:solidFill>
+                  <a:schemeClr val="accent6">
+                    <a:lumMod val="50000"/>
+                  </a:schemeClr>
+                </a:solidFill>
+                <a:latin typeface="Consolas" panose="020B0609020204030204" pitchFamily="49" charset="0"/>
+                <a:cs typeface="Courier New" panose="02070309020205020404" pitchFamily="49" charset="0"/>
+              </a:rPr>
+            </a:br>
+            <a:r>
+              <a:rPr lang="fr-BE" sz="2400" dirty="0">
+                <a:solidFill>
+                  <a:schemeClr val="accent6">
+                    <a:lumMod val="50000"/>
+                  </a:schemeClr>
+                </a:solidFill>
+                <a:latin typeface="Consolas" panose="020B0609020204030204" pitchFamily="49" charset="0"/>
+                <a:cs typeface="Courier New" panose="02070309020205020404" pitchFamily="49" charset="0"/>
+              </a:rPr>
+              <a:t>&lt;/select&gt;</a:t>
+            </a:r>
+          </a:p>
+        </p:txBody>
+      </p:sp>
+    </p:spTree>
+    <p:extLst>
+      <p:ext uri="{BB962C8B-B14F-4D97-AF65-F5344CB8AC3E}">
+        <p14:creationId xmlns:p14="http://schemas.microsoft.com/office/powerpoint/2010/main" val="811335374"/>
+      </p:ext>
+    </p:extLst>
+  </p:cSld>
+  <p:clrMapOvr>
+    <a:masterClrMapping/>
+  </p:clrMapOvr>
+  <mc:AlternateContent xmlns:mc="http://schemas.openxmlformats.org/markup-compatibility/2006" xmlns:p14="http://schemas.microsoft.com/office/powerpoint/2010/main">
+    <mc:Choice Requires="p14">
+      <p:transition spd="slow">
+        <p14:reveal/>
+      </p:transition>
+    </mc:Choice>
+    <mc:Fallback xmlns="">
+      <p:transition spd="slow">
+        <p:fade/>
+      </p:transition>
+    </mc:Fallback>
+  </mc:AlternateContent>
+</p:sld>
+</file>
+
 <file path=ppt/slides/slide8.xml><?xml version="1.0" encoding="utf-8"?>
 <p:sld xmlns:a="http://schemas.openxmlformats.org/drawingml/2006/main" xmlns:r="http://schemas.openxmlformats.org/officeDocument/2006/relationships" xmlns:p="http://schemas.openxmlformats.org/presentationml/2006/main">
   <p:cSld>
@@ -44211,6 +47372,458 @@
         </p:txBody>
       </p:sp>
     </p:spTree>
+  </p:cSld>
+  <p:clrMapOvr>
+    <a:masterClrMapping/>
+  </p:clrMapOvr>
+  <mc:AlternateContent xmlns:mc="http://schemas.openxmlformats.org/markup-compatibility/2006" xmlns:p14="http://schemas.microsoft.com/office/powerpoint/2010/main">
+    <mc:Choice Requires="p14">
+      <p:transition spd="slow">
+        <p14:reveal/>
+      </p:transition>
+    </mc:Choice>
+    <mc:Fallback xmlns="">
+      <p:transition spd="slow">
+        <p:fade/>
+      </p:transition>
+    </mc:Fallback>
+  </mc:AlternateContent>
+</p:sld>
+</file>
+
+<file path=ppt/slides/slide80.xml><?xml version="1.0" encoding="utf-8"?>
+<p:sld xmlns:a="http://schemas.openxmlformats.org/drawingml/2006/main" xmlns:r="http://schemas.openxmlformats.org/officeDocument/2006/relationships" xmlns:p="http://schemas.openxmlformats.org/presentationml/2006/main">
+  <p:cSld>
+    <p:spTree>
+      <p:nvGrpSpPr>
+        <p:cNvPr id="1" name=""/>
+        <p:cNvGrpSpPr/>
+        <p:nvPr/>
+      </p:nvGrpSpPr>
+      <p:grpSpPr>
+        <a:xfrm>
+          <a:off x="0" y="0"/>
+          <a:ext cx="0" cy="0"/>
+          <a:chOff x="0" y="0"/>
+          <a:chExt cx="0" cy="0"/>
+        </a:xfrm>
+      </p:grpSpPr>
+      <p:sp>
+        <p:nvSpPr>
+          <p:cNvPr id="2" name="Titre 1">
+            <a:extLst>
+              <a:ext uri="{FF2B5EF4-FFF2-40B4-BE49-F238E27FC236}">
+                <a16:creationId xmlns:a16="http://schemas.microsoft.com/office/drawing/2014/main" id="{30A5EF43-AC70-4917-8A73-1DFDEA2B7A3B}"/>
+              </a:ext>
+            </a:extLst>
+          </p:cNvPr>
+          <p:cNvSpPr>
+            <a:spLocks noGrp="1"/>
+          </p:cNvSpPr>
+          <p:nvPr>
+            <p:ph type="title"/>
+          </p:nvPr>
+        </p:nvSpPr>
+        <p:spPr/>
+        <p:txBody>
+          <a:bodyPr/>
+          <a:lstStyle/>
+          <a:p>
+            <a:r>
+              <a:rPr lang="fr-BE" dirty="0"/>
+              <a:t>Formulaire </a:t>
+            </a:r>
+            <a:r>
+              <a:rPr lang="fr-BE"/>
+              <a:t>: exo 41</a:t>
+            </a:r>
+            <a:endParaRPr lang="fr-BE" dirty="0"/>
+          </a:p>
+        </p:txBody>
+      </p:sp>
+      <p:sp>
+        <p:nvSpPr>
+          <p:cNvPr id="5" name="Espace réservé du contenu 4">
+            <a:extLst>
+              <a:ext uri="{FF2B5EF4-FFF2-40B4-BE49-F238E27FC236}">
+                <a16:creationId xmlns:a16="http://schemas.microsoft.com/office/drawing/2014/main" id="{12949F27-367D-4A0E-87CD-894422ACC085}"/>
+              </a:ext>
+            </a:extLst>
+          </p:cNvPr>
+          <p:cNvSpPr>
+            <a:spLocks noGrp="1"/>
+          </p:cNvSpPr>
+          <p:nvPr>
+            <p:ph idx="1"/>
+          </p:nvPr>
+        </p:nvSpPr>
+        <p:spPr/>
+        <p:txBody>
+          <a:bodyPr>
+            <a:normAutofit fontScale="70000" lnSpcReduction="20000"/>
+          </a:bodyPr>
+          <a:lstStyle/>
+          <a:p>
+            <a:r>
+              <a:rPr lang="fr-BE" dirty="0"/>
+              <a:t>Écrire dans un champ input</a:t>
+            </a:r>
+          </a:p>
+          <a:p>
+            <a:pPr marL="457189" lvl="1" indent="0">
+              <a:buNone/>
+            </a:pPr>
+            <a:r>
+              <a:rPr lang="fr-BE" b="1" dirty="0">
+                <a:solidFill>
+                  <a:schemeClr val="accent6">
+                    <a:lumMod val="50000"/>
+                  </a:schemeClr>
+                </a:solidFill>
+                <a:latin typeface="Courier New" panose="02070309020205020404" pitchFamily="49" charset="0"/>
+                <a:cs typeface="Courier New" panose="02070309020205020404" pitchFamily="49" charset="0"/>
+              </a:rPr>
+              <a:t>$('</a:t>
+            </a:r>
+            <a:r>
+              <a:rPr lang="fr-BE" b="1" dirty="0" err="1">
+                <a:solidFill>
+                  <a:schemeClr val="accent6">
+                    <a:lumMod val="50000"/>
+                  </a:schemeClr>
+                </a:solidFill>
+                <a:latin typeface="Courier New" panose="02070309020205020404" pitchFamily="49" charset="0"/>
+                <a:cs typeface="Courier New" panose="02070309020205020404" pitchFamily="49" charset="0"/>
+              </a:rPr>
+              <a:t>input#nom</a:t>
+            </a:r>
+            <a:r>
+              <a:rPr lang="fr-BE" b="1" dirty="0">
+                <a:solidFill>
+                  <a:schemeClr val="accent6">
+                    <a:lumMod val="50000"/>
+                  </a:schemeClr>
+                </a:solidFill>
+                <a:latin typeface="Courier New" panose="02070309020205020404" pitchFamily="49" charset="0"/>
+                <a:cs typeface="Courier New" panose="02070309020205020404" pitchFamily="49" charset="0"/>
+              </a:rPr>
+              <a:t>').val('Michel');</a:t>
+            </a:r>
+          </a:p>
+          <a:p>
+            <a:r>
+              <a:rPr lang="fr-BE" dirty="0"/>
+              <a:t>Écrire dans un champ </a:t>
+            </a:r>
+            <a:r>
+              <a:rPr lang="fr-BE" dirty="0" err="1"/>
+              <a:t>password</a:t>
+            </a:r>
+            <a:endParaRPr lang="fr-BE" dirty="0"/>
+          </a:p>
+          <a:p>
+            <a:pPr marL="457189" lvl="1" indent="0">
+              <a:buNone/>
+            </a:pPr>
+            <a:r>
+              <a:rPr lang="fr-BE" b="1" dirty="0">
+                <a:solidFill>
+                  <a:schemeClr val="accent6">
+                    <a:lumMod val="50000"/>
+                  </a:schemeClr>
+                </a:solidFill>
+                <a:latin typeface="Courier New" panose="02070309020205020404" pitchFamily="49" charset="0"/>
+                <a:cs typeface="Courier New" panose="02070309020205020404" pitchFamily="49" charset="0"/>
+              </a:rPr>
+              <a:t>$('</a:t>
+            </a:r>
+            <a:r>
+              <a:rPr lang="fr-BE" b="1" dirty="0" err="1">
+                <a:solidFill>
+                  <a:schemeClr val="accent6">
+                    <a:lumMod val="50000"/>
+                  </a:schemeClr>
+                </a:solidFill>
+                <a:latin typeface="Courier New" panose="02070309020205020404" pitchFamily="49" charset="0"/>
+                <a:cs typeface="Courier New" panose="02070309020205020404" pitchFamily="49" charset="0"/>
+              </a:rPr>
+              <a:t>input#pass</a:t>
+            </a:r>
+            <a:r>
+              <a:rPr lang="fr-BE" b="1" dirty="0">
+                <a:solidFill>
+                  <a:schemeClr val="accent6">
+                    <a:lumMod val="50000"/>
+                  </a:schemeClr>
+                </a:solidFill>
+                <a:latin typeface="Courier New" panose="02070309020205020404" pitchFamily="49" charset="0"/>
+                <a:cs typeface="Courier New" panose="02070309020205020404" pitchFamily="49" charset="0"/>
+              </a:rPr>
+              <a:t>').val( '</a:t>
+            </a:r>
+            <a:r>
+              <a:rPr lang="fr-BE" b="1" dirty="0" err="1">
+                <a:solidFill>
+                  <a:schemeClr val="accent6">
+                    <a:lumMod val="50000"/>
+                  </a:schemeClr>
+                </a:solidFill>
+                <a:latin typeface="Courier New" panose="02070309020205020404" pitchFamily="49" charset="0"/>
+                <a:cs typeface="Courier New" panose="02070309020205020404" pitchFamily="49" charset="0"/>
+              </a:rPr>
+              <a:t>CeciEstMonMotDePasse</a:t>
+            </a:r>
+            <a:r>
+              <a:rPr lang="fr-BE" b="1" dirty="0">
+                <a:solidFill>
+                  <a:schemeClr val="accent6">
+                    <a:lumMod val="50000"/>
+                  </a:schemeClr>
+                </a:solidFill>
+                <a:latin typeface="Courier New" panose="02070309020205020404" pitchFamily="49" charset="0"/>
+                <a:cs typeface="Courier New" panose="02070309020205020404" pitchFamily="49" charset="0"/>
+              </a:rPr>
+              <a:t>' );</a:t>
+            </a:r>
+          </a:p>
+          <a:p>
+            <a:r>
+              <a:rPr lang="fr-BE" dirty="0"/>
+              <a:t>Imposer une sélection dans une liste</a:t>
+            </a:r>
+          </a:p>
+          <a:p>
+            <a:pPr marL="457189" lvl="1" indent="0">
+              <a:buNone/>
+            </a:pPr>
+            <a:r>
+              <a:rPr lang="fr-BE" b="1" dirty="0">
+                <a:solidFill>
+                  <a:schemeClr val="accent6">
+                    <a:lumMod val="50000"/>
+                  </a:schemeClr>
+                </a:solidFill>
+                <a:latin typeface="Courier New" panose="02070309020205020404" pitchFamily="49" charset="0"/>
+                <a:cs typeface="Courier New" panose="02070309020205020404" pitchFamily="49" charset="0"/>
+              </a:rPr>
+              <a:t>$('#fonction').val('retraite');</a:t>
+            </a:r>
+          </a:p>
+          <a:p>
+            <a:r>
+              <a:rPr lang="fr-BE" dirty="0"/>
+              <a:t>Imposer une sélection dans une radio </a:t>
+            </a:r>
+          </a:p>
+          <a:p>
+            <a:pPr marL="457189" lvl="1" indent="0">
+              <a:buNone/>
+            </a:pPr>
+            <a:r>
+              <a:rPr lang="fr-BE" b="1" dirty="0">
+                <a:solidFill>
+                  <a:schemeClr val="accent6">
+                    <a:lumMod val="50000"/>
+                  </a:schemeClr>
+                </a:solidFill>
+                <a:latin typeface="Courier New" panose="02070309020205020404" pitchFamily="49" charset="0"/>
+                <a:cs typeface="Courier New" panose="02070309020205020404" pitchFamily="49" charset="0"/>
+              </a:rPr>
+              <a:t>$('</a:t>
+            </a:r>
+            <a:r>
+              <a:rPr lang="fr-BE" b="1" dirty="0" err="1">
+                <a:solidFill>
+                  <a:schemeClr val="accent6">
+                    <a:lumMod val="50000"/>
+                  </a:schemeClr>
+                </a:solidFill>
+                <a:latin typeface="Courier New" panose="02070309020205020404" pitchFamily="49" charset="0"/>
+                <a:cs typeface="Courier New" panose="02070309020205020404" pitchFamily="49" charset="0"/>
+              </a:rPr>
+              <a:t>input:radio</a:t>
+            </a:r>
+            <a:r>
+              <a:rPr lang="fr-BE" b="1" dirty="0">
+                <a:solidFill>
+                  <a:schemeClr val="accent6">
+                    <a:lumMod val="50000"/>
+                  </a:schemeClr>
+                </a:solidFill>
+                <a:latin typeface="Courier New" panose="02070309020205020404" pitchFamily="49" charset="0"/>
+                <a:cs typeface="Courier New" panose="02070309020205020404" pitchFamily="49" charset="0"/>
+              </a:rPr>
+              <a:t>').val(['H']);</a:t>
+            </a:r>
+          </a:p>
+          <a:p>
+            <a:r>
+              <a:rPr lang="fr-BE" dirty="0"/>
+              <a:t>Lire une sélection dans une radio </a:t>
+            </a:r>
+          </a:p>
+          <a:p>
+            <a:pPr marL="457189" lvl="1" indent="0">
+              <a:buNone/>
+            </a:pPr>
+            <a:r>
+              <a:rPr lang="fr-BE" b="1" dirty="0" err="1">
+                <a:solidFill>
+                  <a:schemeClr val="accent6">
+                    <a:lumMod val="50000"/>
+                  </a:schemeClr>
+                </a:solidFill>
+                <a:latin typeface="Courier New" panose="02070309020205020404" pitchFamily="49" charset="0"/>
+                <a:cs typeface="Courier New" panose="02070309020205020404" pitchFamily="49" charset="0"/>
+              </a:rPr>
+              <a:t>alert</a:t>
+            </a:r>
+            <a:r>
+              <a:rPr lang="fr-BE" b="1" dirty="0">
+                <a:solidFill>
+                  <a:schemeClr val="accent6">
+                    <a:lumMod val="50000"/>
+                  </a:schemeClr>
+                </a:solidFill>
+                <a:latin typeface="Courier New" panose="02070309020205020404" pitchFamily="49" charset="0"/>
+                <a:cs typeface="Courier New" panose="02070309020205020404" pitchFamily="49" charset="0"/>
+              </a:rPr>
+              <a:t>("H </a:t>
+            </a:r>
+            <a:r>
+              <a:rPr lang="fr-BE" b="1" dirty="0" err="1">
+                <a:solidFill>
+                  <a:schemeClr val="accent6">
+                    <a:lumMod val="50000"/>
+                  </a:schemeClr>
+                </a:solidFill>
+                <a:latin typeface="Courier New" panose="02070309020205020404" pitchFamily="49" charset="0"/>
+                <a:cs typeface="Courier New" panose="02070309020205020404" pitchFamily="49" charset="0"/>
+              </a:rPr>
+              <a:t>selected</a:t>
+            </a:r>
+            <a:r>
+              <a:rPr lang="fr-BE" b="1" dirty="0">
+                <a:solidFill>
+                  <a:schemeClr val="accent6">
+                    <a:lumMod val="50000"/>
+                  </a:schemeClr>
+                </a:solidFill>
+                <a:latin typeface="Courier New" panose="02070309020205020404" pitchFamily="49" charset="0"/>
+                <a:cs typeface="Courier New" panose="02070309020205020404" pitchFamily="49" charset="0"/>
+              </a:rPr>
+              <a:t> ? " + $('</a:t>
+            </a:r>
+            <a:r>
+              <a:rPr lang="fr-BE" b="1" dirty="0" err="1">
+                <a:solidFill>
+                  <a:schemeClr val="accent6">
+                    <a:lumMod val="50000"/>
+                  </a:schemeClr>
+                </a:solidFill>
+                <a:latin typeface="Courier New" panose="02070309020205020404" pitchFamily="49" charset="0"/>
+                <a:cs typeface="Courier New" panose="02070309020205020404" pitchFamily="49" charset="0"/>
+              </a:rPr>
+              <a:t>input:radio#H:checked</a:t>
+            </a:r>
+            <a:r>
+              <a:rPr lang="fr-BE" b="1" dirty="0">
+                <a:solidFill>
+                  <a:schemeClr val="accent6">
+                    <a:lumMod val="50000"/>
+                  </a:schemeClr>
+                </a:solidFill>
+                <a:latin typeface="Courier New" panose="02070309020205020404" pitchFamily="49" charset="0"/>
+                <a:cs typeface="Courier New" panose="02070309020205020404" pitchFamily="49" charset="0"/>
+              </a:rPr>
+              <a:t>').val());</a:t>
+            </a:r>
+          </a:p>
+          <a:p>
+            <a:pPr marL="457189" lvl="1" indent="0">
+              <a:buNone/>
+            </a:pPr>
+            <a:r>
+              <a:rPr lang="fr-BE" b="1" dirty="0" err="1">
+                <a:solidFill>
+                  <a:schemeClr val="accent6">
+                    <a:lumMod val="50000"/>
+                  </a:schemeClr>
+                </a:solidFill>
+                <a:latin typeface="Courier New" panose="02070309020205020404" pitchFamily="49" charset="0"/>
+                <a:cs typeface="Courier New" panose="02070309020205020404" pitchFamily="49" charset="0"/>
+              </a:rPr>
+              <a:t>alert</a:t>
+            </a:r>
+            <a:r>
+              <a:rPr lang="fr-BE" b="1" dirty="0">
+                <a:solidFill>
+                  <a:schemeClr val="accent6">
+                    <a:lumMod val="50000"/>
+                  </a:schemeClr>
+                </a:solidFill>
+                <a:latin typeface="Courier New" panose="02070309020205020404" pitchFamily="49" charset="0"/>
+                <a:cs typeface="Courier New" panose="02070309020205020404" pitchFamily="49" charset="0"/>
+              </a:rPr>
+              <a:t>("F </a:t>
+            </a:r>
+            <a:r>
+              <a:rPr lang="fr-BE" b="1" dirty="0" err="1">
+                <a:solidFill>
+                  <a:schemeClr val="accent6">
+                    <a:lumMod val="50000"/>
+                  </a:schemeClr>
+                </a:solidFill>
+                <a:latin typeface="Courier New" panose="02070309020205020404" pitchFamily="49" charset="0"/>
+                <a:cs typeface="Courier New" panose="02070309020205020404" pitchFamily="49" charset="0"/>
+              </a:rPr>
+              <a:t>selected</a:t>
+            </a:r>
+            <a:r>
+              <a:rPr lang="fr-BE" b="1" dirty="0">
+                <a:solidFill>
+                  <a:schemeClr val="accent6">
+                    <a:lumMod val="50000"/>
+                  </a:schemeClr>
+                </a:solidFill>
+                <a:latin typeface="Courier New" panose="02070309020205020404" pitchFamily="49" charset="0"/>
+                <a:cs typeface="Courier New" panose="02070309020205020404" pitchFamily="49" charset="0"/>
+              </a:rPr>
+              <a:t> ? " + $('</a:t>
+            </a:r>
+            <a:r>
+              <a:rPr lang="fr-BE" b="1" dirty="0" err="1">
+                <a:solidFill>
+                  <a:schemeClr val="accent6">
+                    <a:lumMod val="50000"/>
+                  </a:schemeClr>
+                </a:solidFill>
+                <a:latin typeface="Courier New" panose="02070309020205020404" pitchFamily="49" charset="0"/>
+                <a:cs typeface="Courier New" panose="02070309020205020404" pitchFamily="49" charset="0"/>
+              </a:rPr>
+              <a:t>input:radio#F:checked</a:t>
+            </a:r>
+            <a:r>
+              <a:rPr lang="fr-BE" b="1" dirty="0">
+                <a:solidFill>
+                  <a:schemeClr val="accent6">
+                    <a:lumMod val="50000"/>
+                  </a:schemeClr>
+                </a:solidFill>
+                <a:latin typeface="Courier New" panose="02070309020205020404" pitchFamily="49" charset="0"/>
+                <a:cs typeface="Courier New" panose="02070309020205020404" pitchFamily="49" charset="0"/>
+              </a:rPr>
+              <a:t>').val());</a:t>
+            </a:r>
+          </a:p>
+        </p:txBody>
+      </p:sp>
+    </p:spTree>
+    <p:extLst>
+      <p:ext uri="{BB962C8B-B14F-4D97-AF65-F5344CB8AC3E}">
+        <p14:creationId xmlns:p14="http://schemas.microsoft.com/office/powerpoint/2010/main" val="932655535"/>
+      </p:ext>
+    </p:extLst>
   </p:cSld>
   <p:clrMapOvr>
     <a:masterClrMapping/>
